--- a/source_2021/2_day_stat_regression/source/기초통계 - Z-test.pptx
+++ b/source_2021/2_day_stat_regression/source/기초통계 - Z-test.pptx
@@ -5,7 +5,7 @@
     <p:sldMasterId id="2147484257" r:id="rId1"/>
   </p:sldMasterIdLst>
   <p:notesMasterIdLst>
-    <p:notesMasterId r:id="rId18"/>
+    <p:notesMasterId r:id="rId21"/>
   </p:notesMasterIdLst>
   <p:sldIdLst>
     <p:sldId id="490" r:id="rId2"/>
@@ -24,6 +24,9 @@
     <p:sldId id="503" r:id="rId15"/>
     <p:sldId id="504" r:id="rId16"/>
     <p:sldId id="505" r:id="rId17"/>
+    <p:sldId id="506" r:id="rId18"/>
+    <p:sldId id="507" r:id="rId19"/>
+    <p:sldId id="508" r:id="rId20"/>
   </p:sldIdLst>
   <p:sldSz cx="9906000" cy="6858000" type="A4"/>
   <p:notesSz cx="6858000" cy="9144000"/>
@@ -364,7 +367,7 @@
               <a:pPr>
                 <a:defRPr/>
               </a:pPr>
-              <a:t>2022. 2. 6.</a:t>
+              <a:t>2022-02-08</a:t>
             </a:fld>
             <a:endParaRPr lang="ko-KR" altLang="en-US"/>
           </a:p>
@@ -4346,8 +4349,8 @@
           </a:p>
         </p:txBody>
       </p:sp>
-      <mc:AlternateContent xmlns:mc="http://schemas.openxmlformats.org/markup-compatibility/2006">
-        <mc:Choice xmlns:a14="http://schemas.microsoft.com/office/drawing/2010/main" Requires="a14">
+      <mc:AlternateContent xmlns:mc="http://schemas.openxmlformats.org/markup-compatibility/2006" xmlns:a14="http://schemas.microsoft.com/office/drawing/2010/main">
+        <mc:Choice Requires="a14">
           <p:sp>
             <p:nvSpPr>
               <p:cNvPr id="15" name="TextBox 14">
@@ -4455,7 +4458,7 @@
             </p:txBody>
           </p:sp>
         </mc:Choice>
-        <mc:Fallback>
+        <mc:Fallback xmlns="">
           <p:sp>
             <p:nvSpPr>
               <p:cNvPr id="15" name="TextBox 14">
@@ -4500,8 +4503,8 @@
           </p:sp>
         </mc:Fallback>
       </mc:AlternateContent>
-      <mc:AlternateContent xmlns:mc="http://schemas.openxmlformats.org/markup-compatibility/2006">
-        <mc:Choice xmlns:a14="http://schemas.microsoft.com/office/drawing/2010/main" Requires="a14">
+      <mc:AlternateContent xmlns:mc="http://schemas.openxmlformats.org/markup-compatibility/2006" xmlns:a14="http://schemas.microsoft.com/office/drawing/2010/main">
+        <mc:Choice Requires="a14">
           <p:sp>
             <p:nvSpPr>
               <p:cNvPr id="17" name="TextBox 16">
@@ -4598,7 +4601,7 @@
             </p:txBody>
           </p:sp>
         </mc:Choice>
-        <mc:Fallback>
+        <mc:Fallback xmlns="">
           <p:sp>
             <p:nvSpPr>
               <p:cNvPr id="17" name="TextBox 16">
@@ -4643,8 +4646,8 @@
           </p:sp>
         </mc:Fallback>
       </mc:AlternateContent>
-      <mc:AlternateContent xmlns:mc="http://schemas.openxmlformats.org/markup-compatibility/2006">
-        <mc:Choice xmlns:a14="http://schemas.microsoft.com/office/drawing/2010/main" Requires="a14">
+      <mc:AlternateContent xmlns:mc="http://schemas.openxmlformats.org/markup-compatibility/2006" xmlns:a14="http://schemas.microsoft.com/office/drawing/2010/main">
+        <mc:Choice Requires="a14">
           <p:sp>
             <p:nvSpPr>
               <p:cNvPr id="18" name="TextBox 17">
@@ -4775,7 +4778,7 @@
             </p:txBody>
           </p:sp>
         </mc:Choice>
-        <mc:Fallback>
+        <mc:Fallback xmlns="">
           <p:sp>
             <p:nvSpPr>
               <p:cNvPr id="18" name="TextBox 17">
@@ -4820,8 +4823,8 @@
           </p:sp>
         </mc:Fallback>
       </mc:AlternateContent>
-      <mc:AlternateContent xmlns:mc="http://schemas.openxmlformats.org/markup-compatibility/2006">
-        <mc:Choice xmlns:a14="http://schemas.microsoft.com/office/drawing/2010/main" Requires="a14">
+      <mc:AlternateContent xmlns:mc="http://schemas.openxmlformats.org/markup-compatibility/2006" xmlns:a14="http://schemas.microsoft.com/office/drawing/2010/main">
+        <mc:Choice Requires="a14">
           <p:sp>
             <p:nvSpPr>
               <p:cNvPr id="20" name="TextBox 19">
@@ -4941,7 +4944,7 @@
             </p:txBody>
           </p:sp>
         </mc:Choice>
-        <mc:Fallback>
+        <mc:Fallback xmlns="">
           <p:sp>
             <p:nvSpPr>
               <p:cNvPr id="20" name="TextBox 19">
@@ -5214,8 +5217,8 @@
           </a:p>
         </p:txBody>
       </p:sp>
-      <mc:AlternateContent xmlns:mc="http://schemas.openxmlformats.org/markup-compatibility/2006">
-        <mc:Choice xmlns:a14="http://schemas.microsoft.com/office/drawing/2010/main" Requires="a14">
+      <mc:AlternateContent xmlns:mc="http://schemas.openxmlformats.org/markup-compatibility/2006" xmlns:a14="http://schemas.microsoft.com/office/drawing/2010/main">
+        <mc:Choice Requires="a14">
           <p:sp>
             <p:nvSpPr>
               <p:cNvPr id="8" name="TextBox 7">
@@ -5308,7 +5311,7 @@
             </p:txBody>
           </p:sp>
         </mc:Choice>
-        <mc:Fallback>
+        <mc:Fallback xmlns="">
           <p:sp>
             <p:nvSpPr>
               <p:cNvPr id="8" name="TextBox 7">
@@ -5353,8 +5356,8 @@
           </p:sp>
         </mc:Fallback>
       </mc:AlternateContent>
-      <mc:AlternateContent xmlns:mc="http://schemas.openxmlformats.org/markup-compatibility/2006">
-        <mc:Choice xmlns:a14="http://schemas.microsoft.com/office/drawing/2010/main" Requires="a14">
+      <mc:AlternateContent xmlns:mc="http://schemas.openxmlformats.org/markup-compatibility/2006" xmlns:a14="http://schemas.microsoft.com/office/drawing/2010/main">
+        <mc:Choice Requires="a14">
           <p:graphicFrame>
             <p:nvGraphicFramePr>
               <p:cNvPr id="3" name="Table 3">
@@ -5490,13 +5493,6 @@
                             </a:rPr>
                             <a:t>0</a:t>
                           </a:r>
-                          <a:endParaRPr lang="en-KR" baseline="-25000" dirty="0">
-                            <a:solidFill>
-                              <a:schemeClr val="tx1"/>
-                            </a:solidFill>
-                            <a:latin typeface="KoPubDotum_Pro Medium" pitchFamily="2" charset="-127"/>
-                            <a:ea typeface="KoPubDotum_Pro Medium" pitchFamily="2" charset="-127"/>
-                          </a:endParaRPr>
                         </a:p>
                       </a:txBody>
                       <a:tcPr anchor="ctr">
@@ -6346,7 +6342,7 @@
             </a:graphic>
           </p:graphicFrame>
         </mc:Choice>
-        <mc:Fallback>
+        <mc:Fallback xmlns="">
           <p:graphicFrame>
             <p:nvGraphicFramePr>
               <p:cNvPr id="3" name="Table 3">
@@ -7366,8 +7362,8 @@
           </a:p>
         </p:txBody>
       </p:sp>
-      <mc:AlternateContent xmlns:mc="http://schemas.openxmlformats.org/markup-compatibility/2006">
-        <mc:Choice xmlns:a14="http://schemas.microsoft.com/office/drawing/2010/main" Requires="a14">
+      <mc:AlternateContent xmlns:mc="http://schemas.openxmlformats.org/markup-compatibility/2006" xmlns:a14="http://schemas.microsoft.com/office/drawing/2010/main">
+        <mc:Choice Requires="a14">
           <p:sp>
             <p:nvSpPr>
               <p:cNvPr id="8" name="TextBox 7">
@@ -7460,7 +7456,7 @@
             </p:txBody>
           </p:sp>
         </mc:Choice>
-        <mc:Fallback>
+        <mc:Fallback xmlns="">
           <p:sp>
             <p:nvSpPr>
               <p:cNvPr id="8" name="TextBox 7">
@@ -9646,8 +9642,8 @@
           </a:prstGeom>
         </p:spPr>
       </p:pic>
-      <mc:AlternateContent xmlns:mc="http://schemas.openxmlformats.org/markup-compatibility/2006">
-        <mc:Choice xmlns:a14="http://schemas.microsoft.com/office/drawing/2010/main" Requires="a14">
+      <mc:AlternateContent xmlns:mc="http://schemas.openxmlformats.org/markup-compatibility/2006" xmlns:a14="http://schemas.microsoft.com/office/drawing/2010/main">
+        <mc:Choice Requires="a14">
           <p:sp>
             <p:nvSpPr>
               <p:cNvPr id="6" name="TextBox 5">
@@ -9746,7 +9742,7 @@
             </p:txBody>
           </p:sp>
         </mc:Choice>
-        <mc:Fallback>
+        <mc:Fallback xmlns="">
           <p:sp>
             <p:nvSpPr>
               <p:cNvPr id="6" name="TextBox 5">
@@ -10039,6 +10035,2204 @@
 </p:sld>
 </file>
 
+<file path=ppt/slides/slide17.xml><?xml version="1.0" encoding="utf-8"?>
+<p:sld xmlns:a="http://schemas.openxmlformats.org/drawingml/2006/main" xmlns:r="http://schemas.openxmlformats.org/officeDocument/2006/relationships" xmlns:p="http://schemas.openxmlformats.org/presentationml/2006/main">
+  <p:cSld>
+    <p:spTree>
+      <p:nvGrpSpPr>
+        <p:cNvPr id="1" name=""/>
+        <p:cNvGrpSpPr/>
+        <p:nvPr/>
+      </p:nvGrpSpPr>
+      <p:grpSpPr>
+        <a:xfrm>
+          <a:off x="0" y="0"/>
+          <a:ext cx="0" cy="0"/>
+          <a:chOff x="0" y="0"/>
+          <a:chExt cx="0" cy="0"/>
+        </a:xfrm>
+      </p:grpSpPr>
+      <p:pic>
+        <p:nvPicPr>
+          <p:cNvPr id="11" name="그림 10"/>
+          <p:cNvPicPr>
+            <a:picLocks noChangeAspect="1"/>
+          </p:cNvPicPr>
+          <p:nvPr/>
+        </p:nvPicPr>
+        <p:blipFill>
+          <a:blip r:embed="rId2"/>
+          <a:stretch>
+            <a:fillRect/>
+          </a:stretch>
+        </p:blipFill>
+        <p:spPr>
+          <a:xfrm>
+            <a:off x="2968617" y="2731610"/>
+            <a:ext cx="3968763" cy="2763063"/>
+          </a:xfrm>
+          <a:prstGeom prst="rect">
+            <a:avLst/>
+          </a:prstGeom>
+        </p:spPr>
+      </p:pic>
+      <p:sp>
+        <p:nvSpPr>
+          <p:cNvPr id="5" name="TextBox 4">
+            <a:extLst>
+              <a:ext uri="{FF2B5EF4-FFF2-40B4-BE49-F238E27FC236}">
+                <a16:creationId xmlns:a16="http://schemas.microsoft.com/office/drawing/2014/main" id="{1222C5BD-354A-B546-981C-AF3407B6864D}"/>
+              </a:ext>
+            </a:extLst>
+          </p:cNvPr>
+          <p:cNvSpPr txBox="1">
+            <a:spLocks noChangeArrowheads="1"/>
+          </p:cNvSpPr>
+          <p:nvPr/>
+        </p:nvSpPr>
+        <p:spPr bwMode="auto">
+          <a:xfrm>
+            <a:off x="596516" y="152636"/>
+            <a:ext cx="9074150" cy="854080"/>
+          </a:xfrm>
+          <a:prstGeom prst="rect">
+            <a:avLst/>
+          </a:prstGeom>
+          <a:noFill/>
+          <a:ln>
+            <a:noFill/>
+          </a:ln>
+          <a:effectLst/>
+          <a:extLst>
+            <a:ext uri="{909E8E84-426E-40DD-AFC4-6F175D3DCCD1}">
+              <a14:hiddenFill xmlns:a14="http://schemas.microsoft.com/office/drawing/2010/main">
+                <a:solidFill>
+                  <a:schemeClr val="accent1"/>
+                </a:solidFill>
+              </a14:hiddenFill>
+            </a:ext>
+            <a:ext uri="{91240B29-F687-4F45-9708-019B960494DF}">
+              <a14:hiddenLine xmlns:a14="http://schemas.microsoft.com/office/drawing/2010/main" w="9525" algn="ctr">
+                <a:solidFill>
+                  <a:schemeClr val="tx1"/>
+                </a:solidFill>
+                <a:miter lim="800000"/>
+                <a:headEnd/>
+                <a:tailEnd/>
+              </a14:hiddenLine>
+            </a:ext>
+            <a:ext uri="{AF507438-7753-43E0-B8FC-AC1667EBCBE1}">
+              <a14:hiddenEffects xmlns:a14="http://schemas.microsoft.com/office/drawing/2010/main">
+                <a:effectLst>
+                  <a:outerShdw dist="35921" dir="2700000" algn="ctr" rotWithShape="0">
+                    <a:schemeClr val="bg2"/>
+                  </a:outerShdw>
+                </a:effectLst>
+              </a14:hiddenEffects>
+            </a:ext>
+          </a:extLst>
+        </p:spPr>
+        <p:txBody>
+          <a:bodyPr>
+            <a:spAutoFit/>
+          </a:bodyPr>
+          <a:lstStyle>
+            <a:lvl1pPr marL="261938" indent="-261938" eaLnBrk="0" hangingPunct="0">
+              <a:defRPr kumimoji="1" sz="1400" b="1">
+                <a:solidFill>
+                  <a:schemeClr val="tx1"/>
+                </a:solidFill>
+                <a:latin typeface="맑은 고딕" pitchFamily="50" charset="-127"/>
+                <a:ea typeface="맑은 고딕" pitchFamily="50" charset="-127"/>
+              </a:defRPr>
+            </a:lvl1pPr>
+            <a:lvl2pPr marL="441325" indent="-177800" eaLnBrk="0" hangingPunct="0">
+              <a:defRPr kumimoji="1" sz="1400" b="1">
+                <a:solidFill>
+                  <a:schemeClr val="tx1"/>
+                </a:solidFill>
+                <a:latin typeface="맑은 고딕" pitchFamily="50" charset="-127"/>
+                <a:ea typeface="맑은 고딕" pitchFamily="50" charset="-127"/>
+              </a:defRPr>
+            </a:lvl2pPr>
+            <a:lvl3pPr marL="603250" indent="-160338" eaLnBrk="0" hangingPunct="0">
+              <a:defRPr kumimoji="1" sz="1400" b="1">
+                <a:solidFill>
+                  <a:schemeClr val="tx1"/>
+                </a:solidFill>
+                <a:latin typeface="맑은 고딕" pitchFamily="50" charset="-127"/>
+                <a:ea typeface="맑은 고딕" pitchFamily="50" charset="-127"/>
+              </a:defRPr>
+            </a:lvl3pPr>
+            <a:lvl4pPr marL="1600200" indent="-228600" eaLnBrk="0" hangingPunct="0">
+              <a:defRPr kumimoji="1" sz="1400" b="1">
+                <a:solidFill>
+                  <a:schemeClr val="tx1"/>
+                </a:solidFill>
+                <a:latin typeface="맑은 고딕" pitchFamily="50" charset="-127"/>
+                <a:ea typeface="맑은 고딕" pitchFamily="50" charset="-127"/>
+              </a:defRPr>
+            </a:lvl4pPr>
+            <a:lvl5pPr marL="2057400" indent="-228600" eaLnBrk="0" hangingPunct="0">
+              <a:defRPr kumimoji="1" sz="1400" b="1">
+                <a:solidFill>
+                  <a:schemeClr val="tx1"/>
+                </a:solidFill>
+                <a:latin typeface="맑은 고딕" pitchFamily="50" charset="-127"/>
+                <a:ea typeface="맑은 고딕" pitchFamily="50" charset="-127"/>
+              </a:defRPr>
+            </a:lvl5pPr>
+            <a:lvl6pPr marL="2514600" indent="-228600" eaLnBrk="0" fontAlgn="base" hangingPunct="0">
+              <a:lnSpc>
+                <a:spcPct val="120000"/>
+              </a:lnSpc>
+              <a:spcBef>
+                <a:spcPct val="30000"/>
+              </a:spcBef>
+              <a:spcAft>
+                <a:spcPct val="0"/>
+              </a:spcAft>
+              <a:buChar char="•"/>
+              <a:defRPr kumimoji="1" sz="1400" b="1">
+                <a:solidFill>
+                  <a:schemeClr val="tx1"/>
+                </a:solidFill>
+                <a:latin typeface="맑은 고딕" pitchFamily="50" charset="-127"/>
+                <a:ea typeface="맑은 고딕" pitchFamily="50" charset="-127"/>
+              </a:defRPr>
+            </a:lvl6pPr>
+            <a:lvl7pPr marL="2971800" indent="-228600" eaLnBrk="0" fontAlgn="base" hangingPunct="0">
+              <a:lnSpc>
+                <a:spcPct val="120000"/>
+              </a:lnSpc>
+              <a:spcBef>
+                <a:spcPct val="30000"/>
+              </a:spcBef>
+              <a:spcAft>
+                <a:spcPct val="0"/>
+              </a:spcAft>
+              <a:buChar char="•"/>
+              <a:defRPr kumimoji="1" sz="1400" b="1">
+                <a:solidFill>
+                  <a:schemeClr val="tx1"/>
+                </a:solidFill>
+                <a:latin typeface="맑은 고딕" pitchFamily="50" charset="-127"/>
+                <a:ea typeface="맑은 고딕" pitchFamily="50" charset="-127"/>
+              </a:defRPr>
+            </a:lvl7pPr>
+            <a:lvl8pPr marL="3429000" indent="-228600" eaLnBrk="0" fontAlgn="base" hangingPunct="0">
+              <a:lnSpc>
+                <a:spcPct val="120000"/>
+              </a:lnSpc>
+              <a:spcBef>
+                <a:spcPct val="30000"/>
+              </a:spcBef>
+              <a:spcAft>
+                <a:spcPct val="0"/>
+              </a:spcAft>
+              <a:buChar char="•"/>
+              <a:defRPr kumimoji="1" sz="1400" b="1">
+                <a:solidFill>
+                  <a:schemeClr val="tx1"/>
+                </a:solidFill>
+                <a:latin typeface="맑은 고딕" pitchFamily="50" charset="-127"/>
+                <a:ea typeface="맑은 고딕" pitchFamily="50" charset="-127"/>
+              </a:defRPr>
+            </a:lvl8pPr>
+            <a:lvl9pPr marL="3886200" indent="-228600" eaLnBrk="0" fontAlgn="base" hangingPunct="0">
+              <a:lnSpc>
+                <a:spcPct val="120000"/>
+              </a:lnSpc>
+              <a:spcBef>
+                <a:spcPct val="30000"/>
+              </a:spcBef>
+              <a:spcAft>
+                <a:spcPct val="0"/>
+              </a:spcAft>
+              <a:buChar char="•"/>
+              <a:defRPr kumimoji="1" sz="1400" b="1">
+                <a:solidFill>
+                  <a:schemeClr val="tx1"/>
+                </a:solidFill>
+                <a:latin typeface="맑은 고딕" pitchFamily="50" charset="-127"/>
+                <a:ea typeface="맑은 고딕" pitchFamily="50" charset="-127"/>
+              </a:defRPr>
+            </a:lvl9pPr>
+          </a:lstStyle>
+          <a:p>
+            <a:pPr marL="0" indent="0" eaLnBrk="1" hangingPunct="1">
+              <a:lnSpc>
+                <a:spcPct val="250000"/>
+              </a:lnSpc>
+              <a:buNone/>
+            </a:pPr>
+            <a:r>
+              <a:rPr lang="ko-KR" altLang="en-US" sz="2400" b="0" dirty="0"/>
+              <a:t>❑ 가설 선택의 기준 수립</a:t>
+            </a:r>
+            <a:endParaRPr lang="ko-KR" altLang="en-US" sz="1800" b="0" dirty="0"/>
+          </a:p>
+        </p:txBody>
+      </p:sp>
+      <mc:AlternateContent xmlns:mc="http://schemas.openxmlformats.org/markup-compatibility/2006" xmlns:a14="http://schemas.microsoft.com/office/drawing/2010/main">
+        <mc:Choice Requires="a14">
+          <p:sp>
+            <p:nvSpPr>
+              <p:cNvPr id="6" name="TextBox 5">
+                <a:extLst>
+                  <a:ext uri="{FF2B5EF4-FFF2-40B4-BE49-F238E27FC236}">
+                    <a16:creationId xmlns:a16="http://schemas.microsoft.com/office/drawing/2014/main" id="{0BAD829E-11E8-7D4A-A4A5-B8EDC9050E70}"/>
+                  </a:ext>
+                </a:extLst>
+              </p:cNvPr>
+              <p:cNvSpPr txBox="1"/>
+              <p:nvPr/>
+            </p:nvSpPr>
+            <p:spPr>
+              <a:xfrm>
+                <a:off x="1706758" y="5768060"/>
+                <a:ext cx="6492483" cy="392736"/>
+              </a:xfrm>
+              <a:prstGeom prst="rect">
+                <a:avLst/>
+              </a:prstGeom>
+              <a:noFill/>
+            </p:spPr>
+            <p:txBody>
+              <a:bodyPr wrap="none" rtlCol="0">
+                <a:spAutoFit/>
+              </a:bodyPr>
+              <a:lstStyle/>
+              <a:p>
+                <a:pPr>
+                  <a:buNone/>
+                </a:pPr>
+                <a:r>
+                  <a:rPr lang="ko-KR" altLang="en-US" sz="1800" dirty="0"/>
+                  <a:t>자유도가 </a:t>
+                </a:r>
+                <a:r>
+                  <a:rPr lang="en-US" altLang="ko-KR" sz="1800" dirty="0"/>
+                  <a:t>30</a:t>
+                </a:r>
+                <a:r>
+                  <a:rPr lang="ko-KR" altLang="en-US" sz="1800" dirty="0"/>
+                  <a:t>인 </a:t>
+                </a:r>
+                <a:r>
+                  <a:rPr lang="en-US" altLang="ko-KR" sz="1800" dirty="0"/>
+                  <a:t>z-</a:t>
+                </a:r>
+                <a:r>
+                  <a:rPr lang="ko-KR" altLang="en-US" sz="1800" dirty="0"/>
+                  <a:t>분포에서 유의수준 </a:t>
+                </a:r>
+                <a14:m>
+                  <m:oMath xmlns:m="http://schemas.openxmlformats.org/officeDocument/2006/math">
+                    <m:r>
+                      <a:rPr lang="ko-KR" altLang="en-US" sz="1800" i="1" smtClean="0">
+                        <a:latin typeface="Cambria Math" panose="02040503050406030204" pitchFamily="18" charset="0"/>
+                      </a:rPr>
+                      <m:t>𝜶</m:t>
+                    </m:r>
+                    <m:r>
+                      <a:rPr lang="en-US" altLang="ko-KR" sz="1800" b="1" i="0" smtClean="0">
+                        <a:latin typeface="Cambria Math" panose="02040503050406030204" pitchFamily="18" charset="0"/>
+                      </a:rPr>
+                      <m:t>=</m:t>
+                    </m:r>
+                    <m:r>
+                      <a:rPr lang="en-US" altLang="ko-KR" sz="1800" b="1" i="0" smtClean="0">
+                        <a:latin typeface="Cambria Math" panose="02040503050406030204" pitchFamily="18" charset="0"/>
+                      </a:rPr>
+                      <m:t>𝟎</m:t>
+                    </m:r>
+                    <m:r>
+                      <a:rPr lang="en-US" altLang="ko-KR" sz="1800" b="1" i="0" smtClean="0">
+                        <a:latin typeface="Cambria Math" panose="02040503050406030204" pitchFamily="18" charset="0"/>
+                      </a:rPr>
+                      <m:t>.</m:t>
+                    </m:r>
+                    <m:r>
+                      <a:rPr lang="en-US" altLang="ko-KR" sz="1800" b="1" i="0" smtClean="0">
+                        <a:latin typeface="Cambria Math" panose="02040503050406030204" pitchFamily="18" charset="0"/>
+                      </a:rPr>
+                      <m:t>𝟎𝟓</m:t>
+                    </m:r>
+                  </m:oMath>
+                </a14:m>
+                <a:r>
+                  <a:rPr lang="ko-KR" altLang="en-US" sz="1800" dirty="0"/>
+                  <a:t>일 때의 </a:t>
+                </a:r>
+                <a:r>
+                  <a:rPr lang="ko-KR" altLang="en-US" sz="1800" dirty="0" err="1"/>
+                  <a:t>기각역</a:t>
+                </a:r>
+                <a:endParaRPr lang="en-KR" sz="1800" dirty="0"/>
+              </a:p>
+            </p:txBody>
+          </p:sp>
+        </mc:Choice>
+        <mc:Fallback xmlns="">
+          <p:sp>
+            <p:nvSpPr>
+              <p:cNvPr id="6" name="TextBox 5">
+                <a:extLst>
+                  <a:ext uri="{FF2B5EF4-FFF2-40B4-BE49-F238E27FC236}">
+                    <a16:creationId xmlns:a16="http://schemas.microsoft.com/office/drawing/2014/main" id="{0BAD829E-11E8-7D4A-A4A5-B8EDC9050E70}"/>
+                  </a:ext>
+                </a:extLst>
+              </p:cNvPr>
+              <p:cNvSpPr txBox="1">
+                <a:spLocks noRot="1" noChangeAspect="1" noMove="1" noResize="1" noEditPoints="1" noAdjustHandles="1" noChangeArrowheads="1" noChangeShapeType="1" noTextEdit="1"/>
+              </p:cNvSpPr>
+              <p:nvPr/>
+            </p:nvSpPr>
+            <p:spPr>
+              <a:xfrm>
+                <a:off x="1706758" y="5768060"/>
+                <a:ext cx="6492483" cy="392736"/>
+              </a:xfrm>
+              <a:prstGeom prst="rect">
+                <a:avLst/>
+              </a:prstGeom>
+              <a:blipFill>
+                <a:blip r:embed="rId3"/>
+                <a:stretch>
+                  <a:fillRect l="-781" t="-3125" b="-21875"/>
+                </a:stretch>
+              </a:blipFill>
+            </p:spPr>
+            <p:txBody>
+              <a:bodyPr/>
+              <a:lstStyle/>
+              <a:p>
+                <a:r>
+                  <a:rPr lang="en-KR">
+                    <a:noFill/>
+                  </a:rPr>
+                  <a:t> </a:t>
+                </a:r>
+              </a:p>
+            </p:txBody>
+          </p:sp>
+        </mc:Fallback>
+      </mc:AlternateContent>
+      <p:cxnSp>
+        <p:nvCxnSpPr>
+          <p:cNvPr id="4" name="Straight Arrow Connector 3">
+            <a:extLst>
+              <a:ext uri="{FF2B5EF4-FFF2-40B4-BE49-F238E27FC236}">
+                <a16:creationId xmlns:a16="http://schemas.microsoft.com/office/drawing/2014/main" id="{1F4B56F0-1106-634E-8654-AF4D76FD1ED9}"/>
+              </a:ext>
+            </a:extLst>
+          </p:cNvPr>
+          <p:cNvCxnSpPr/>
+          <p:nvPr/>
+        </p:nvCxnSpPr>
+        <p:spPr>
+          <a:xfrm>
+            <a:off x="3104837" y="4365104"/>
+            <a:ext cx="552019" cy="612068"/>
+          </a:xfrm>
+          <a:prstGeom prst="straightConnector1">
+            <a:avLst/>
+          </a:prstGeom>
+          <a:ln>
+            <a:solidFill>
+              <a:srgbClr val="002060"/>
+            </a:solidFill>
+            <a:tailEnd type="triangle"/>
+          </a:ln>
+        </p:spPr>
+        <p:style>
+          <a:lnRef idx="1">
+            <a:schemeClr val="accent1"/>
+          </a:lnRef>
+          <a:fillRef idx="0">
+            <a:schemeClr val="accent1"/>
+          </a:fillRef>
+          <a:effectRef idx="0">
+            <a:schemeClr val="accent1"/>
+          </a:effectRef>
+          <a:fontRef idx="minor">
+            <a:schemeClr val="tx1"/>
+          </a:fontRef>
+        </p:style>
+      </p:cxnSp>
+      <p:cxnSp>
+        <p:nvCxnSpPr>
+          <p:cNvPr id="9" name="Straight Arrow Connector 8">
+            <a:extLst>
+              <a:ext uri="{FF2B5EF4-FFF2-40B4-BE49-F238E27FC236}">
+                <a16:creationId xmlns:a16="http://schemas.microsoft.com/office/drawing/2014/main" id="{1E9680DE-46AE-3844-9E68-675684D65B34}"/>
+              </a:ext>
+            </a:extLst>
+          </p:cNvPr>
+          <p:cNvCxnSpPr>
+            <a:cxnSpLocks/>
+          </p:cNvCxnSpPr>
+          <p:nvPr/>
+        </p:nvCxnSpPr>
+        <p:spPr>
+          <a:xfrm flipH="1">
+            <a:off x="6287528" y="4365104"/>
+            <a:ext cx="513632" cy="648072"/>
+          </a:xfrm>
+          <a:prstGeom prst="straightConnector1">
+            <a:avLst/>
+          </a:prstGeom>
+          <a:ln>
+            <a:solidFill>
+              <a:srgbClr val="002060"/>
+            </a:solidFill>
+            <a:tailEnd type="triangle"/>
+          </a:ln>
+        </p:spPr>
+        <p:style>
+          <a:lnRef idx="1">
+            <a:schemeClr val="accent1"/>
+          </a:lnRef>
+          <a:fillRef idx="0">
+            <a:schemeClr val="accent1"/>
+          </a:fillRef>
+          <a:effectRef idx="0">
+            <a:schemeClr val="accent1"/>
+          </a:effectRef>
+          <a:fontRef idx="minor">
+            <a:schemeClr val="tx1"/>
+          </a:fontRef>
+        </p:style>
+      </p:cxnSp>
+      <p:sp>
+        <p:nvSpPr>
+          <p:cNvPr id="12" name="TextBox 11">
+            <a:extLst>
+              <a:ext uri="{FF2B5EF4-FFF2-40B4-BE49-F238E27FC236}">
+                <a16:creationId xmlns:a16="http://schemas.microsoft.com/office/drawing/2014/main" id="{8B6624D2-5C10-A74B-AC79-FBDFF8E27FC2}"/>
+              </a:ext>
+            </a:extLst>
+          </p:cNvPr>
+          <p:cNvSpPr txBox="1"/>
+          <p:nvPr/>
+        </p:nvSpPr>
+        <p:spPr>
+          <a:xfrm>
+            <a:off x="1100572" y="3950437"/>
+            <a:ext cx="2719014" cy="325410"/>
+          </a:xfrm>
+          <a:prstGeom prst="rect">
+            <a:avLst/>
+          </a:prstGeom>
+          <a:noFill/>
+        </p:spPr>
+        <p:txBody>
+          <a:bodyPr wrap="none" rtlCol="0">
+            <a:spAutoFit/>
+          </a:bodyPr>
+          <a:lstStyle/>
+          <a:p>
+            <a:pPr>
+              <a:buNone/>
+            </a:pPr>
+            <a:r>
+              <a:rPr lang="ko-KR" altLang="en-US" dirty="0" err="1"/>
+              <a:t>귀무가설</a:t>
+            </a:r>
+            <a:r>
+              <a:rPr lang="ko-KR" altLang="en-US" dirty="0"/>
+              <a:t> 기각 </a:t>
+            </a:r>
+            <a:r>
+              <a:rPr lang="en-US" altLang="ko-KR" dirty="0"/>
+              <a:t>=</a:t>
+            </a:r>
+            <a:r>
+              <a:rPr lang="ko-KR" altLang="en-US" dirty="0"/>
+              <a:t> </a:t>
+            </a:r>
+            <a:r>
+              <a:rPr lang="ko-KR" altLang="en-US" dirty="0" err="1"/>
+              <a:t>대립가설</a:t>
+            </a:r>
+            <a:r>
+              <a:rPr lang="ko-KR" altLang="en-US" dirty="0"/>
+              <a:t> 채택</a:t>
+            </a:r>
+            <a:endParaRPr lang="en-KR" dirty="0"/>
+          </a:p>
+        </p:txBody>
+      </p:sp>
+      <p:sp>
+        <p:nvSpPr>
+          <p:cNvPr id="13" name="TextBox 12">
+            <a:extLst>
+              <a:ext uri="{FF2B5EF4-FFF2-40B4-BE49-F238E27FC236}">
+                <a16:creationId xmlns:a16="http://schemas.microsoft.com/office/drawing/2014/main" id="{897DF467-79B3-414B-948C-D9231C3682C8}"/>
+              </a:ext>
+            </a:extLst>
+          </p:cNvPr>
+          <p:cNvSpPr txBox="1"/>
+          <p:nvPr/>
+        </p:nvSpPr>
+        <p:spPr>
+          <a:xfrm>
+            <a:off x="6086416" y="3959665"/>
+            <a:ext cx="2719014" cy="325410"/>
+          </a:xfrm>
+          <a:prstGeom prst="rect">
+            <a:avLst/>
+          </a:prstGeom>
+          <a:noFill/>
+        </p:spPr>
+        <p:txBody>
+          <a:bodyPr wrap="none" rtlCol="0">
+            <a:spAutoFit/>
+          </a:bodyPr>
+          <a:lstStyle/>
+          <a:p>
+            <a:pPr>
+              <a:buNone/>
+            </a:pPr>
+            <a:r>
+              <a:rPr lang="ko-KR" altLang="en-US" dirty="0" err="1"/>
+              <a:t>귀무가설</a:t>
+            </a:r>
+            <a:r>
+              <a:rPr lang="ko-KR" altLang="en-US" dirty="0"/>
+              <a:t> 기각 </a:t>
+            </a:r>
+            <a:r>
+              <a:rPr lang="en-US" altLang="ko-KR" dirty="0"/>
+              <a:t>=</a:t>
+            </a:r>
+            <a:r>
+              <a:rPr lang="ko-KR" altLang="en-US" dirty="0"/>
+              <a:t> </a:t>
+            </a:r>
+            <a:r>
+              <a:rPr lang="ko-KR" altLang="en-US" dirty="0" err="1"/>
+              <a:t>대립가설</a:t>
+            </a:r>
+            <a:r>
+              <a:rPr lang="ko-KR" altLang="en-US" dirty="0"/>
+              <a:t> 채택</a:t>
+            </a:r>
+            <a:endParaRPr lang="en-KR" dirty="0"/>
+          </a:p>
+        </p:txBody>
+      </p:sp>
+      <p:sp>
+        <p:nvSpPr>
+          <p:cNvPr id="14" name="TextBox 13">
+            <a:extLst>
+              <a:ext uri="{FF2B5EF4-FFF2-40B4-BE49-F238E27FC236}">
+                <a16:creationId xmlns:a16="http://schemas.microsoft.com/office/drawing/2014/main" id="{F882D35D-280C-EC46-86B9-19EF0E70C959}"/>
+              </a:ext>
+            </a:extLst>
+          </p:cNvPr>
+          <p:cNvSpPr txBox="1"/>
+          <p:nvPr/>
+        </p:nvSpPr>
+        <p:spPr>
+          <a:xfrm>
+            <a:off x="4310836" y="4363730"/>
+            <a:ext cx="1324402" cy="325410"/>
+          </a:xfrm>
+          <a:prstGeom prst="rect">
+            <a:avLst/>
+          </a:prstGeom>
+          <a:noFill/>
+        </p:spPr>
+        <p:txBody>
+          <a:bodyPr wrap="none" rtlCol="0">
+            <a:spAutoFit/>
+          </a:bodyPr>
+          <a:lstStyle/>
+          <a:p>
+            <a:pPr>
+              <a:buNone/>
+            </a:pPr>
+            <a:r>
+              <a:rPr lang="ko-KR" altLang="en-US" dirty="0" err="1"/>
+              <a:t>귀무가설</a:t>
+            </a:r>
+            <a:r>
+              <a:rPr lang="ko-KR" altLang="en-US" dirty="0"/>
+              <a:t> 채택</a:t>
+            </a:r>
+            <a:endParaRPr lang="en-KR" dirty="0"/>
+          </a:p>
+        </p:txBody>
+      </p:sp>
+      <p:sp>
+        <p:nvSpPr>
+          <p:cNvPr id="8" name="TextBox 7">
+            <a:extLst>
+              <a:ext uri="{FF2B5EF4-FFF2-40B4-BE49-F238E27FC236}">
+                <a16:creationId xmlns:a16="http://schemas.microsoft.com/office/drawing/2014/main" id="{950E22D6-7D3C-044D-844A-0EF328822ACD}"/>
+              </a:ext>
+            </a:extLst>
+          </p:cNvPr>
+          <p:cNvSpPr txBox="1"/>
+          <p:nvPr/>
+        </p:nvSpPr>
+        <p:spPr>
+          <a:xfrm>
+            <a:off x="850403" y="1009319"/>
+            <a:ext cx="8822122" cy="1072666"/>
+          </a:xfrm>
+          <a:prstGeom prst="rect">
+            <a:avLst/>
+          </a:prstGeom>
+          <a:noFill/>
+        </p:spPr>
+        <p:txBody>
+          <a:bodyPr wrap="square" rtlCol="0">
+            <a:spAutoFit/>
+          </a:bodyPr>
+          <a:lstStyle/>
+          <a:p>
+            <a:pPr marL="285750" indent="-285750">
+              <a:lnSpc>
+                <a:spcPct val="200000"/>
+              </a:lnSpc>
+              <a:buFont typeface="Courier New" panose="02070309020205020404" pitchFamily="49" charset="0"/>
+              <a:buChar char="o"/>
+            </a:pPr>
+            <a:r>
+              <a:rPr lang="ko-KR" altLang="en-US" sz="1600" dirty="0"/>
+              <a:t>만 </a:t>
+            </a:r>
+            <a:r>
+              <a:rPr lang="en-US" altLang="ko-KR" sz="1600" dirty="0"/>
+              <a:t>7</a:t>
+            </a:r>
+            <a:r>
+              <a:rPr lang="ko-KR" altLang="en-US" sz="1600" dirty="0"/>
+              <a:t>세 남자 어린이 키의 평균은 </a:t>
+            </a:r>
+            <a:r>
+              <a:rPr lang="en-US" altLang="ko-KR" sz="1600" dirty="0"/>
+              <a:t>120cm</a:t>
+            </a:r>
+            <a:r>
+              <a:rPr lang="ko-KR" altLang="en-US" sz="1600" dirty="0"/>
+              <a:t>가 아니다 </a:t>
+            </a:r>
+            <a:r>
+              <a:rPr lang="en-US" altLang="ko-KR" sz="1600" dirty="0"/>
+              <a:t>=</a:t>
+            </a:r>
+            <a:r>
+              <a:rPr lang="ko-KR" altLang="en-US" sz="1600" dirty="0"/>
+              <a:t> </a:t>
+            </a:r>
+            <a:r>
+              <a:rPr lang="ko-KR" altLang="en-US" sz="1600" dirty="0" err="1" smtClean="0"/>
+              <a:t>양측검정</a:t>
+            </a:r>
+            <a:endParaRPr lang="en-US" altLang="ko-KR" sz="1600" dirty="0" smtClean="0"/>
+          </a:p>
+          <a:p>
+            <a:pPr marL="742950" lvl="1" indent="-285750">
+              <a:lnSpc>
+                <a:spcPct val="200000"/>
+              </a:lnSpc>
+              <a:buFont typeface="Arial" panose="020B0604020202020204" pitchFamily="34" charset="0"/>
+              <a:buChar char="•"/>
+            </a:pPr>
+            <a:r>
+              <a:rPr lang="ko-KR" altLang="en-US" sz="1600" dirty="0" smtClean="0"/>
+              <a:t>그림상으로는 </a:t>
+            </a:r>
+            <a:r>
+              <a:rPr lang="ko-KR" altLang="en-US" sz="1600" dirty="0" err="1" smtClean="0"/>
+              <a:t>귀무가설을</a:t>
+            </a:r>
+            <a:r>
+              <a:rPr lang="ko-KR" altLang="en-US" sz="1600" dirty="0" smtClean="0"/>
+              <a:t> 채택해야 함 </a:t>
+            </a:r>
+            <a:endParaRPr lang="en-US" altLang="ko-KR" sz="1600" dirty="0"/>
+          </a:p>
+        </p:txBody>
+      </p:sp>
+    </p:spTree>
+    <p:extLst>
+      <p:ext uri="{BB962C8B-B14F-4D97-AF65-F5344CB8AC3E}">
+        <p14:creationId xmlns:p14="http://schemas.microsoft.com/office/powerpoint/2010/main" val="2588254393"/>
+      </p:ext>
+    </p:extLst>
+  </p:cSld>
+  <p:clrMapOvr>
+    <a:masterClrMapping/>
+  </p:clrMapOvr>
+</p:sld>
+</file>
+
+<file path=ppt/slides/slide18.xml><?xml version="1.0" encoding="utf-8"?>
+<p:sld xmlns:a="http://schemas.openxmlformats.org/drawingml/2006/main" xmlns:r="http://schemas.openxmlformats.org/officeDocument/2006/relationships" xmlns:p="http://schemas.openxmlformats.org/presentationml/2006/main">
+  <p:cSld>
+    <p:spTree>
+      <p:nvGrpSpPr>
+        <p:cNvPr id="1" name=""/>
+        <p:cNvGrpSpPr/>
+        <p:nvPr/>
+      </p:nvGrpSpPr>
+      <p:grpSpPr>
+        <a:xfrm>
+          <a:off x="0" y="0"/>
+          <a:ext cx="0" cy="0"/>
+          <a:chOff x="0" y="0"/>
+          <a:chExt cx="0" cy="0"/>
+        </a:xfrm>
+      </p:grpSpPr>
+      <p:pic>
+        <p:nvPicPr>
+          <p:cNvPr id="3" name="그림 2"/>
+          <p:cNvPicPr>
+            <a:picLocks noChangeAspect="1"/>
+          </p:cNvPicPr>
+          <p:nvPr/>
+        </p:nvPicPr>
+        <p:blipFill>
+          <a:blip r:embed="rId2"/>
+          <a:stretch>
+            <a:fillRect/>
+          </a:stretch>
+        </p:blipFill>
+        <p:spPr>
+          <a:xfrm>
+            <a:off x="3031518" y="2772791"/>
+            <a:ext cx="3850461" cy="2680701"/>
+          </a:xfrm>
+          <a:prstGeom prst="rect">
+            <a:avLst/>
+          </a:prstGeom>
+        </p:spPr>
+      </p:pic>
+      <p:sp>
+        <p:nvSpPr>
+          <p:cNvPr id="5" name="TextBox 4">
+            <a:extLst>
+              <a:ext uri="{FF2B5EF4-FFF2-40B4-BE49-F238E27FC236}">
+                <a16:creationId xmlns:a16="http://schemas.microsoft.com/office/drawing/2014/main" id="{1222C5BD-354A-B546-981C-AF3407B6864D}"/>
+              </a:ext>
+            </a:extLst>
+          </p:cNvPr>
+          <p:cNvSpPr txBox="1">
+            <a:spLocks noChangeArrowheads="1"/>
+          </p:cNvSpPr>
+          <p:nvPr/>
+        </p:nvSpPr>
+        <p:spPr bwMode="auto">
+          <a:xfrm>
+            <a:off x="596516" y="152636"/>
+            <a:ext cx="9074150" cy="854080"/>
+          </a:xfrm>
+          <a:prstGeom prst="rect">
+            <a:avLst/>
+          </a:prstGeom>
+          <a:noFill/>
+          <a:ln>
+            <a:noFill/>
+          </a:ln>
+          <a:effectLst/>
+          <a:extLst>
+            <a:ext uri="{909E8E84-426E-40DD-AFC4-6F175D3DCCD1}">
+              <a14:hiddenFill xmlns:a14="http://schemas.microsoft.com/office/drawing/2010/main">
+                <a:solidFill>
+                  <a:schemeClr val="accent1"/>
+                </a:solidFill>
+              </a14:hiddenFill>
+            </a:ext>
+            <a:ext uri="{91240B29-F687-4F45-9708-019B960494DF}">
+              <a14:hiddenLine xmlns:a14="http://schemas.microsoft.com/office/drawing/2010/main" w="9525" algn="ctr">
+                <a:solidFill>
+                  <a:schemeClr val="tx1"/>
+                </a:solidFill>
+                <a:miter lim="800000"/>
+                <a:headEnd/>
+                <a:tailEnd/>
+              </a14:hiddenLine>
+            </a:ext>
+            <a:ext uri="{AF507438-7753-43E0-B8FC-AC1667EBCBE1}">
+              <a14:hiddenEffects xmlns:a14="http://schemas.microsoft.com/office/drawing/2010/main">
+                <a:effectLst>
+                  <a:outerShdw dist="35921" dir="2700000" algn="ctr" rotWithShape="0">
+                    <a:schemeClr val="bg2"/>
+                  </a:outerShdw>
+                </a:effectLst>
+              </a14:hiddenEffects>
+            </a:ext>
+          </a:extLst>
+        </p:spPr>
+        <p:txBody>
+          <a:bodyPr>
+            <a:spAutoFit/>
+          </a:bodyPr>
+          <a:lstStyle>
+            <a:lvl1pPr marL="261938" indent="-261938" eaLnBrk="0" hangingPunct="0">
+              <a:defRPr kumimoji="1" sz="1400" b="1">
+                <a:solidFill>
+                  <a:schemeClr val="tx1"/>
+                </a:solidFill>
+                <a:latin typeface="맑은 고딕" pitchFamily="50" charset="-127"/>
+                <a:ea typeface="맑은 고딕" pitchFamily="50" charset="-127"/>
+              </a:defRPr>
+            </a:lvl1pPr>
+            <a:lvl2pPr marL="441325" indent="-177800" eaLnBrk="0" hangingPunct="0">
+              <a:defRPr kumimoji="1" sz="1400" b="1">
+                <a:solidFill>
+                  <a:schemeClr val="tx1"/>
+                </a:solidFill>
+                <a:latin typeface="맑은 고딕" pitchFamily="50" charset="-127"/>
+                <a:ea typeface="맑은 고딕" pitchFamily="50" charset="-127"/>
+              </a:defRPr>
+            </a:lvl2pPr>
+            <a:lvl3pPr marL="603250" indent="-160338" eaLnBrk="0" hangingPunct="0">
+              <a:defRPr kumimoji="1" sz="1400" b="1">
+                <a:solidFill>
+                  <a:schemeClr val="tx1"/>
+                </a:solidFill>
+                <a:latin typeface="맑은 고딕" pitchFamily="50" charset="-127"/>
+                <a:ea typeface="맑은 고딕" pitchFamily="50" charset="-127"/>
+              </a:defRPr>
+            </a:lvl3pPr>
+            <a:lvl4pPr marL="1600200" indent="-228600" eaLnBrk="0" hangingPunct="0">
+              <a:defRPr kumimoji="1" sz="1400" b="1">
+                <a:solidFill>
+                  <a:schemeClr val="tx1"/>
+                </a:solidFill>
+                <a:latin typeface="맑은 고딕" pitchFamily="50" charset="-127"/>
+                <a:ea typeface="맑은 고딕" pitchFamily="50" charset="-127"/>
+              </a:defRPr>
+            </a:lvl4pPr>
+            <a:lvl5pPr marL="2057400" indent="-228600" eaLnBrk="0" hangingPunct="0">
+              <a:defRPr kumimoji="1" sz="1400" b="1">
+                <a:solidFill>
+                  <a:schemeClr val="tx1"/>
+                </a:solidFill>
+                <a:latin typeface="맑은 고딕" pitchFamily="50" charset="-127"/>
+                <a:ea typeface="맑은 고딕" pitchFamily="50" charset="-127"/>
+              </a:defRPr>
+            </a:lvl5pPr>
+            <a:lvl6pPr marL="2514600" indent="-228600" eaLnBrk="0" fontAlgn="base" hangingPunct="0">
+              <a:lnSpc>
+                <a:spcPct val="120000"/>
+              </a:lnSpc>
+              <a:spcBef>
+                <a:spcPct val="30000"/>
+              </a:spcBef>
+              <a:spcAft>
+                <a:spcPct val="0"/>
+              </a:spcAft>
+              <a:buChar char="•"/>
+              <a:defRPr kumimoji="1" sz="1400" b="1">
+                <a:solidFill>
+                  <a:schemeClr val="tx1"/>
+                </a:solidFill>
+                <a:latin typeface="맑은 고딕" pitchFamily="50" charset="-127"/>
+                <a:ea typeface="맑은 고딕" pitchFamily="50" charset="-127"/>
+              </a:defRPr>
+            </a:lvl6pPr>
+            <a:lvl7pPr marL="2971800" indent="-228600" eaLnBrk="0" fontAlgn="base" hangingPunct="0">
+              <a:lnSpc>
+                <a:spcPct val="120000"/>
+              </a:lnSpc>
+              <a:spcBef>
+                <a:spcPct val="30000"/>
+              </a:spcBef>
+              <a:spcAft>
+                <a:spcPct val="0"/>
+              </a:spcAft>
+              <a:buChar char="•"/>
+              <a:defRPr kumimoji="1" sz="1400" b="1">
+                <a:solidFill>
+                  <a:schemeClr val="tx1"/>
+                </a:solidFill>
+                <a:latin typeface="맑은 고딕" pitchFamily="50" charset="-127"/>
+                <a:ea typeface="맑은 고딕" pitchFamily="50" charset="-127"/>
+              </a:defRPr>
+            </a:lvl7pPr>
+            <a:lvl8pPr marL="3429000" indent="-228600" eaLnBrk="0" fontAlgn="base" hangingPunct="0">
+              <a:lnSpc>
+                <a:spcPct val="120000"/>
+              </a:lnSpc>
+              <a:spcBef>
+                <a:spcPct val="30000"/>
+              </a:spcBef>
+              <a:spcAft>
+                <a:spcPct val="0"/>
+              </a:spcAft>
+              <a:buChar char="•"/>
+              <a:defRPr kumimoji="1" sz="1400" b="1">
+                <a:solidFill>
+                  <a:schemeClr val="tx1"/>
+                </a:solidFill>
+                <a:latin typeface="맑은 고딕" pitchFamily="50" charset="-127"/>
+                <a:ea typeface="맑은 고딕" pitchFamily="50" charset="-127"/>
+              </a:defRPr>
+            </a:lvl8pPr>
+            <a:lvl9pPr marL="3886200" indent="-228600" eaLnBrk="0" fontAlgn="base" hangingPunct="0">
+              <a:lnSpc>
+                <a:spcPct val="120000"/>
+              </a:lnSpc>
+              <a:spcBef>
+                <a:spcPct val="30000"/>
+              </a:spcBef>
+              <a:spcAft>
+                <a:spcPct val="0"/>
+              </a:spcAft>
+              <a:buChar char="•"/>
+              <a:defRPr kumimoji="1" sz="1400" b="1">
+                <a:solidFill>
+                  <a:schemeClr val="tx1"/>
+                </a:solidFill>
+                <a:latin typeface="맑은 고딕" pitchFamily="50" charset="-127"/>
+                <a:ea typeface="맑은 고딕" pitchFamily="50" charset="-127"/>
+              </a:defRPr>
+            </a:lvl9pPr>
+          </a:lstStyle>
+          <a:p>
+            <a:pPr marL="0" indent="0" eaLnBrk="1" hangingPunct="1">
+              <a:lnSpc>
+                <a:spcPct val="250000"/>
+              </a:lnSpc>
+              <a:buNone/>
+            </a:pPr>
+            <a:r>
+              <a:rPr lang="ko-KR" altLang="en-US" sz="2400" b="0" dirty="0"/>
+              <a:t>❑ </a:t>
+            </a:r>
+            <a:r>
+              <a:rPr lang="ko-KR" altLang="en-US" sz="2400" b="0" dirty="0" err="1" smtClean="0"/>
+              <a:t>유의확률과</a:t>
+            </a:r>
+            <a:r>
+              <a:rPr lang="ko-KR" altLang="en-US" sz="2400" b="0" dirty="0" smtClean="0"/>
+              <a:t> </a:t>
+            </a:r>
+            <a:r>
+              <a:rPr lang="ko-KR" altLang="en-US" sz="2400" b="0" dirty="0" err="1" smtClean="0"/>
+              <a:t>유의수준을</a:t>
+            </a:r>
+            <a:r>
+              <a:rPr lang="ko-KR" altLang="en-US" sz="2400" b="0" dirty="0" smtClean="0"/>
+              <a:t> 이용한 </a:t>
+            </a:r>
+            <a:r>
+              <a:rPr lang="ko-KR" altLang="en-US" sz="2400" b="0" dirty="0" err="1" smtClean="0"/>
+              <a:t>판정방법</a:t>
+            </a:r>
+            <a:endParaRPr lang="ko-KR" altLang="en-US" sz="1800" b="0" dirty="0"/>
+          </a:p>
+        </p:txBody>
+      </p:sp>
+      <mc:AlternateContent xmlns:mc="http://schemas.openxmlformats.org/markup-compatibility/2006" xmlns:a14="http://schemas.microsoft.com/office/drawing/2010/main">
+        <mc:Choice Requires="a14">
+          <p:sp>
+            <p:nvSpPr>
+              <p:cNvPr id="6" name="TextBox 5">
+                <a:extLst>
+                  <a:ext uri="{FF2B5EF4-FFF2-40B4-BE49-F238E27FC236}">
+                    <a16:creationId xmlns:a16="http://schemas.microsoft.com/office/drawing/2014/main" id="{0BAD829E-11E8-7D4A-A4A5-B8EDC9050E70}"/>
+                  </a:ext>
+                </a:extLst>
+              </p:cNvPr>
+              <p:cNvSpPr txBox="1"/>
+              <p:nvPr/>
+            </p:nvSpPr>
+            <p:spPr>
+              <a:xfrm>
+                <a:off x="1706758" y="5768060"/>
+                <a:ext cx="6492483" cy="392736"/>
+              </a:xfrm>
+              <a:prstGeom prst="rect">
+                <a:avLst/>
+              </a:prstGeom>
+              <a:noFill/>
+            </p:spPr>
+            <p:txBody>
+              <a:bodyPr wrap="none" rtlCol="0">
+                <a:spAutoFit/>
+              </a:bodyPr>
+              <a:lstStyle/>
+              <a:p>
+                <a:pPr>
+                  <a:buNone/>
+                </a:pPr>
+                <a:r>
+                  <a:rPr lang="ko-KR" altLang="en-US" sz="1800" dirty="0"/>
+                  <a:t>자유도가 </a:t>
+                </a:r>
+                <a:r>
+                  <a:rPr lang="en-US" altLang="ko-KR" sz="1800" dirty="0"/>
+                  <a:t>30</a:t>
+                </a:r>
+                <a:r>
+                  <a:rPr lang="ko-KR" altLang="en-US" sz="1800" dirty="0"/>
+                  <a:t>인 </a:t>
+                </a:r>
+                <a:r>
+                  <a:rPr lang="en-US" altLang="ko-KR" sz="1800" dirty="0"/>
+                  <a:t>z-</a:t>
+                </a:r>
+                <a:r>
+                  <a:rPr lang="ko-KR" altLang="en-US" sz="1800" dirty="0"/>
+                  <a:t>분포에서 유의수준 </a:t>
+                </a:r>
+                <a14:m>
+                  <m:oMath xmlns:m="http://schemas.openxmlformats.org/officeDocument/2006/math">
+                    <m:r>
+                      <a:rPr lang="ko-KR" altLang="en-US" sz="1800" i="1" smtClean="0">
+                        <a:latin typeface="Cambria Math" panose="02040503050406030204" pitchFamily="18" charset="0"/>
+                      </a:rPr>
+                      <m:t>𝜶</m:t>
+                    </m:r>
+                    <m:r>
+                      <a:rPr lang="en-US" altLang="ko-KR" sz="1800" b="1" i="0" smtClean="0">
+                        <a:latin typeface="Cambria Math" panose="02040503050406030204" pitchFamily="18" charset="0"/>
+                      </a:rPr>
+                      <m:t>=</m:t>
+                    </m:r>
+                    <m:r>
+                      <a:rPr lang="en-US" altLang="ko-KR" sz="1800" b="1" i="0" smtClean="0">
+                        <a:latin typeface="Cambria Math" panose="02040503050406030204" pitchFamily="18" charset="0"/>
+                      </a:rPr>
+                      <m:t>𝟎</m:t>
+                    </m:r>
+                    <m:r>
+                      <a:rPr lang="en-US" altLang="ko-KR" sz="1800" b="1" i="0" smtClean="0">
+                        <a:latin typeface="Cambria Math" panose="02040503050406030204" pitchFamily="18" charset="0"/>
+                      </a:rPr>
+                      <m:t>.</m:t>
+                    </m:r>
+                    <m:r>
+                      <a:rPr lang="en-US" altLang="ko-KR" sz="1800" b="1" i="0" smtClean="0">
+                        <a:latin typeface="Cambria Math" panose="02040503050406030204" pitchFamily="18" charset="0"/>
+                      </a:rPr>
+                      <m:t>𝟎𝟓</m:t>
+                    </m:r>
+                  </m:oMath>
+                </a14:m>
+                <a:r>
+                  <a:rPr lang="ko-KR" altLang="en-US" sz="1800" dirty="0"/>
+                  <a:t>일 때의 </a:t>
+                </a:r>
+                <a:r>
+                  <a:rPr lang="ko-KR" altLang="en-US" sz="1800" dirty="0" err="1"/>
+                  <a:t>기각역</a:t>
+                </a:r>
+                <a:endParaRPr lang="en-KR" sz="1800" dirty="0"/>
+              </a:p>
+            </p:txBody>
+          </p:sp>
+        </mc:Choice>
+        <mc:Fallback xmlns="">
+          <p:sp>
+            <p:nvSpPr>
+              <p:cNvPr id="6" name="TextBox 5">
+                <a:extLst>
+                  <a:ext uri="{FF2B5EF4-FFF2-40B4-BE49-F238E27FC236}">
+                    <a16:creationId xmlns:a16="http://schemas.microsoft.com/office/drawing/2014/main" id="{0BAD829E-11E8-7D4A-A4A5-B8EDC9050E70}"/>
+                  </a:ext>
+                </a:extLst>
+              </p:cNvPr>
+              <p:cNvSpPr txBox="1">
+                <a:spLocks noRot="1" noChangeAspect="1" noMove="1" noResize="1" noEditPoints="1" noAdjustHandles="1" noChangeArrowheads="1" noChangeShapeType="1" noTextEdit="1"/>
+              </p:cNvSpPr>
+              <p:nvPr/>
+            </p:nvSpPr>
+            <p:spPr>
+              <a:xfrm>
+                <a:off x="1706758" y="5768060"/>
+                <a:ext cx="6492483" cy="392736"/>
+              </a:xfrm>
+              <a:prstGeom prst="rect">
+                <a:avLst/>
+              </a:prstGeom>
+              <a:blipFill>
+                <a:blip r:embed="rId3"/>
+                <a:stretch>
+                  <a:fillRect l="-781" t="-3125" b="-21875"/>
+                </a:stretch>
+              </a:blipFill>
+            </p:spPr>
+            <p:txBody>
+              <a:bodyPr/>
+              <a:lstStyle/>
+              <a:p>
+                <a:r>
+                  <a:rPr lang="en-KR">
+                    <a:noFill/>
+                  </a:rPr>
+                  <a:t> </a:t>
+                </a:r>
+              </a:p>
+            </p:txBody>
+          </p:sp>
+        </mc:Fallback>
+      </mc:AlternateContent>
+      <p:cxnSp>
+        <p:nvCxnSpPr>
+          <p:cNvPr id="4" name="Straight Arrow Connector 3">
+            <a:extLst>
+              <a:ext uri="{FF2B5EF4-FFF2-40B4-BE49-F238E27FC236}">
+                <a16:creationId xmlns:a16="http://schemas.microsoft.com/office/drawing/2014/main" id="{1F4B56F0-1106-634E-8654-AF4D76FD1ED9}"/>
+              </a:ext>
+            </a:extLst>
+          </p:cNvPr>
+          <p:cNvCxnSpPr/>
+          <p:nvPr/>
+        </p:nvCxnSpPr>
+        <p:spPr>
+          <a:xfrm>
+            <a:off x="3104837" y="4365104"/>
+            <a:ext cx="552019" cy="612068"/>
+          </a:xfrm>
+          <a:prstGeom prst="straightConnector1">
+            <a:avLst/>
+          </a:prstGeom>
+          <a:ln>
+            <a:solidFill>
+              <a:srgbClr val="002060"/>
+            </a:solidFill>
+            <a:tailEnd type="triangle"/>
+          </a:ln>
+        </p:spPr>
+        <p:style>
+          <a:lnRef idx="1">
+            <a:schemeClr val="accent1"/>
+          </a:lnRef>
+          <a:fillRef idx="0">
+            <a:schemeClr val="accent1"/>
+          </a:fillRef>
+          <a:effectRef idx="0">
+            <a:schemeClr val="accent1"/>
+          </a:effectRef>
+          <a:fontRef idx="minor">
+            <a:schemeClr val="tx1"/>
+          </a:fontRef>
+        </p:style>
+      </p:cxnSp>
+      <p:cxnSp>
+        <p:nvCxnSpPr>
+          <p:cNvPr id="9" name="Straight Arrow Connector 8">
+            <a:extLst>
+              <a:ext uri="{FF2B5EF4-FFF2-40B4-BE49-F238E27FC236}">
+                <a16:creationId xmlns:a16="http://schemas.microsoft.com/office/drawing/2014/main" id="{1E9680DE-46AE-3844-9E68-675684D65B34}"/>
+              </a:ext>
+            </a:extLst>
+          </p:cNvPr>
+          <p:cNvCxnSpPr>
+            <a:cxnSpLocks/>
+          </p:cNvCxnSpPr>
+          <p:nvPr/>
+        </p:nvCxnSpPr>
+        <p:spPr>
+          <a:xfrm flipH="1">
+            <a:off x="6287528" y="4365104"/>
+            <a:ext cx="513632" cy="648072"/>
+          </a:xfrm>
+          <a:prstGeom prst="straightConnector1">
+            <a:avLst/>
+          </a:prstGeom>
+          <a:ln>
+            <a:solidFill>
+              <a:srgbClr val="002060"/>
+            </a:solidFill>
+            <a:tailEnd type="triangle"/>
+          </a:ln>
+        </p:spPr>
+        <p:style>
+          <a:lnRef idx="1">
+            <a:schemeClr val="accent1"/>
+          </a:lnRef>
+          <a:fillRef idx="0">
+            <a:schemeClr val="accent1"/>
+          </a:fillRef>
+          <a:effectRef idx="0">
+            <a:schemeClr val="accent1"/>
+          </a:effectRef>
+          <a:fontRef idx="minor">
+            <a:schemeClr val="tx1"/>
+          </a:fontRef>
+        </p:style>
+      </p:cxnSp>
+      <p:sp>
+        <p:nvSpPr>
+          <p:cNvPr id="12" name="TextBox 11">
+            <a:extLst>
+              <a:ext uri="{FF2B5EF4-FFF2-40B4-BE49-F238E27FC236}">
+                <a16:creationId xmlns:a16="http://schemas.microsoft.com/office/drawing/2014/main" id="{8B6624D2-5C10-A74B-AC79-FBDFF8E27FC2}"/>
+              </a:ext>
+            </a:extLst>
+          </p:cNvPr>
+          <p:cNvSpPr txBox="1"/>
+          <p:nvPr/>
+        </p:nvSpPr>
+        <p:spPr>
+          <a:xfrm>
+            <a:off x="1100572" y="3950437"/>
+            <a:ext cx="2719014" cy="325410"/>
+          </a:xfrm>
+          <a:prstGeom prst="rect">
+            <a:avLst/>
+          </a:prstGeom>
+          <a:noFill/>
+        </p:spPr>
+        <p:txBody>
+          <a:bodyPr wrap="none" rtlCol="0">
+            <a:spAutoFit/>
+          </a:bodyPr>
+          <a:lstStyle/>
+          <a:p>
+            <a:pPr>
+              <a:buNone/>
+            </a:pPr>
+            <a:r>
+              <a:rPr lang="ko-KR" altLang="en-US" dirty="0" err="1"/>
+              <a:t>귀무가설</a:t>
+            </a:r>
+            <a:r>
+              <a:rPr lang="ko-KR" altLang="en-US" dirty="0"/>
+              <a:t> 기각 </a:t>
+            </a:r>
+            <a:r>
+              <a:rPr lang="en-US" altLang="ko-KR" dirty="0"/>
+              <a:t>=</a:t>
+            </a:r>
+            <a:r>
+              <a:rPr lang="ko-KR" altLang="en-US" dirty="0"/>
+              <a:t> </a:t>
+            </a:r>
+            <a:r>
+              <a:rPr lang="ko-KR" altLang="en-US" dirty="0" err="1"/>
+              <a:t>대립가설</a:t>
+            </a:r>
+            <a:r>
+              <a:rPr lang="ko-KR" altLang="en-US" dirty="0"/>
+              <a:t> 채택</a:t>
+            </a:r>
+            <a:endParaRPr lang="en-KR" dirty="0"/>
+          </a:p>
+        </p:txBody>
+      </p:sp>
+      <p:sp>
+        <p:nvSpPr>
+          <p:cNvPr id="13" name="TextBox 12">
+            <a:extLst>
+              <a:ext uri="{FF2B5EF4-FFF2-40B4-BE49-F238E27FC236}">
+                <a16:creationId xmlns:a16="http://schemas.microsoft.com/office/drawing/2014/main" id="{897DF467-79B3-414B-948C-D9231C3682C8}"/>
+              </a:ext>
+            </a:extLst>
+          </p:cNvPr>
+          <p:cNvSpPr txBox="1"/>
+          <p:nvPr/>
+        </p:nvSpPr>
+        <p:spPr>
+          <a:xfrm>
+            <a:off x="6086416" y="3959665"/>
+            <a:ext cx="2719014" cy="325410"/>
+          </a:xfrm>
+          <a:prstGeom prst="rect">
+            <a:avLst/>
+          </a:prstGeom>
+          <a:noFill/>
+        </p:spPr>
+        <p:txBody>
+          <a:bodyPr wrap="none" rtlCol="0">
+            <a:spAutoFit/>
+          </a:bodyPr>
+          <a:lstStyle/>
+          <a:p>
+            <a:pPr>
+              <a:buNone/>
+            </a:pPr>
+            <a:r>
+              <a:rPr lang="ko-KR" altLang="en-US" dirty="0" err="1"/>
+              <a:t>귀무가설</a:t>
+            </a:r>
+            <a:r>
+              <a:rPr lang="ko-KR" altLang="en-US" dirty="0"/>
+              <a:t> 기각 </a:t>
+            </a:r>
+            <a:r>
+              <a:rPr lang="en-US" altLang="ko-KR" dirty="0"/>
+              <a:t>=</a:t>
+            </a:r>
+            <a:r>
+              <a:rPr lang="ko-KR" altLang="en-US" dirty="0"/>
+              <a:t> </a:t>
+            </a:r>
+            <a:r>
+              <a:rPr lang="ko-KR" altLang="en-US" dirty="0" err="1"/>
+              <a:t>대립가설</a:t>
+            </a:r>
+            <a:r>
+              <a:rPr lang="ko-KR" altLang="en-US" dirty="0"/>
+              <a:t> 채택</a:t>
+            </a:r>
+            <a:endParaRPr lang="en-KR" dirty="0"/>
+          </a:p>
+        </p:txBody>
+      </p:sp>
+      <p:sp>
+        <p:nvSpPr>
+          <p:cNvPr id="14" name="TextBox 13">
+            <a:extLst>
+              <a:ext uri="{FF2B5EF4-FFF2-40B4-BE49-F238E27FC236}">
+                <a16:creationId xmlns:a16="http://schemas.microsoft.com/office/drawing/2014/main" id="{F882D35D-280C-EC46-86B9-19EF0E70C959}"/>
+              </a:ext>
+            </a:extLst>
+          </p:cNvPr>
+          <p:cNvSpPr txBox="1"/>
+          <p:nvPr/>
+        </p:nvSpPr>
+        <p:spPr>
+          <a:xfrm>
+            <a:off x="4310836" y="4363730"/>
+            <a:ext cx="1324402" cy="325410"/>
+          </a:xfrm>
+          <a:prstGeom prst="rect">
+            <a:avLst/>
+          </a:prstGeom>
+          <a:noFill/>
+        </p:spPr>
+        <p:txBody>
+          <a:bodyPr wrap="none" rtlCol="0">
+            <a:spAutoFit/>
+          </a:bodyPr>
+          <a:lstStyle/>
+          <a:p>
+            <a:pPr>
+              <a:buNone/>
+            </a:pPr>
+            <a:r>
+              <a:rPr lang="ko-KR" altLang="en-US" dirty="0" err="1"/>
+              <a:t>귀무가설</a:t>
+            </a:r>
+            <a:r>
+              <a:rPr lang="ko-KR" altLang="en-US" dirty="0"/>
+              <a:t> 채택</a:t>
+            </a:r>
+            <a:endParaRPr lang="en-KR" dirty="0"/>
+          </a:p>
+        </p:txBody>
+      </p:sp>
+      <p:sp>
+        <p:nvSpPr>
+          <p:cNvPr id="8" name="TextBox 7">
+            <a:extLst>
+              <a:ext uri="{FF2B5EF4-FFF2-40B4-BE49-F238E27FC236}">
+                <a16:creationId xmlns:a16="http://schemas.microsoft.com/office/drawing/2014/main" id="{950E22D6-7D3C-044D-844A-0EF328822ACD}"/>
+              </a:ext>
+            </a:extLst>
+          </p:cNvPr>
+          <p:cNvSpPr txBox="1"/>
+          <p:nvPr/>
+        </p:nvSpPr>
+        <p:spPr>
+          <a:xfrm>
+            <a:off x="850403" y="1009319"/>
+            <a:ext cx="8822122" cy="1151084"/>
+          </a:xfrm>
+          <a:prstGeom prst="rect">
+            <a:avLst/>
+          </a:prstGeom>
+          <a:noFill/>
+        </p:spPr>
+        <p:txBody>
+          <a:bodyPr wrap="square" rtlCol="0">
+            <a:spAutoFit/>
+          </a:bodyPr>
+          <a:lstStyle/>
+          <a:p>
+            <a:pPr marL="285750" indent="-285750">
+              <a:lnSpc>
+                <a:spcPct val="200000"/>
+              </a:lnSpc>
+              <a:buFont typeface="Courier New" panose="02070309020205020404" pitchFamily="49" charset="0"/>
+              <a:buChar char="o"/>
+            </a:pPr>
+            <a:r>
+              <a:rPr lang="ko-KR" altLang="en-US" sz="1600" dirty="0" err="1" smtClean="0"/>
+              <a:t>유의확률</a:t>
+            </a:r>
+            <a:r>
+              <a:rPr lang="en-US" altLang="ko-KR" sz="1600" dirty="0" smtClean="0"/>
+              <a:t>(P-Value, Significance Probability)</a:t>
+            </a:r>
+            <a:r>
+              <a:rPr lang="ko-KR" altLang="en-US" sz="1600" dirty="0" smtClean="0"/>
+              <a:t>은 검정 통계량 활용하여 구함</a:t>
+            </a:r>
+            <a:endParaRPr lang="en-US" altLang="ko-KR" sz="1600" dirty="0" smtClean="0"/>
+          </a:p>
+          <a:p>
+            <a:pPr marL="742950" lvl="1" indent="-285750">
+              <a:lnSpc>
+                <a:spcPct val="200000"/>
+              </a:lnSpc>
+              <a:buFont typeface="Arial" panose="020B0604020202020204" pitchFamily="34" charset="0"/>
+              <a:buChar char="•"/>
+            </a:pPr>
+            <a:r>
+              <a:rPr lang="ko-KR" altLang="en-US" sz="1600" dirty="0" err="1" smtClean="0"/>
+              <a:t>양측검정</a:t>
+            </a:r>
+            <a:r>
+              <a:rPr lang="ko-KR" altLang="en-US" sz="1600" dirty="0" smtClean="0"/>
+              <a:t> </a:t>
+            </a:r>
+            <a:r>
+              <a:rPr lang="ko-KR" altLang="en-US" sz="1600" dirty="0" err="1" smtClean="0"/>
+              <a:t>유의확률</a:t>
+            </a:r>
+            <a:r>
+              <a:rPr lang="ko-KR" altLang="en-US" sz="1600" dirty="0" smtClean="0"/>
+              <a:t> </a:t>
+            </a:r>
+            <a:r>
+              <a:rPr lang="en-US" altLang="ko-KR" sz="1600" dirty="0" smtClean="0"/>
+              <a:t>0.039</a:t>
+            </a:r>
+            <a:r>
+              <a:rPr lang="ko-KR" altLang="en-US" sz="1600" dirty="0"/>
+              <a:t> </a:t>
+            </a:r>
+            <a:r>
+              <a:rPr lang="en-US" altLang="ko-KR" sz="1600" dirty="0" smtClean="0"/>
+              <a:t>&gt; </a:t>
+            </a:r>
+            <a:r>
+              <a:rPr lang="ko-KR" altLang="en-US" sz="1600" dirty="0" smtClean="0"/>
+              <a:t>유의 수준 </a:t>
+            </a:r>
+            <a:r>
+              <a:rPr lang="en-US" altLang="ko-KR" sz="1600" dirty="0" smtClean="0"/>
+              <a:t>0.025,</a:t>
+            </a:r>
+            <a:r>
+              <a:rPr lang="ko-KR" altLang="en-US" sz="1600" dirty="0" smtClean="0"/>
+              <a:t> </a:t>
+            </a:r>
+            <a:r>
+              <a:rPr lang="ko-KR" altLang="en-US" sz="1600" dirty="0" err="1" smtClean="0"/>
+              <a:t>귀무가설</a:t>
+            </a:r>
+            <a:r>
+              <a:rPr lang="ko-KR" altLang="en-US" sz="1600" dirty="0" smtClean="0"/>
+              <a:t> 채택 </a:t>
+            </a:r>
+            <a:r>
+              <a:rPr lang="en-US" altLang="ko-KR" sz="1600" dirty="0" smtClean="0"/>
+              <a:t>(</a:t>
+            </a:r>
+            <a:r>
+              <a:rPr lang="ko-KR" altLang="en-US" sz="1600" dirty="0"/>
+              <a:t>유의수준 </a:t>
+            </a:r>
+            <a:r>
+              <a:rPr lang="en-US" altLang="ko-KR" sz="1600" dirty="0"/>
+              <a:t>0.05</a:t>
+            </a:r>
+            <a:r>
+              <a:rPr lang="ko-KR" altLang="en-US" sz="1600" dirty="0"/>
+              <a:t>의 </a:t>
+            </a:r>
+            <a:r>
+              <a:rPr lang="ko-KR" altLang="en-US" sz="1600" dirty="0" smtClean="0"/>
+              <a:t>절반</a:t>
+            </a:r>
+            <a:r>
+              <a:rPr lang="en-US" altLang="ko-KR" sz="1600" dirty="0"/>
+              <a:t>)</a:t>
+            </a:r>
+          </a:p>
+        </p:txBody>
+      </p:sp>
+    </p:spTree>
+    <p:extLst>
+      <p:ext uri="{BB962C8B-B14F-4D97-AF65-F5344CB8AC3E}">
+        <p14:creationId xmlns:p14="http://schemas.microsoft.com/office/powerpoint/2010/main" val="1132761691"/>
+      </p:ext>
+    </p:extLst>
+  </p:cSld>
+  <p:clrMapOvr>
+    <a:masterClrMapping/>
+  </p:clrMapOvr>
+</p:sld>
+</file>
+
+<file path=ppt/slides/slide19.xml><?xml version="1.0" encoding="utf-8"?>
+<p:sld xmlns:a="http://schemas.openxmlformats.org/drawingml/2006/main" xmlns:r="http://schemas.openxmlformats.org/officeDocument/2006/relationships" xmlns:p="http://schemas.openxmlformats.org/presentationml/2006/main">
+  <p:cSld>
+    <p:spTree>
+      <p:nvGrpSpPr>
+        <p:cNvPr id="1" name=""/>
+        <p:cNvGrpSpPr/>
+        <p:nvPr/>
+      </p:nvGrpSpPr>
+      <p:grpSpPr>
+        <a:xfrm>
+          <a:off x="0" y="0"/>
+          <a:ext cx="0" cy="0"/>
+          <a:chOff x="0" y="0"/>
+          <a:chExt cx="0" cy="0"/>
+        </a:xfrm>
+      </p:grpSpPr>
+      <p:sp>
+        <p:nvSpPr>
+          <p:cNvPr id="5" name="TextBox 4">
+            <a:extLst>
+              <a:ext uri="{FF2B5EF4-FFF2-40B4-BE49-F238E27FC236}">
+                <a16:creationId xmlns:a16="http://schemas.microsoft.com/office/drawing/2014/main" id="{1222C5BD-354A-B546-981C-AF3407B6864D}"/>
+              </a:ext>
+            </a:extLst>
+          </p:cNvPr>
+          <p:cNvSpPr txBox="1">
+            <a:spLocks noChangeArrowheads="1"/>
+          </p:cNvSpPr>
+          <p:nvPr/>
+        </p:nvSpPr>
+        <p:spPr bwMode="auto">
+          <a:xfrm>
+            <a:off x="596516" y="152636"/>
+            <a:ext cx="9074150" cy="854080"/>
+          </a:xfrm>
+          <a:prstGeom prst="rect">
+            <a:avLst/>
+          </a:prstGeom>
+          <a:noFill/>
+          <a:ln>
+            <a:noFill/>
+          </a:ln>
+          <a:effectLst/>
+          <a:extLst>
+            <a:ext uri="{909E8E84-426E-40DD-AFC4-6F175D3DCCD1}">
+              <a14:hiddenFill xmlns:a14="http://schemas.microsoft.com/office/drawing/2010/main">
+                <a:solidFill>
+                  <a:schemeClr val="accent1"/>
+                </a:solidFill>
+              </a14:hiddenFill>
+            </a:ext>
+            <a:ext uri="{91240B29-F687-4F45-9708-019B960494DF}">
+              <a14:hiddenLine xmlns:a14="http://schemas.microsoft.com/office/drawing/2010/main" w="9525" algn="ctr">
+                <a:solidFill>
+                  <a:schemeClr val="tx1"/>
+                </a:solidFill>
+                <a:miter lim="800000"/>
+                <a:headEnd/>
+                <a:tailEnd/>
+              </a14:hiddenLine>
+            </a:ext>
+            <a:ext uri="{AF507438-7753-43E0-B8FC-AC1667EBCBE1}">
+              <a14:hiddenEffects xmlns:a14="http://schemas.microsoft.com/office/drawing/2010/main">
+                <a:effectLst>
+                  <a:outerShdw dist="35921" dir="2700000" algn="ctr" rotWithShape="0">
+                    <a:schemeClr val="bg2"/>
+                  </a:outerShdw>
+                </a:effectLst>
+              </a14:hiddenEffects>
+            </a:ext>
+          </a:extLst>
+        </p:spPr>
+        <p:txBody>
+          <a:bodyPr>
+            <a:spAutoFit/>
+          </a:bodyPr>
+          <a:lstStyle>
+            <a:lvl1pPr marL="261938" indent="-261938" eaLnBrk="0" hangingPunct="0">
+              <a:defRPr kumimoji="1" sz="1400" b="1">
+                <a:solidFill>
+                  <a:schemeClr val="tx1"/>
+                </a:solidFill>
+                <a:latin typeface="맑은 고딕" pitchFamily="50" charset="-127"/>
+                <a:ea typeface="맑은 고딕" pitchFamily="50" charset="-127"/>
+              </a:defRPr>
+            </a:lvl1pPr>
+            <a:lvl2pPr marL="441325" indent="-177800" eaLnBrk="0" hangingPunct="0">
+              <a:defRPr kumimoji="1" sz="1400" b="1">
+                <a:solidFill>
+                  <a:schemeClr val="tx1"/>
+                </a:solidFill>
+                <a:latin typeface="맑은 고딕" pitchFamily="50" charset="-127"/>
+                <a:ea typeface="맑은 고딕" pitchFamily="50" charset="-127"/>
+              </a:defRPr>
+            </a:lvl2pPr>
+            <a:lvl3pPr marL="603250" indent="-160338" eaLnBrk="0" hangingPunct="0">
+              <a:defRPr kumimoji="1" sz="1400" b="1">
+                <a:solidFill>
+                  <a:schemeClr val="tx1"/>
+                </a:solidFill>
+                <a:latin typeface="맑은 고딕" pitchFamily="50" charset="-127"/>
+                <a:ea typeface="맑은 고딕" pitchFamily="50" charset="-127"/>
+              </a:defRPr>
+            </a:lvl3pPr>
+            <a:lvl4pPr marL="1600200" indent="-228600" eaLnBrk="0" hangingPunct="0">
+              <a:defRPr kumimoji="1" sz="1400" b="1">
+                <a:solidFill>
+                  <a:schemeClr val="tx1"/>
+                </a:solidFill>
+                <a:latin typeface="맑은 고딕" pitchFamily="50" charset="-127"/>
+                <a:ea typeface="맑은 고딕" pitchFamily="50" charset="-127"/>
+              </a:defRPr>
+            </a:lvl4pPr>
+            <a:lvl5pPr marL="2057400" indent="-228600" eaLnBrk="0" hangingPunct="0">
+              <a:defRPr kumimoji="1" sz="1400" b="1">
+                <a:solidFill>
+                  <a:schemeClr val="tx1"/>
+                </a:solidFill>
+                <a:latin typeface="맑은 고딕" pitchFamily="50" charset="-127"/>
+                <a:ea typeface="맑은 고딕" pitchFamily="50" charset="-127"/>
+              </a:defRPr>
+            </a:lvl5pPr>
+            <a:lvl6pPr marL="2514600" indent="-228600" eaLnBrk="0" fontAlgn="base" hangingPunct="0">
+              <a:lnSpc>
+                <a:spcPct val="120000"/>
+              </a:lnSpc>
+              <a:spcBef>
+                <a:spcPct val="30000"/>
+              </a:spcBef>
+              <a:spcAft>
+                <a:spcPct val="0"/>
+              </a:spcAft>
+              <a:buChar char="•"/>
+              <a:defRPr kumimoji="1" sz="1400" b="1">
+                <a:solidFill>
+                  <a:schemeClr val="tx1"/>
+                </a:solidFill>
+                <a:latin typeface="맑은 고딕" pitchFamily="50" charset="-127"/>
+                <a:ea typeface="맑은 고딕" pitchFamily="50" charset="-127"/>
+              </a:defRPr>
+            </a:lvl6pPr>
+            <a:lvl7pPr marL="2971800" indent="-228600" eaLnBrk="0" fontAlgn="base" hangingPunct="0">
+              <a:lnSpc>
+                <a:spcPct val="120000"/>
+              </a:lnSpc>
+              <a:spcBef>
+                <a:spcPct val="30000"/>
+              </a:spcBef>
+              <a:spcAft>
+                <a:spcPct val="0"/>
+              </a:spcAft>
+              <a:buChar char="•"/>
+              <a:defRPr kumimoji="1" sz="1400" b="1">
+                <a:solidFill>
+                  <a:schemeClr val="tx1"/>
+                </a:solidFill>
+                <a:latin typeface="맑은 고딕" pitchFamily="50" charset="-127"/>
+                <a:ea typeface="맑은 고딕" pitchFamily="50" charset="-127"/>
+              </a:defRPr>
+            </a:lvl7pPr>
+            <a:lvl8pPr marL="3429000" indent="-228600" eaLnBrk="0" fontAlgn="base" hangingPunct="0">
+              <a:lnSpc>
+                <a:spcPct val="120000"/>
+              </a:lnSpc>
+              <a:spcBef>
+                <a:spcPct val="30000"/>
+              </a:spcBef>
+              <a:spcAft>
+                <a:spcPct val="0"/>
+              </a:spcAft>
+              <a:buChar char="•"/>
+              <a:defRPr kumimoji="1" sz="1400" b="1">
+                <a:solidFill>
+                  <a:schemeClr val="tx1"/>
+                </a:solidFill>
+                <a:latin typeface="맑은 고딕" pitchFamily="50" charset="-127"/>
+                <a:ea typeface="맑은 고딕" pitchFamily="50" charset="-127"/>
+              </a:defRPr>
+            </a:lvl8pPr>
+            <a:lvl9pPr marL="3886200" indent="-228600" eaLnBrk="0" fontAlgn="base" hangingPunct="0">
+              <a:lnSpc>
+                <a:spcPct val="120000"/>
+              </a:lnSpc>
+              <a:spcBef>
+                <a:spcPct val="30000"/>
+              </a:spcBef>
+              <a:spcAft>
+                <a:spcPct val="0"/>
+              </a:spcAft>
+              <a:buChar char="•"/>
+              <a:defRPr kumimoji="1" sz="1400" b="1">
+                <a:solidFill>
+                  <a:schemeClr val="tx1"/>
+                </a:solidFill>
+                <a:latin typeface="맑은 고딕" pitchFamily="50" charset="-127"/>
+                <a:ea typeface="맑은 고딕" pitchFamily="50" charset="-127"/>
+              </a:defRPr>
+            </a:lvl9pPr>
+          </a:lstStyle>
+          <a:p>
+            <a:pPr marL="0" indent="0" eaLnBrk="1" hangingPunct="1">
+              <a:lnSpc>
+                <a:spcPct val="250000"/>
+              </a:lnSpc>
+              <a:buNone/>
+            </a:pPr>
+            <a:r>
+              <a:rPr lang="ko-KR" altLang="en-US" sz="2400" b="0" dirty="0" smtClean="0"/>
+              <a:t>❑ 통계 해석</a:t>
+            </a:r>
+            <a:endParaRPr lang="ko-KR" altLang="en-US" sz="1800" b="0" dirty="0"/>
+          </a:p>
+        </p:txBody>
+      </p:sp>
+      <mc:AlternateContent xmlns:mc="http://schemas.openxmlformats.org/markup-compatibility/2006" xmlns:a14="http://schemas.microsoft.com/office/drawing/2010/main">
+        <mc:Choice Requires="a14">
+          <p:sp>
+            <p:nvSpPr>
+              <p:cNvPr id="6" name="TextBox 5">
+                <a:extLst>
+                  <a:ext uri="{FF2B5EF4-FFF2-40B4-BE49-F238E27FC236}">
+                    <a16:creationId xmlns:a16="http://schemas.microsoft.com/office/drawing/2014/main" id="{0BAD829E-11E8-7D4A-A4A5-B8EDC9050E70}"/>
+                  </a:ext>
+                </a:extLst>
+              </p:cNvPr>
+              <p:cNvSpPr txBox="1"/>
+              <p:nvPr/>
+            </p:nvSpPr>
+            <p:spPr>
+              <a:xfrm>
+                <a:off x="1706758" y="5768060"/>
+                <a:ext cx="6492483" cy="392736"/>
+              </a:xfrm>
+              <a:prstGeom prst="rect">
+                <a:avLst/>
+              </a:prstGeom>
+              <a:noFill/>
+            </p:spPr>
+            <p:txBody>
+              <a:bodyPr wrap="none" rtlCol="0">
+                <a:spAutoFit/>
+              </a:bodyPr>
+              <a:lstStyle/>
+              <a:p>
+                <a:pPr>
+                  <a:buNone/>
+                </a:pPr>
+                <a:r>
+                  <a:rPr lang="ko-KR" altLang="en-US" sz="1800" dirty="0"/>
+                  <a:t>자유도가 </a:t>
+                </a:r>
+                <a:r>
+                  <a:rPr lang="en-US" altLang="ko-KR" sz="1800" dirty="0"/>
+                  <a:t>30</a:t>
+                </a:r>
+                <a:r>
+                  <a:rPr lang="ko-KR" altLang="en-US" sz="1800" dirty="0"/>
+                  <a:t>인 </a:t>
+                </a:r>
+                <a:r>
+                  <a:rPr lang="en-US" altLang="ko-KR" sz="1800" dirty="0"/>
+                  <a:t>z-</a:t>
+                </a:r>
+                <a:r>
+                  <a:rPr lang="ko-KR" altLang="en-US" sz="1800" dirty="0"/>
+                  <a:t>분포에서 유의수준 </a:t>
+                </a:r>
+                <a14:m>
+                  <m:oMath xmlns:m="http://schemas.openxmlformats.org/officeDocument/2006/math">
+                    <m:r>
+                      <a:rPr lang="ko-KR" altLang="en-US" sz="1800" i="1" smtClean="0">
+                        <a:latin typeface="Cambria Math" panose="02040503050406030204" pitchFamily="18" charset="0"/>
+                      </a:rPr>
+                      <m:t>𝜶</m:t>
+                    </m:r>
+                    <m:r>
+                      <a:rPr lang="en-US" altLang="ko-KR" sz="1800" b="1" i="0" smtClean="0">
+                        <a:latin typeface="Cambria Math" panose="02040503050406030204" pitchFamily="18" charset="0"/>
+                      </a:rPr>
+                      <m:t>=</m:t>
+                    </m:r>
+                    <m:r>
+                      <a:rPr lang="en-US" altLang="ko-KR" sz="1800" b="1" i="0" smtClean="0">
+                        <a:latin typeface="Cambria Math" panose="02040503050406030204" pitchFamily="18" charset="0"/>
+                      </a:rPr>
+                      <m:t>𝟎</m:t>
+                    </m:r>
+                    <m:r>
+                      <a:rPr lang="en-US" altLang="ko-KR" sz="1800" b="1" i="0" smtClean="0">
+                        <a:latin typeface="Cambria Math" panose="02040503050406030204" pitchFamily="18" charset="0"/>
+                      </a:rPr>
+                      <m:t>.</m:t>
+                    </m:r>
+                    <m:r>
+                      <a:rPr lang="en-US" altLang="ko-KR" sz="1800" b="1" i="0" smtClean="0">
+                        <a:latin typeface="Cambria Math" panose="02040503050406030204" pitchFamily="18" charset="0"/>
+                      </a:rPr>
+                      <m:t>𝟎𝟓</m:t>
+                    </m:r>
+                  </m:oMath>
+                </a14:m>
+                <a:r>
+                  <a:rPr lang="ko-KR" altLang="en-US" sz="1800" dirty="0"/>
+                  <a:t>일 때의 </a:t>
+                </a:r>
+                <a:r>
+                  <a:rPr lang="ko-KR" altLang="en-US" sz="1800" dirty="0" err="1"/>
+                  <a:t>기각역</a:t>
+                </a:r>
+                <a:endParaRPr lang="en-KR" sz="1800" dirty="0"/>
+              </a:p>
+            </p:txBody>
+          </p:sp>
+        </mc:Choice>
+        <mc:Fallback xmlns="">
+          <p:sp>
+            <p:nvSpPr>
+              <p:cNvPr id="6" name="TextBox 5">
+                <a:extLst>
+                  <a:ext uri="{FF2B5EF4-FFF2-40B4-BE49-F238E27FC236}">
+                    <a16:creationId xmlns:a16="http://schemas.microsoft.com/office/drawing/2014/main" id="{0BAD829E-11E8-7D4A-A4A5-B8EDC9050E70}"/>
+                  </a:ext>
+                </a:extLst>
+              </p:cNvPr>
+              <p:cNvSpPr txBox="1">
+                <a:spLocks noRot="1" noChangeAspect="1" noMove="1" noResize="1" noEditPoints="1" noAdjustHandles="1" noChangeArrowheads="1" noChangeShapeType="1" noTextEdit="1"/>
+              </p:cNvSpPr>
+              <p:nvPr/>
+            </p:nvSpPr>
+            <p:spPr>
+              <a:xfrm>
+                <a:off x="1706758" y="5768060"/>
+                <a:ext cx="6492483" cy="392736"/>
+              </a:xfrm>
+              <a:prstGeom prst="rect">
+                <a:avLst/>
+              </a:prstGeom>
+              <a:blipFill>
+                <a:blip r:embed="rId3"/>
+                <a:stretch>
+                  <a:fillRect l="-781" t="-3125" b="-21875"/>
+                </a:stretch>
+              </a:blipFill>
+            </p:spPr>
+            <p:txBody>
+              <a:bodyPr/>
+              <a:lstStyle/>
+              <a:p>
+                <a:r>
+                  <a:rPr lang="en-KR">
+                    <a:noFill/>
+                  </a:rPr>
+                  <a:t> </a:t>
+                </a:r>
+              </a:p>
+            </p:txBody>
+          </p:sp>
+        </mc:Fallback>
+      </mc:AlternateContent>
+      <mc:AlternateContent xmlns:mc="http://schemas.openxmlformats.org/markup-compatibility/2006">
+        <mc:Choice xmlns:a14="http://schemas.microsoft.com/office/drawing/2010/main" Requires="a14">
+          <p:sp>
+            <p:nvSpPr>
+              <p:cNvPr id="8" name="TextBox 7">
+                <a:extLst>
+                  <a:ext uri="{FF2B5EF4-FFF2-40B4-BE49-F238E27FC236}">
+                    <a16:creationId xmlns:a16="http://schemas.microsoft.com/office/drawing/2014/main" id="{950E22D6-7D3C-044D-844A-0EF328822ACD}"/>
+                  </a:ext>
+                </a:extLst>
+              </p:cNvPr>
+              <p:cNvSpPr txBox="1"/>
+              <p:nvPr/>
+            </p:nvSpPr>
+            <p:spPr>
+              <a:xfrm>
+                <a:off x="850403" y="1009319"/>
+                <a:ext cx="8822122" cy="2850011"/>
+              </a:xfrm>
+              <a:prstGeom prst="rect">
+                <a:avLst/>
+              </a:prstGeom>
+              <a:noFill/>
+            </p:spPr>
+            <p:txBody>
+              <a:bodyPr wrap="square" rtlCol="0">
+                <a:spAutoFit/>
+              </a:bodyPr>
+              <a:lstStyle/>
+              <a:p>
+                <a:pPr marL="285750" indent="-285750">
+                  <a:lnSpc>
+                    <a:spcPct val="200000"/>
+                  </a:lnSpc>
+                  <a:buFont typeface="Courier New" panose="02070309020205020404" pitchFamily="49" charset="0"/>
+                  <a:buChar char="o"/>
+                </a:pPr>
+                <a:r>
+                  <a:rPr lang="en-US" altLang="ko-KR" sz="1600" dirty="0" smtClean="0"/>
+                  <a:t>2020</a:t>
+                </a:r>
+                <a:r>
+                  <a:rPr lang="ko-KR" altLang="en-US" sz="1600" dirty="0" smtClean="0"/>
+                  <a:t>년</a:t>
+                </a:r>
+                <a:r>
+                  <a:rPr lang="en-US" altLang="ko-KR" sz="1600" dirty="0" smtClean="0"/>
+                  <a:t>, 2015</a:t>
+                </a:r>
+                <a:r>
+                  <a:rPr lang="ko-KR" altLang="en-US" sz="1600" dirty="0" smtClean="0"/>
+                  <a:t>년과의 평균 키</a:t>
+                </a:r>
+                <a:r>
+                  <a:rPr lang="en-US" altLang="ko-KR" sz="1600" dirty="0" smtClean="0"/>
+                  <a:t>, </a:t>
+                </a:r>
+                <a:r>
+                  <a:rPr lang="ko-KR" altLang="en-US" sz="1600" dirty="0" smtClean="0"/>
+                  <a:t>비교를 위해 만 </a:t>
+                </a:r>
+                <a:r>
+                  <a:rPr lang="en-US" altLang="ko-KR" sz="1600" dirty="0" smtClean="0"/>
+                  <a:t>7</a:t>
+                </a:r>
+                <a:r>
+                  <a:rPr lang="ko-KR" altLang="en-US" sz="1600" dirty="0" smtClean="0"/>
+                  <a:t>세 여자 </a:t>
+                </a:r>
+                <a:r>
+                  <a:rPr lang="ko-KR" altLang="en-US" sz="1600" dirty="0" smtClean="0"/>
+                  <a:t>어린이의 표본 </a:t>
+                </a:r>
+                <a:r>
+                  <a:rPr lang="en-US" altLang="ko-KR" sz="1600" dirty="0" smtClean="0"/>
+                  <a:t>30</a:t>
+                </a:r>
+                <a:r>
+                  <a:rPr lang="ko-KR" altLang="en-US" sz="1600" dirty="0" smtClean="0"/>
+                  <a:t>명을 </a:t>
+                </a:r>
+                <a:r>
+                  <a:rPr lang="ko-KR" altLang="en-US" sz="1600" dirty="0" smtClean="0"/>
+                  <a:t>추출함</a:t>
+                </a:r>
+                <a:endParaRPr lang="en-US" altLang="ko-KR" sz="1600" dirty="0" smtClean="0"/>
+              </a:p>
+              <a:p>
+                <a:pPr marL="285750" indent="-285750">
+                  <a:lnSpc>
+                    <a:spcPct val="200000"/>
+                  </a:lnSpc>
+                  <a:buFont typeface="Courier New" panose="02070309020205020404" pitchFamily="49" charset="0"/>
+                  <a:buChar char="o"/>
+                </a:pPr>
+                <a:r>
+                  <a:rPr lang="ko-KR" altLang="en-US" sz="1600" dirty="0" smtClean="0"/>
+                  <a:t>평균 키는 </a:t>
+                </a:r>
+                <a:r>
+                  <a:rPr lang="en-US" altLang="ko-KR" sz="1600" dirty="0" smtClean="0"/>
+                  <a:t>125cm, </a:t>
+                </a:r>
+                <a:r>
+                  <a:rPr lang="ko-KR" altLang="en-US" sz="1600" dirty="0" smtClean="0"/>
+                  <a:t>표준편차는 </a:t>
+                </a:r>
+                <a:r>
+                  <a:rPr lang="en-US" altLang="ko-KR" sz="1600" dirty="0" smtClean="0"/>
+                  <a:t>15cm</a:t>
+                </a:r>
+                <a:r>
+                  <a:rPr lang="ko-KR" altLang="en-US" sz="1600" dirty="0" smtClean="0"/>
+                  <a:t>로 확인함</a:t>
+                </a:r>
+                <a:endParaRPr lang="en-US" altLang="ko-KR" sz="1600" dirty="0" smtClean="0"/>
+              </a:p>
+              <a:p>
+                <a:pPr marL="285750" indent="-285750">
+                  <a:lnSpc>
+                    <a:spcPct val="200000"/>
+                  </a:lnSpc>
+                  <a:buFont typeface="Courier New" panose="02070309020205020404" pitchFamily="49" charset="0"/>
+                  <a:buChar char="o"/>
+                </a:pPr>
+                <a:r>
+                  <a:rPr lang="ko-KR" altLang="en-US" sz="1600" dirty="0" smtClean="0"/>
+                  <a:t>표본으로부터 구한 검정 통계량은 </a:t>
+                </a:r>
+                <a:r>
+                  <a:rPr lang="en-US" altLang="ko-KR" sz="1600" dirty="0" smtClean="0"/>
+                  <a:t>1.795 (p-value: 0.078)</a:t>
+                </a:r>
+              </a:p>
+              <a:p>
+                <a:pPr marL="285750" indent="-285750">
+                  <a:lnSpc>
+                    <a:spcPct val="200000"/>
+                  </a:lnSpc>
+                  <a:buFont typeface="Courier New" panose="02070309020205020404" pitchFamily="49" charset="0"/>
+                  <a:buChar char="o"/>
+                </a:pPr>
+                <a:r>
+                  <a:rPr lang="ko-KR" altLang="en-US" sz="1600" dirty="0" smtClean="0"/>
+                  <a:t>유의수준</a:t>
+                </a:r>
+                <a:r>
+                  <a:rPr lang="en-US" altLang="ko-KR" sz="1600" dirty="0" smtClean="0"/>
+                  <a:t>(</a:t>
+                </a:r>
+                <a14:m>
+                  <m:oMath xmlns:m="http://schemas.openxmlformats.org/officeDocument/2006/math">
+                    <m:r>
+                      <a:rPr lang="ko-KR" altLang="en-US" sz="1600" i="1" smtClean="0">
+                        <a:latin typeface="Cambria Math" panose="02040503050406030204" pitchFamily="18" charset="0"/>
+                      </a:rPr>
+                      <m:t>𝜶</m:t>
+                    </m:r>
+                  </m:oMath>
+                </a14:m>
+                <a:r>
+                  <a:rPr lang="en-US" altLang="ko-KR" sz="1600" dirty="0" smtClean="0"/>
+                  <a:t>) 0.05</a:t>
+                </a:r>
+                <a:r>
+                  <a:rPr lang="ko-KR" altLang="en-US" sz="1600" dirty="0" smtClean="0"/>
+                  <a:t>에서 만 </a:t>
+                </a:r>
+                <a:r>
+                  <a:rPr lang="en-US" altLang="ko-KR" sz="1600" dirty="0" smtClean="0"/>
+                  <a:t>7</a:t>
+                </a:r>
+                <a:r>
+                  <a:rPr lang="ko-KR" altLang="en-US" sz="1600" dirty="0" smtClean="0"/>
+                  <a:t>세 여자 어린이 키의 평균이 </a:t>
+                </a:r>
+                <a:r>
+                  <a:rPr lang="en-US" altLang="ko-KR" sz="1600" dirty="0" smtClean="0"/>
+                  <a:t>120cm</a:t>
+                </a:r>
+                <a:r>
+                  <a:rPr lang="ko-KR" altLang="en-US" sz="1600" dirty="0" smtClean="0"/>
+                  <a:t>라는 </a:t>
+                </a:r>
+                <a:r>
+                  <a:rPr lang="ko-KR" altLang="en-US" sz="1600" dirty="0" err="1" smtClean="0"/>
+                  <a:t>귀무가설</a:t>
+                </a:r>
+                <a:r>
+                  <a:rPr lang="ko-KR" altLang="en-US" sz="1600" dirty="0" smtClean="0"/>
+                  <a:t> 기각 안됨</a:t>
+                </a:r>
+                <a:endParaRPr lang="en-US" altLang="ko-KR" sz="1600" dirty="0" smtClean="0"/>
+              </a:p>
+              <a:p>
+                <a:pPr marL="285750" indent="-285750">
+                  <a:lnSpc>
+                    <a:spcPct val="200000"/>
+                  </a:lnSpc>
+                  <a:buFont typeface="Courier New" panose="02070309020205020404" pitchFamily="49" charset="0"/>
+                  <a:buChar char="o"/>
+                </a:pPr>
+                <a:r>
+                  <a:rPr lang="ko-KR" altLang="en-US" sz="1600" dirty="0" smtClean="0"/>
+                  <a:t>즉</a:t>
+                </a:r>
+                <a:r>
+                  <a:rPr lang="en-US" altLang="ko-KR" sz="1600" dirty="0" smtClean="0"/>
+                  <a:t>, </a:t>
+                </a:r>
+                <a:r>
+                  <a:rPr lang="ko-KR" altLang="en-US" sz="1600" dirty="0" err="1" smtClean="0"/>
+                  <a:t>귀무가설을</a:t>
+                </a:r>
+                <a:r>
+                  <a:rPr lang="ko-KR" altLang="en-US" sz="1600" dirty="0" smtClean="0"/>
+                  <a:t> </a:t>
+                </a:r>
+                <a:r>
+                  <a:rPr lang="ko-KR" altLang="en-US" sz="1600" dirty="0" err="1" smtClean="0"/>
+                  <a:t>채택해야하며</a:t>
+                </a:r>
+                <a:r>
+                  <a:rPr lang="en-US" altLang="ko-KR" sz="1600" dirty="0" smtClean="0"/>
+                  <a:t>, </a:t>
+                </a:r>
+                <a:r>
+                  <a:rPr lang="ko-KR" altLang="en-US" sz="1600" dirty="0" smtClean="0"/>
+                  <a:t>여자 어린이의 키의 평균은 </a:t>
+                </a:r>
+                <a:r>
+                  <a:rPr lang="ko-KR" altLang="en-US" sz="1600" dirty="0" smtClean="0"/>
+                  <a:t>여전히 </a:t>
+                </a:r>
+                <a:r>
+                  <a:rPr lang="en-US" altLang="ko-KR" sz="1600" dirty="0" smtClean="0"/>
+                  <a:t>120cm</a:t>
+                </a:r>
+                <a:r>
+                  <a:rPr lang="ko-KR" altLang="en-US" sz="1600" dirty="0" smtClean="0"/>
+                  <a:t>임을 유지해야 함</a:t>
+                </a:r>
+                <a:endParaRPr lang="en-US" altLang="ko-KR" sz="1600" dirty="0" smtClean="0"/>
+              </a:p>
+            </p:txBody>
+          </p:sp>
+        </mc:Choice>
+        <mc:Fallback>
+          <p:sp>
+            <p:nvSpPr>
+              <p:cNvPr id="8" name="TextBox 7">
+                <a:extLst>
+                  <a:ext uri="{FF2B5EF4-FFF2-40B4-BE49-F238E27FC236}">
+                    <a16:creationId xmlns:a16="http://schemas.microsoft.com/office/drawing/2014/main" id="{950E22D6-7D3C-044D-844A-0EF328822ACD}"/>
+                  </a:ext>
+                </a:extLst>
+              </p:cNvPr>
+              <p:cNvSpPr txBox="1">
+                <a:spLocks noRot="1" noChangeAspect="1" noMove="1" noResize="1" noEditPoints="1" noAdjustHandles="1" noChangeArrowheads="1" noChangeShapeType="1" noTextEdit="1"/>
+              </p:cNvSpPr>
+              <p:nvPr/>
+            </p:nvSpPr>
+            <p:spPr>
+              <a:xfrm>
+                <a:off x="850403" y="1009319"/>
+                <a:ext cx="8822122" cy="2850011"/>
+              </a:xfrm>
+              <a:prstGeom prst="rect">
+                <a:avLst/>
+              </a:prstGeom>
+              <a:blipFill>
+                <a:blip r:embed="rId4"/>
+                <a:stretch>
+                  <a:fillRect l="-276"/>
+                </a:stretch>
+              </a:blipFill>
+            </p:spPr>
+            <p:txBody>
+              <a:bodyPr/>
+              <a:lstStyle/>
+              <a:p>
+                <a:r>
+                  <a:rPr lang="ko-KR" altLang="en-US">
+                    <a:noFill/>
+                  </a:rPr>
+                  <a:t> </a:t>
+                </a:r>
+              </a:p>
+            </p:txBody>
+          </p:sp>
+        </mc:Fallback>
+      </mc:AlternateContent>
+    </p:spTree>
+    <p:extLst>
+      <p:ext uri="{BB962C8B-B14F-4D97-AF65-F5344CB8AC3E}">
+        <p14:creationId xmlns:p14="http://schemas.microsoft.com/office/powerpoint/2010/main" val="2749866836"/>
+      </p:ext>
+    </p:extLst>
+  </p:cSld>
+  <p:clrMapOvr>
+    <a:masterClrMapping/>
+  </p:clrMapOvr>
+</p:sld>
+</file>
+
 <file path=ppt/slides/slide2.xml><?xml version="1.0" encoding="utf-8"?>
 <p:sld xmlns:a="http://schemas.openxmlformats.org/drawingml/2006/main" xmlns:r="http://schemas.openxmlformats.org/officeDocument/2006/relationships" xmlns:p="http://schemas.openxmlformats.org/presentationml/2006/main">
   <p:cSld>
@@ -10071,7 +12265,7 @@
           <p:nvPr/>
         </p:nvPicPr>
         <p:blipFill>
-          <a:blip r:embed="rId2">
+          <a:blip r:embed="rId2" cstate="print">
             <a:extLst>
               <a:ext uri="{28A0092B-C50C-407E-A947-70E740481C1C}">
                 <a14:useLocalDpi xmlns:a14="http://schemas.microsoft.com/office/drawing/2010/main" val="0"/>

--- a/source_2021/2_day_stat_regression/source/기초통계 - Z-test.pptx
+++ b/source_2021/2_day_stat_regression/source/기초통계 - Z-test.pptx
@@ -5,7 +5,7 @@
     <p:sldMasterId id="2147484257" r:id="rId1"/>
   </p:sldMasterIdLst>
   <p:notesMasterIdLst>
-    <p:notesMasterId r:id="rId21"/>
+    <p:notesMasterId r:id="rId23"/>
   </p:notesMasterIdLst>
   <p:sldIdLst>
     <p:sldId id="490" r:id="rId2"/>
@@ -27,6 +27,8 @@
     <p:sldId id="506" r:id="rId18"/>
     <p:sldId id="507" r:id="rId19"/>
     <p:sldId id="508" r:id="rId20"/>
+    <p:sldId id="510" r:id="rId21"/>
+    <p:sldId id="509" r:id="rId22"/>
   </p:sldIdLst>
   <p:sldSz cx="9906000" cy="6858000" type="A4"/>
   <p:notesSz cx="6858000" cy="9144000"/>
@@ -367,7 +369,7 @@
               <a:pPr>
                 <a:defRPr/>
               </a:pPr>
-              <a:t>2022-02-08</a:t>
+              <a:t>2022-02-09</a:t>
             </a:fld>
             <a:endParaRPr lang="ko-KR" altLang="en-US"/>
           </a:p>
@@ -11928,8 +11930,8 @@
           </p:sp>
         </mc:Fallback>
       </mc:AlternateContent>
-      <mc:AlternateContent xmlns:mc="http://schemas.openxmlformats.org/markup-compatibility/2006">
-        <mc:Choice xmlns:a14="http://schemas.microsoft.com/office/drawing/2010/main" Requires="a14">
+      <mc:AlternateContent xmlns:mc="http://schemas.openxmlformats.org/markup-compatibility/2006" xmlns:a14="http://schemas.microsoft.com/office/drawing/2010/main">
+        <mc:Choice Requires="a14">
           <p:sp>
             <p:nvSpPr>
               <p:cNvPr id="8" name="TextBox 7">
@@ -11995,11 +11997,7 @@
                 </a:r>
                 <a:r>
                   <a:rPr lang="ko-KR" altLang="en-US" sz="1600" dirty="0" smtClean="0"/>
-                  <a:t>세 여자 </a:t>
-                </a:r>
-                <a:r>
-                  <a:rPr lang="ko-KR" altLang="en-US" sz="1600" dirty="0" smtClean="0"/>
-                  <a:t>어린이의 표본 </a:t>
+                  <a:t>세 여자 어린이의 표본 </a:t>
                 </a:r>
                 <a:r>
                   <a:rPr lang="en-US" altLang="ko-KR" sz="1600" dirty="0" smtClean="0"/>
@@ -12007,11 +12005,7 @@
                 </a:r>
                 <a:r>
                   <a:rPr lang="ko-KR" altLang="en-US" sz="1600" dirty="0" smtClean="0"/>
-                  <a:t>명을 </a:t>
-                </a:r>
-                <a:r>
-                  <a:rPr lang="ko-KR" altLang="en-US" sz="1600" dirty="0" smtClean="0"/>
-                  <a:t>추출함</a:t>
+                  <a:t>명을 추출함</a:t>
                 </a:r>
                 <a:endParaRPr lang="en-US" altLang="ko-KR" sz="1600" dirty="0" smtClean="0"/>
               </a:p>
@@ -12156,11 +12150,7 @@
                 </a:r>
                 <a:r>
                   <a:rPr lang="ko-KR" altLang="en-US" sz="1600" dirty="0" smtClean="0"/>
-                  <a:t>여자 어린이의 키의 평균은 </a:t>
-                </a:r>
-                <a:r>
-                  <a:rPr lang="ko-KR" altLang="en-US" sz="1600" dirty="0" smtClean="0"/>
-                  <a:t>여전히 </a:t>
+                  <a:t>여자 어린이의 키의 평균은 여전히 </a:t>
                 </a:r>
                 <a:r>
                   <a:rPr lang="en-US" altLang="ko-KR" sz="1600" dirty="0" smtClean="0"/>
@@ -12175,7 +12165,7 @@
             </p:txBody>
           </p:sp>
         </mc:Choice>
-        <mc:Fallback>
+        <mc:Fallback xmlns="">
           <p:sp>
             <p:nvSpPr>
               <p:cNvPr id="8" name="TextBox 7">
@@ -12496,6 +12486,1475 @@
     <p:extLst>
       <p:ext uri="{BB962C8B-B14F-4D97-AF65-F5344CB8AC3E}">
         <p14:creationId xmlns:p14="http://schemas.microsoft.com/office/powerpoint/2010/main" val="1783711205"/>
+      </p:ext>
+    </p:extLst>
+  </p:cSld>
+  <p:clrMapOvr>
+    <a:masterClrMapping/>
+  </p:clrMapOvr>
+</p:sld>
+</file>
+
+<file path=ppt/slides/slide20.xml><?xml version="1.0" encoding="utf-8"?>
+<p:sld xmlns:a="http://schemas.openxmlformats.org/drawingml/2006/main" xmlns:r="http://schemas.openxmlformats.org/officeDocument/2006/relationships" xmlns:p="http://schemas.openxmlformats.org/presentationml/2006/main">
+  <p:cSld>
+    <p:spTree>
+      <p:nvGrpSpPr>
+        <p:cNvPr id="1" name=""/>
+        <p:cNvGrpSpPr/>
+        <p:nvPr/>
+      </p:nvGrpSpPr>
+      <p:grpSpPr>
+        <a:xfrm>
+          <a:off x="0" y="0"/>
+          <a:ext cx="0" cy="0"/>
+          <a:chOff x="0" y="0"/>
+          <a:chExt cx="0" cy="0"/>
+        </a:xfrm>
+      </p:grpSpPr>
+      <p:sp>
+        <p:nvSpPr>
+          <p:cNvPr id="5" name="TextBox 4">
+            <a:extLst>
+              <a:ext uri="{FF2B5EF4-FFF2-40B4-BE49-F238E27FC236}">
+                <a16:creationId xmlns:a16="http://schemas.microsoft.com/office/drawing/2014/main" id="{1222C5BD-354A-B546-981C-AF3407B6864D}"/>
+              </a:ext>
+            </a:extLst>
+          </p:cNvPr>
+          <p:cNvSpPr txBox="1">
+            <a:spLocks noChangeArrowheads="1"/>
+          </p:cNvSpPr>
+          <p:nvPr/>
+        </p:nvSpPr>
+        <p:spPr bwMode="auto">
+          <a:xfrm>
+            <a:off x="596516" y="152636"/>
+            <a:ext cx="9074150" cy="854080"/>
+          </a:xfrm>
+          <a:prstGeom prst="rect">
+            <a:avLst/>
+          </a:prstGeom>
+          <a:noFill/>
+          <a:ln>
+            <a:noFill/>
+          </a:ln>
+          <a:effectLst/>
+          <a:extLst>
+            <a:ext uri="{909E8E84-426E-40DD-AFC4-6F175D3DCCD1}">
+              <a14:hiddenFill xmlns:a14="http://schemas.microsoft.com/office/drawing/2010/main">
+                <a:solidFill>
+                  <a:schemeClr val="accent1"/>
+                </a:solidFill>
+              </a14:hiddenFill>
+            </a:ext>
+            <a:ext uri="{91240B29-F687-4F45-9708-019B960494DF}">
+              <a14:hiddenLine xmlns:a14="http://schemas.microsoft.com/office/drawing/2010/main" w="9525" algn="ctr">
+                <a:solidFill>
+                  <a:schemeClr val="tx1"/>
+                </a:solidFill>
+                <a:miter lim="800000"/>
+                <a:headEnd/>
+                <a:tailEnd/>
+              </a14:hiddenLine>
+            </a:ext>
+            <a:ext uri="{AF507438-7753-43E0-B8FC-AC1667EBCBE1}">
+              <a14:hiddenEffects xmlns:a14="http://schemas.microsoft.com/office/drawing/2010/main">
+                <a:effectLst>
+                  <a:outerShdw dist="35921" dir="2700000" algn="ctr" rotWithShape="0">
+                    <a:schemeClr val="bg2"/>
+                  </a:outerShdw>
+                </a:effectLst>
+              </a14:hiddenEffects>
+            </a:ext>
+          </a:extLst>
+        </p:spPr>
+        <p:txBody>
+          <a:bodyPr>
+            <a:spAutoFit/>
+          </a:bodyPr>
+          <a:lstStyle>
+            <a:lvl1pPr marL="261938" indent="-261938" eaLnBrk="0" hangingPunct="0">
+              <a:defRPr kumimoji="1" sz="1400" b="1">
+                <a:solidFill>
+                  <a:schemeClr val="tx1"/>
+                </a:solidFill>
+                <a:latin typeface="맑은 고딕" pitchFamily="50" charset="-127"/>
+                <a:ea typeface="맑은 고딕" pitchFamily="50" charset="-127"/>
+              </a:defRPr>
+            </a:lvl1pPr>
+            <a:lvl2pPr marL="441325" indent="-177800" eaLnBrk="0" hangingPunct="0">
+              <a:defRPr kumimoji="1" sz="1400" b="1">
+                <a:solidFill>
+                  <a:schemeClr val="tx1"/>
+                </a:solidFill>
+                <a:latin typeface="맑은 고딕" pitchFamily="50" charset="-127"/>
+                <a:ea typeface="맑은 고딕" pitchFamily="50" charset="-127"/>
+              </a:defRPr>
+            </a:lvl2pPr>
+            <a:lvl3pPr marL="603250" indent="-160338" eaLnBrk="0" hangingPunct="0">
+              <a:defRPr kumimoji="1" sz="1400" b="1">
+                <a:solidFill>
+                  <a:schemeClr val="tx1"/>
+                </a:solidFill>
+                <a:latin typeface="맑은 고딕" pitchFamily="50" charset="-127"/>
+                <a:ea typeface="맑은 고딕" pitchFamily="50" charset="-127"/>
+              </a:defRPr>
+            </a:lvl3pPr>
+            <a:lvl4pPr marL="1600200" indent="-228600" eaLnBrk="0" hangingPunct="0">
+              <a:defRPr kumimoji="1" sz="1400" b="1">
+                <a:solidFill>
+                  <a:schemeClr val="tx1"/>
+                </a:solidFill>
+                <a:latin typeface="맑은 고딕" pitchFamily="50" charset="-127"/>
+                <a:ea typeface="맑은 고딕" pitchFamily="50" charset="-127"/>
+              </a:defRPr>
+            </a:lvl4pPr>
+            <a:lvl5pPr marL="2057400" indent="-228600" eaLnBrk="0" hangingPunct="0">
+              <a:defRPr kumimoji="1" sz="1400" b="1">
+                <a:solidFill>
+                  <a:schemeClr val="tx1"/>
+                </a:solidFill>
+                <a:latin typeface="맑은 고딕" pitchFamily="50" charset="-127"/>
+                <a:ea typeface="맑은 고딕" pitchFamily="50" charset="-127"/>
+              </a:defRPr>
+            </a:lvl5pPr>
+            <a:lvl6pPr marL="2514600" indent="-228600" eaLnBrk="0" fontAlgn="base" hangingPunct="0">
+              <a:lnSpc>
+                <a:spcPct val="120000"/>
+              </a:lnSpc>
+              <a:spcBef>
+                <a:spcPct val="30000"/>
+              </a:spcBef>
+              <a:spcAft>
+                <a:spcPct val="0"/>
+              </a:spcAft>
+              <a:buChar char="•"/>
+              <a:defRPr kumimoji="1" sz="1400" b="1">
+                <a:solidFill>
+                  <a:schemeClr val="tx1"/>
+                </a:solidFill>
+                <a:latin typeface="맑은 고딕" pitchFamily="50" charset="-127"/>
+                <a:ea typeface="맑은 고딕" pitchFamily="50" charset="-127"/>
+              </a:defRPr>
+            </a:lvl6pPr>
+            <a:lvl7pPr marL="2971800" indent="-228600" eaLnBrk="0" fontAlgn="base" hangingPunct="0">
+              <a:lnSpc>
+                <a:spcPct val="120000"/>
+              </a:lnSpc>
+              <a:spcBef>
+                <a:spcPct val="30000"/>
+              </a:spcBef>
+              <a:spcAft>
+                <a:spcPct val="0"/>
+              </a:spcAft>
+              <a:buChar char="•"/>
+              <a:defRPr kumimoji="1" sz="1400" b="1">
+                <a:solidFill>
+                  <a:schemeClr val="tx1"/>
+                </a:solidFill>
+                <a:latin typeface="맑은 고딕" pitchFamily="50" charset="-127"/>
+                <a:ea typeface="맑은 고딕" pitchFamily="50" charset="-127"/>
+              </a:defRPr>
+            </a:lvl7pPr>
+            <a:lvl8pPr marL="3429000" indent="-228600" eaLnBrk="0" fontAlgn="base" hangingPunct="0">
+              <a:lnSpc>
+                <a:spcPct val="120000"/>
+              </a:lnSpc>
+              <a:spcBef>
+                <a:spcPct val="30000"/>
+              </a:spcBef>
+              <a:spcAft>
+                <a:spcPct val="0"/>
+              </a:spcAft>
+              <a:buChar char="•"/>
+              <a:defRPr kumimoji="1" sz="1400" b="1">
+                <a:solidFill>
+                  <a:schemeClr val="tx1"/>
+                </a:solidFill>
+                <a:latin typeface="맑은 고딕" pitchFamily="50" charset="-127"/>
+                <a:ea typeface="맑은 고딕" pitchFamily="50" charset="-127"/>
+              </a:defRPr>
+            </a:lvl8pPr>
+            <a:lvl9pPr marL="3886200" indent="-228600" eaLnBrk="0" fontAlgn="base" hangingPunct="0">
+              <a:lnSpc>
+                <a:spcPct val="120000"/>
+              </a:lnSpc>
+              <a:spcBef>
+                <a:spcPct val="30000"/>
+              </a:spcBef>
+              <a:spcAft>
+                <a:spcPct val="0"/>
+              </a:spcAft>
+              <a:buChar char="•"/>
+              <a:defRPr kumimoji="1" sz="1400" b="1">
+                <a:solidFill>
+                  <a:schemeClr val="tx1"/>
+                </a:solidFill>
+                <a:latin typeface="맑은 고딕" pitchFamily="50" charset="-127"/>
+                <a:ea typeface="맑은 고딕" pitchFamily="50" charset="-127"/>
+              </a:defRPr>
+            </a:lvl9pPr>
+          </a:lstStyle>
+          <a:p>
+            <a:pPr marL="0" indent="0" eaLnBrk="1" hangingPunct="1">
+              <a:lnSpc>
+                <a:spcPct val="250000"/>
+              </a:lnSpc>
+              <a:buNone/>
+            </a:pPr>
+            <a:r>
+              <a:rPr lang="ko-KR" altLang="en-US" sz="2400" b="0" dirty="0" smtClean="0"/>
+              <a:t>❑ </a:t>
+            </a:r>
+            <a:r>
+              <a:rPr lang="ko-KR" altLang="en-US" sz="2400" b="0" dirty="0" err="1" smtClean="0"/>
+              <a:t>모비율</a:t>
+            </a:r>
+            <a:r>
+              <a:rPr lang="ko-KR" altLang="en-US" sz="2400" b="0" dirty="0" smtClean="0"/>
+              <a:t> 검정</a:t>
+            </a:r>
+            <a:endParaRPr lang="ko-KR" altLang="en-US" sz="1800" b="0" dirty="0"/>
+          </a:p>
+        </p:txBody>
+      </p:sp>
+      <mc:AlternateContent xmlns:mc="http://schemas.openxmlformats.org/markup-compatibility/2006">
+        <mc:Choice xmlns:a14="http://schemas.microsoft.com/office/drawing/2010/main" Requires="a14">
+          <p:sp>
+            <p:nvSpPr>
+              <p:cNvPr id="7" name="TextBox 6">
+                <a:extLst>
+                  <a:ext uri="{FF2B5EF4-FFF2-40B4-BE49-F238E27FC236}">
+                    <a16:creationId xmlns:a16="http://schemas.microsoft.com/office/drawing/2014/main" id="{0DC2BE0C-9456-264A-9CB9-5EEBB85D3765}"/>
+                  </a:ext>
+                </a:extLst>
+              </p:cNvPr>
+              <p:cNvSpPr txBox="1"/>
+              <p:nvPr/>
+            </p:nvSpPr>
+            <p:spPr>
+              <a:xfrm>
+                <a:off x="3404828" y="2708920"/>
+                <a:ext cx="3056414" cy="1635191"/>
+              </a:xfrm>
+              <a:prstGeom prst="rect">
+                <a:avLst/>
+              </a:prstGeom>
+              <a:noFill/>
+            </p:spPr>
+            <p:txBody>
+              <a:bodyPr wrap="none" lIns="0" tIns="0" rIns="0" bIns="0" rtlCol="0">
+                <a:spAutoFit/>
+              </a:bodyPr>
+              <a:lstStyle/>
+              <a:p>
+                <a:pPr>
+                  <a:buNone/>
+                </a:pPr>
+                <a14:m>
+                  <m:oMathPara xmlns:m="http://schemas.openxmlformats.org/officeDocument/2006/math">
+                    <m:oMathParaPr>
+                      <m:jc m:val="centerGroup"/>
+                    </m:oMathParaPr>
+                    <m:oMath xmlns:m="http://schemas.openxmlformats.org/officeDocument/2006/math">
+                      <m:r>
+                        <a:rPr lang="en-US" sz="2800" b="1" i="1" smtClean="0">
+                          <a:latin typeface="Cambria Math" panose="02040503050406030204" pitchFamily="18" charset="0"/>
+                        </a:rPr>
+                        <m:t>𝒁</m:t>
+                      </m:r>
+                      <m:r>
+                        <a:rPr lang="en-US" sz="2800" b="1" i="1" smtClean="0">
+                          <a:latin typeface="Cambria Math" panose="02040503050406030204" pitchFamily="18" charset="0"/>
+                        </a:rPr>
+                        <m:t>= </m:t>
+                      </m:r>
+                      <m:f>
+                        <m:fPr>
+                          <m:ctrlPr>
+                            <a:rPr lang="en-US" sz="2800" b="1" i="1" smtClean="0">
+                              <a:latin typeface="Cambria Math" panose="02040503050406030204" pitchFamily="18" charset="0"/>
+                            </a:rPr>
+                          </m:ctrlPr>
+                        </m:fPr>
+                        <m:num>
+                          <m:acc>
+                            <m:accPr>
+                              <m:chr m:val="̂"/>
+                              <m:ctrlPr>
+                                <a:rPr lang="en-US" altLang="ko-KR" sz="2800" b="1" i="1" smtClean="0">
+                                  <a:latin typeface="Cambria Math" panose="02040503050406030204" pitchFamily="18" charset="0"/>
+                                </a:rPr>
+                              </m:ctrlPr>
+                            </m:accPr>
+                            <m:e>
+                              <m:r>
+                                <a:rPr lang="en-US" altLang="ko-KR" sz="2800" b="1" i="1" smtClean="0">
+                                  <a:latin typeface="Cambria Math" panose="02040503050406030204" pitchFamily="18" charset="0"/>
+                                </a:rPr>
+                                <m:t>𝒑</m:t>
+                              </m:r>
+                            </m:e>
+                          </m:acc>
+                          <m:r>
+                            <a:rPr lang="en-US" altLang="ko-KR" sz="2800" b="1" i="1" smtClean="0">
+                              <a:latin typeface="Cambria Math" panose="02040503050406030204" pitchFamily="18" charset="0"/>
+                            </a:rPr>
+                            <m:t> − </m:t>
+                          </m:r>
+                          <m:sSub>
+                            <m:sSubPr>
+                              <m:ctrlPr>
+                                <a:rPr lang="en-US" altLang="ko-KR" sz="2800" b="1" i="1" smtClean="0">
+                                  <a:latin typeface="Cambria Math" panose="02040503050406030204" pitchFamily="18" charset="0"/>
+                                </a:rPr>
+                              </m:ctrlPr>
+                            </m:sSubPr>
+                            <m:e>
+                              <m:r>
+                                <a:rPr lang="en-US" altLang="ko-KR" sz="2800" b="1" i="1" smtClean="0">
+                                  <a:latin typeface="Cambria Math" panose="02040503050406030204" pitchFamily="18" charset="0"/>
+                                </a:rPr>
+                                <m:t>𝒑</m:t>
+                              </m:r>
+                            </m:e>
+                            <m:sub>
+                              <m:r>
+                                <a:rPr lang="en-US" altLang="ko-KR" sz="2800" b="1" i="1" smtClean="0">
+                                  <a:latin typeface="Cambria Math" panose="02040503050406030204" pitchFamily="18" charset="0"/>
+                                </a:rPr>
+                                <m:t>𝟎</m:t>
+                              </m:r>
+                            </m:sub>
+                          </m:sSub>
+                        </m:num>
+                        <m:den>
+                          <m:rad>
+                            <m:radPr>
+                              <m:degHide m:val="on"/>
+                              <m:ctrlPr>
+                                <a:rPr lang="en-US" altLang="ko-KR" sz="2800" b="1" i="1" smtClean="0">
+                                  <a:latin typeface="Cambria Math" panose="02040503050406030204" pitchFamily="18" charset="0"/>
+                                  <a:ea typeface="Cambria Math" panose="02040503050406030204" pitchFamily="18" charset="0"/>
+                                </a:rPr>
+                              </m:ctrlPr>
+                            </m:radPr>
+                            <m:deg/>
+                            <m:e>
+                              <m:f>
+                                <m:fPr>
+                                  <m:ctrlPr>
+                                    <a:rPr lang="en-US" altLang="ko-KR" sz="2800" b="1" i="1" smtClean="0">
+                                      <a:latin typeface="Cambria Math" panose="02040503050406030204" pitchFamily="18" charset="0"/>
+                                      <a:ea typeface="Cambria Math" panose="02040503050406030204" pitchFamily="18" charset="0"/>
+                                    </a:rPr>
+                                  </m:ctrlPr>
+                                </m:fPr>
+                                <m:num>
+                                  <m:sSub>
+                                    <m:sSubPr>
+                                      <m:ctrlPr>
+                                        <a:rPr lang="en-US" altLang="ko-KR" sz="2800" b="1" i="1" smtClean="0">
+                                          <a:latin typeface="Cambria Math" panose="02040503050406030204" pitchFamily="18" charset="0"/>
+                                          <a:ea typeface="Cambria Math" panose="02040503050406030204" pitchFamily="18" charset="0"/>
+                                        </a:rPr>
+                                      </m:ctrlPr>
+                                    </m:sSubPr>
+                                    <m:e>
+                                      <m:r>
+                                        <a:rPr lang="en-US" altLang="ko-KR" sz="2800" b="1" i="1" smtClean="0">
+                                          <a:latin typeface="Cambria Math" panose="02040503050406030204" pitchFamily="18" charset="0"/>
+                                          <a:ea typeface="Cambria Math" panose="02040503050406030204" pitchFamily="18" charset="0"/>
+                                        </a:rPr>
+                                        <m:t>𝒑</m:t>
+                                      </m:r>
+                                    </m:e>
+                                    <m:sub>
+                                      <m:r>
+                                        <a:rPr lang="en-US" altLang="ko-KR" sz="2800" b="1" i="1" smtClean="0">
+                                          <a:latin typeface="Cambria Math" panose="02040503050406030204" pitchFamily="18" charset="0"/>
+                                          <a:ea typeface="Cambria Math" panose="02040503050406030204" pitchFamily="18" charset="0"/>
+                                        </a:rPr>
+                                        <m:t>𝟎</m:t>
+                                      </m:r>
+                                    </m:sub>
+                                  </m:sSub>
+                                  <m:r>
+                                    <a:rPr lang="en-US" altLang="ko-KR" sz="2800" b="1" i="1" smtClean="0">
+                                      <a:latin typeface="Cambria Math" panose="02040503050406030204" pitchFamily="18" charset="0"/>
+                                      <a:ea typeface="Cambria Math" panose="02040503050406030204" pitchFamily="18" charset="0"/>
+                                    </a:rPr>
+                                    <m:t>(</m:t>
+                                  </m:r>
+                                  <m:r>
+                                    <a:rPr lang="en-US" altLang="ko-KR" sz="2800" b="1" i="1" smtClean="0">
+                                      <a:latin typeface="Cambria Math" panose="02040503050406030204" pitchFamily="18" charset="0"/>
+                                      <a:ea typeface="Cambria Math" panose="02040503050406030204" pitchFamily="18" charset="0"/>
+                                    </a:rPr>
+                                    <m:t>𝟏</m:t>
+                                  </m:r>
+                                  <m:r>
+                                    <a:rPr lang="en-US" altLang="ko-KR" sz="2800" b="1" i="1" smtClean="0">
+                                      <a:latin typeface="Cambria Math" panose="02040503050406030204" pitchFamily="18" charset="0"/>
+                                      <a:ea typeface="Cambria Math" panose="02040503050406030204" pitchFamily="18" charset="0"/>
+                                    </a:rPr>
+                                    <m:t> − </m:t>
+                                  </m:r>
+                                  <m:sSub>
+                                    <m:sSubPr>
+                                      <m:ctrlPr>
+                                        <a:rPr lang="en-US" altLang="ko-KR" sz="2800" b="1" i="1" smtClean="0">
+                                          <a:latin typeface="Cambria Math" panose="02040503050406030204" pitchFamily="18" charset="0"/>
+                                          <a:ea typeface="Cambria Math" panose="02040503050406030204" pitchFamily="18" charset="0"/>
+                                        </a:rPr>
+                                      </m:ctrlPr>
+                                    </m:sSubPr>
+                                    <m:e>
+                                      <m:r>
+                                        <a:rPr lang="en-US" altLang="ko-KR" sz="2800" b="1" i="1" smtClean="0">
+                                          <a:latin typeface="Cambria Math" panose="02040503050406030204" pitchFamily="18" charset="0"/>
+                                          <a:ea typeface="Cambria Math" panose="02040503050406030204" pitchFamily="18" charset="0"/>
+                                        </a:rPr>
+                                        <m:t>𝒑</m:t>
+                                      </m:r>
+                                    </m:e>
+                                    <m:sub>
+                                      <m:r>
+                                        <a:rPr lang="en-US" altLang="ko-KR" sz="2800" b="1" i="1" smtClean="0">
+                                          <a:latin typeface="Cambria Math" panose="02040503050406030204" pitchFamily="18" charset="0"/>
+                                          <a:ea typeface="Cambria Math" panose="02040503050406030204" pitchFamily="18" charset="0"/>
+                                        </a:rPr>
+                                        <m:t>𝟎</m:t>
+                                      </m:r>
+                                    </m:sub>
+                                  </m:sSub>
+                                  <m:r>
+                                    <a:rPr lang="en-US" altLang="ko-KR" sz="2800" b="1" i="1" smtClean="0">
+                                      <a:latin typeface="Cambria Math" panose="02040503050406030204" pitchFamily="18" charset="0"/>
+                                      <a:ea typeface="Cambria Math" panose="02040503050406030204" pitchFamily="18" charset="0"/>
+                                    </a:rPr>
+                                    <m:t>)</m:t>
+                                  </m:r>
+                                </m:num>
+                                <m:den>
+                                  <m:r>
+                                    <a:rPr lang="en-US" altLang="ko-KR" sz="2800" b="1" i="1" smtClean="0">
+                                      <a:latin typeface="Cambria Math" panose="02040503050406030204" pitchFamily="18" charset="0"/>
+                                      <a:ea typeface="Cambria Math" panose="02040503050406030204" pitchFamily="18" charset="0"/>
+                                    </a:rPr>
+                                    <m:t>𝒏</m:t>
+                                  </m:r>
+                                </m:den>
+                              </m:f>
+                            </m:e>
+                          </m:rad>
+                        </m:den>
+                      </m:f>
+                    </m:oMath>
+                  </m:oMathPara>
+                </a14:m>
+                <a:endParaRPr lang="en-KR" sz="2800" dirty="0"/>
+              </a:p>
+            </p:txBody>
+          </p:sp>
+        </mc:Choice>
+        <mc:Fallback>
+          <p:sp>
+            <p:nvSpPr>
+              <p:cNvPr id="7" name="TextBox 6">
+                <a:extLst>
+                  <a:ext uri="{FF2B5EF4-FFF2-40B4-BE49-F238E27FC236}">
+                    <a16:creationId xmlns:a16="http://schemas.microsoft.com/office/drawing/2014/main" id="{0DC2BE0C-9456-264A-9CB9-5EEBB85D3765}"/>
+                  </a:ext>
+                </a:extLst>
+              </p:cNvPr>
+              <p:cNvSpPr txBox="1">
+                <a:spLocks noRot="1" noChangeAspect="1" noMove="1" noResize="1" noEditPoints="1" noAdjustHandles="1" noChangeArrowheads="1" noChangeShapeType="1" noTextEdit="1"/>
+              </p:cNvSpPr>
+              <p:nvPr/>
+            </p:nvSpPr>
+            <p:spPr>
+              <a:xfrm>
+                <a:off x="3404828" y="2708920"/>
+                <a:ext cx="3056414" cy="1635191"/>
+              </a:xfrm>
+              <a:prstGeom prst="rect">
+                <a:avLst/>
+              </a:prstGeom>
+              <a:blipFill>
+                <a:blip r:embed="rId2"/>
+                <a:stretch>
+                  <a:fillRect/>
+                </a:stretch>
+              </a:blipFill>
+            </p:spPr>
+            <p:txBody>
+              <a:bodyPr/>
+              <a:lstStyle/>
+              <a:p>
+                <a:r>
+                  <a:rPr lang="ko-KR" altLang="en-US">
+                    <a:noFill/>
+                  </a:rPr>
+                  <a:t> </a:t>
+                </a:r>
+              </a:p>
+            </p:txBody>
+          </p:sp>
+        </mc:Fallback>
+      </mc:AlternateContent>
+      <p:sp>
+        <p:nvSpPr>
+          <p:cNvPr id="6" name="TextBox 5">
+            <a:extLst>
+              <a:ext uri="{FF2B5EF4-FFF2-40B4-BE49-F238E27FC236}">
+                <a16:creationId xmlns:a16="http://schemas.microsoft.com/office/drawing/2014/main" id="{950E22D6-7D3C-044D-844A-0EF328822ACD}"/>
+              </a:ext>
+            </a:extLst>
+          </p:cNvPr>
+          <p:cNvSpPr txBox="1"/>
+          <p:nvPr/>
+        </p:nvSpPr>
+        <p:spPr>
+          <a:xfrm>
+            <a:off x="850403" y="1009319"/>
+            <a:ext cx="8822122" cy="1717393"/>
+          </a:xfrm>
+          <a:prstGeom prst="rect">
+            <a:avLst/>
+          </a:prstGeom>
+          <a:noFill/>
+        </p:spPr>
+        <p:txBody>
+          <a:bodyPr wrap="square" rtlCol="0">
+            <a:spAutoFit/>
+          </a:bodyPr>
+          <a:lstStyle/>
+          <a:p>
+            <a:pPr marL="285750" indent="-285750">
+              <a:lnSpc>
+                <a:spcPct val="200000"/>
+              </a:lnSpc>
+              <a:buFont typeface="Courier New" panose="02070309020205020404" pitchFamily="49" charset="0"/>
+              <a:buChar char="o"/>
+            </a:pPr>
+            <a:r>
+              <a:rPr lang="ko-KR" altLang="en-US" sz="1600" dirty="0" smtClean="0"/>
+              <a:t>가설 설정</a:t>
+            </a:r>
+            <a:endParaRPr lang="en-US" altLang="ko-KR" sz="1600" dirty="0" smtClean="0"/>
+          </a:p>
+          <a:p>
+            <a:pPr marL="742950" lvl="1" indent="-285750">
+              <a:lnSpc>
+                <a:spcPct val="200000"/>
+              </a:lnSpc>
+              <a:buFont typeface="맑은 고딕" panose="020B0503020000020004" pitchFamily="50" charset="-127"/>
+              <a:buChar char="√"/>
+            </a:pPr>
+            <a:r>
+              <a:rPr lang="ko-KR" altLang="en-US" sz="1600" dirty="0" err="1" smtClean="0"/>
+              <a:t>귀무가설</a:t>
+            </a:r>
+            <a:r>
+              <a:rPr lang="en-US" altLang="ko-KR" sz="1600" dirty="0" smtClean="0"/>
+              <a:t>: </a:t>
+            </a:r>
+            <a:r>
+              <a:rPr lang="ko-KR" altLang="en-US" sz="1600" dirty="0" smtClean="0"/>
+              <a:t>핸드폰 액정의 불량률은 </a:t>
+            </a:r>
+            <a:r>
+              <a:rPr lang="en-US" altLang="ko-KR" sz="1600" dirty="0" smtClean="0"/>
+              <a:t>10% </a:t>
+            </a:r>
+            <a:r>
+              <a:rPr lang="ko-KR" altLang="en-US" sz="1600" dirty="0" smtClean="0"/>
+              <a:t>미만이다</a:t>
+            </a:r>
+            <a:endParaRPr lang="en-US" altLang="ko-KR" sz="1600" dirty="0" smtClean="0"/>
+          </a:p>
+          <a:p>
+            <a:pPr marL="742950" lvl="1" indent="-285750">
+              <a:lnSpc>
+                <a:spcPct val="200000"/>
+              </a:lnSpc>
+              <a:buFont typeface="맑은 고딕" panose="020B0503020000020004" pitchFamily="50" charset="-127"/>
+              <a:buChar char="√"/>
+            </a:pPr>
+            <a:r>
+              <a:rPr lang="ko-KR" altLang="en-US" sz="1600" dirty="0" err="1" smtClean="0"/>
+              <a:t>대립가설</a:t>
+            </a:r>
+            <a:r>
+              <a:rPr lang="en-US" altLang="ko-KR" sz="1600" dirty="0" smtClean="0"/>
+              <a:t>: </a:t>
+            </a:r>
+            <a:r>
+              <a:rPr lang="ko-KR" altLang="en-US" sz="1600" dirty="0" smtClean="0"/>
+              <a:t>핸드폰 액정의 불량률은 </a:t>
+            </a:r>
+            <a:r>
+              <a:rPr lang="en-US" altLang="ko-KR" sz="1600" dirty="0" smtClean="0"/>
+              <a:t>10%</a:t>
+            </a:r>
+            <a:r>
+              <a:rPr lang="ko-KR" altLang="en-US" sz="1600" dirty="0" smtClean="0"/>
+              <a:t>를 넘는다</a:t>
+            </a:r>
+            <a:endParaRPr lang="en-US" altLang="ko-KR" sz="1600" dirty="0" smtClean="0"/>
+          </a:p>
+        </p:txBody>
+      </p:sp>
+      <mc:AlternateContent xmlns:mc="http://schemas.openxmlformats.org/markup-compatibility/2006">
+        <mc:Choice xmlns:a14="http://schemas.microsoft.com/office/drawing/2010/main" Requires="a14">
+          <p:sp>
+            <p:nvSpPr>
+              <p:cNvPr id="4" name="TextBox 3"/>
+              <p:cNvSpPr txBox="1"/>
+              <p:nvPr/>
+            </p:nvSpPr>
+            <p:spPr>
+              <a:xfrm>
+                <a:off x="3410006" y="4617132"/>
+                <a:ext cx="2258375" cy="997196"/>
+              </a:xfrm>
+              <a:prstGeom prst="rect">
+                <a:avLst/>
+              </a:prstGeom>
+              <a:noFill/>
+            </p:spPr>
+            <p:txBody>
+              <a:bodyPr wrap="none" rtlCol="0">
+                <a:spAutoFit/>
+              </a:bodyPr>
+              <a:lstStyle/>
+              <a:p>
+                <a:pPr marL="285750" indent="-285750">
+                  <a:buFont typeface="Wingdings" panose="05000000000000000000" pitchFamily="2" charset="2"/>
+                  <a:buChar char="ü"/>
+                </a:pPr>
+                <a14:m>
+                  <m:oMath xmlns:m="http://schemas.openxmlformats.org/officeDocument/2006/math">
+                    <m:acc>
+                      <m:accPr>
+                        <m:chr m:val="̂"/>
+                        <m:ctrlPr>
+                          <a:rPr lang="ko-KR" altLang="en-US" i="1" smtClean="0">
+                            <a:latin typeface="Cambria Math" panose="02040503050406030204" pitchFamily="18" charset="0"/>
+                          </a:rPr>
+                        </m:ctrlPr>
+                      </m:accPr>
+                      <m:e>
+                        <m:r>
+                          <a:rPr lang="en-US" altLang="ko-KR" b="1" i="1" smtClean="0">
+                            <a:latin typeface="Cambria Math" panose="02040503050406030204" pitchFamily="18" charset="0"/>
+                          </a:rPr>
+                          <m:t>𝒑</m:t>
+                        </m:r>
+                      </m:e>
+                    </m:acc>
+                    <m:r>
+                      <a:rPr lang="en-US" altLang="ko-KR" b="1" i="1" smtClean="0">
+                        <a:latin typeface="Cambria Math" panose="02040503050406030204" pitchFamily="18" charset="0"/>
+                      </a:rPr>
+                      <m:t> :  </m:t>
+                    </m:r>
+                  </m:oMath>
+                </a14:m>
+                <a:r>
+                  <a:rPr lang="ko-KR" altLang="en-US" dirty="0" smtClean="0"/>
+                  <a:t>표본 비율</a:t>
+                </a:r>
+                <a:endParaRPr lang="en-US" altLang="ko-KR" dirty="0" smtClean="0"/>
+              </a:p>
+              <a:p>
+                <a:pPr marL="285750" indent="-285750">
+                  <a:buFont typeface="Wingdings" panose="05000000000000000000" pitchFamily="2" charset="2"/>
+                  <a:buChar char="ü"/>
+                </a:pPr>
+                <a14:m>
+                  <m:oMath xmlns:m="http://schemas.openxmlformats.org/officeDocument/2006/math">
+                    <m:sSub>
+                      <m:sSubPr>
+                        <m:ctrlPr>
+                          <a:rPr lang="en-US" altLang="ko-KR" i="1" smtClean="0">
+                            <a:latin typeface="Cambria Math" panose="02040503050406030204" pitchFamily="18" charset="0"/>
+                          </a:rPr>
+                        </m:ctrlPr>
+                      </m:sSubPr>
+                      <m:e>
+                        <m:r>
+                          <a:rPr lang="en-US" altLang="ko-KR" b="1" i="1" smtClean="0">
+                            <a:latin typeface="Cambria Math" panose="02040503050406030204" pitchFamily="18" charset="0"/>
+                          </a:rPr>
+                          <m:t>𝒑</m:t>
+                        </m:r>
+                      </m:e>
+                      <m:sub>
+                        <m:r>
+                          <a:rPr lang="en-US" altLang="ko-KR" b="1" i="1" smtClean="0">
+                            <a:latin typeface="Cambria Math" panose="02040503050406030204" pitchFamily="18" charset="0"/>
+                          </a:rPr>
+                          <m:t>𝟎</m:t>
+                        </m:r>
+                      </m:sub>
+                    </m:sSub>
+                    <m:r>
+                      <a:rPr lang="en-US" altLang="ko-KR" i="1">
+                        <a:latin typeface="Cambria Math" panose="02040503050406030204" pitchFamily="18" charset="0"/>
+                      </a:rPr>
+                      <m:t>: </m:t>
+                    </m:r>
+                  </m:oMath>
+                </a14:m>
+                <a:r>
+                  <a:rPr lang="ko-KR" altLang="en-US" dirty="0" err="1" smtClean="0"/>
+                  <a:t>귀무가설의</a:t>
+                </a:r>
+                <a:r>
+                  <a:rPr lang="ko-KR" altLang="en-US" dirty="0" smtClean="0"/>
+                  <a:t> </a:t>
+                </a:r>
+                <a:r>
+                  <a:rPr lang="ko-KR" altLang="en-US" dirty="0" err="1" smtClean="0"/>
+                  <a:t>모비율</a:t>
+                </a:r>
+                <a:endParaRPr lang="en-US" altLang="ko-KR" dirty="0"/>
+              </a:p>
+              <a:p>
+                <a:pPr marL="285750" indent="-285750">
+                  <a:buFont typeface="Wingdings" panose="05000000000000000000" pitchFamily="2" charset="2"/>
+                  <a:buChar char="ü"/>
+                </a:pPr>
+                <a14:m>
+                  <m:oMath xmlns:m="http://schemas.openxmlformats.org/officeDocument/2006/math">
+                    <m:r>
+                      <a:rPr lang="en-US" altLang="ko-KR" b="1" i="1" smtClean="0">
+                        <a:latin typeface="Cambria Math" panose="02040503050406030204" pitchFamily="18" charset="0"/>
+                      </a:rPr>
+                      <m:t>𝒏</m:t>
+                    </m:r>
+                    <m:r>
+                      <a:rPr lang="en-US" altLang="ko-KR" i="1">
+                        <a:latin typeface="Cambria Math" panose="02040503050406030204" pitchFamily="18" charset="0"/>
+                      </a:rPr>
+                      <m:t>: </m:t>
+                    </m:r>
+                  </m:oMath>
+                </a14:m>
+                <a:r>
+                  <a:rPr lang="ko-KR" altLang="en-US" dirty="0" smtClean="0"/>
+                  <a:t> 표본의 개수</a:t>
+                </a:r>
+                <a:endParaRPr lang="en-US" altLang="ko-KR" dirty="0"/>
+              </a:p>
+            </p:txBody>
+          </p:sp>
+        </mc:Choice>
+        <mc:Fallback>
+          <p:sp>
+            <p:nvSpPr>
+              <p:cNvPr id="4" name="TextBox 3"/>
+              <p:cNvSpPr txBox="1">
+                <a:spLocks noRot="1" noChangeAspect="1" noMove="1" noResize="1" noEditPoints="1" noAdjustHandles="1" noChangeArrowheads="1" noChangeShapeType="1" noTextEdit="1"/>
+              </p:cNvSpPr>
+              <p:nvPr/>
+            </p:nvSpPr>
+            <p:spPr>
+              <a:xfrm>
+                <a:off x="3410006" y="4617132"/>
+                <a:ext cx="2258375" cy="997196"/>
+              </a:xfrm>
+              <a:prstGeom prst="rect">
+                <a:avLst/>
+              </a:prstGeom>
+              <a:blipFill>
+                <a:blip r:embed="rId3"/>
+                <a:stretch>
+                  <a:fillRect l="-270" b="-3049"/>
+                </a:stretch>
+              </a:blipFill>
+            </p:spPr>
+            <p:txBody>
+              <a:bodyPr/>
+              <a:lstStyle/>
+              <a:p>
+                <a:r>
+                  <a:rPr lang="ko-KR" altLang="en-US">
+                    <a:noFill/>
+                  </a:rPr>
+                  <a:t> </a:t>
+                </a:r>
+              </a:p>
+            </p:txBody>
+          </p:sp>
+        </mc:Fallback>
+      </mc:AlternateContent>
+    </p:spTree>
+    <p:extLst>
+      <p:ext uri="{BB962C8B-B14F-4D97-AF65-F5344CB8AC3E}">
+        <p14:creationId xmlns:p14="http://schemas.microsoft.com/office/powerpoint/2010/main" val="1135732367"/>
+      </p:ext>
+    </p:extLst>
+  </p:cSld>
+  <p:clrMapOvr>
+    <a:masterClrMapping/>
+  </p:clrMapOvr>
+</p:sld>
+</file>
+
+<file path=ppt/slides/slide21.xml><?xml version="1.0" encoding="utf-8"?>
+<p:sld xmlns:a="http://schemas.openxmlformats.org/drawingml/2006/main" xmlns:r="http://schemas.openxmlformats.org/officeDocument/2006/relationships" xmlns:p="http://schemas.openxmlformats.org/presentationml/2006/main">
+  <p:cSld>
+    <p:spTree>
+      <p:nvGrpSpPr>
+        <p:cNvPr id="1" name=""/>
+        <p:cNvGrpSpPr/>
+        <p:nvPr/>
+      </p:nvGrpSpPr>
+      <p:grpSpPr>
+        <a:xfrm>
+          <a:off x="0" y="0"/>
+          <a:ext cx="0" cy="0"/>
+          <a:chOff x="0" y="0"/>
+          <a:chExt cx="0" cy="0"/>
+        </a:xfrm>
+      </p:grpSpPr>
+      <p:sp>
+        <p:nvSpPr>
+          <p:cNvPr id="5" name="TextBox 4">
+            <a:extLst>
+              <a:ext uri="{FF2B5EF4-FFF2-40B4-BE49-F238E27FC236}">
+                <a16:creationId xmlns:a16="http://schemas.microsoft.com/office/drawing/2014/main" id="{1222C5BD-354A-B546-981C-AF3407B6864D}"/>
+              </a:ext>
+            </a:extLst>
+          </p:cNvPr>
+          <p:cNvSpPr txBox="1">
+            <a:spLocks noChangeArrowheads="1"/>
+          </p:cNvSpPr>
+          <p:nvPr/>
+        </p:nvSpPr>
+        <p:spPr bwMode="auto">
+          <a:xfrm>
+            <a:off x="596516" y="152636"/>
+            <a:ext cx="9074150" cy="854080"/>
+          </a:xfrm>
+          <a:prstGeom prst="rect">
+            <a:avLst/>
+          </a:prstGeom>
+          <a:noFill/>
+          <a:ln>
+            <a:noFill/>
+          </a:ln>
+          <a:effectLst/>
+          <a:extLst>
+            <a:ext uri="{909E8E84-426E-40DD-AFC4-6F175D3DCCD1}">
+              <a14:hiddenFill xmlns:a14="http://schemas.microsoft.com/office/drawing/2010/main">
+                <a:solidFill>
+                  <a:schemeClr val="accent1"/>
+                </a:solidFill>
+              </a14:hiddenFill>
+            </a:ext>
+            <a:ext uri="{91240B29-F687-4F45-9708-019B960494DF}">
+              <a14:hiddenLine xmlns:a14="http://schemas.microsoft.com/office/drawing/2010/main" w="9525" algn="ctr">
+                <a:solidFill>
+                  <a:schemeClr val="tx1"/>
+                </a:solidFill>
+                <a:miter lim="800000"/>
+                <a:headEnd/>
+                <a:tailEnd/>
+              </a14:hiddenLine>
+            </a:ext>
+            <a:ext uri="{AF507438-7753-43E0-B8FC-AC1667EBCBE1}">
+              <a14:hiddenEffects xmlns:a14="http://schemas.microsoft.com/office/drawing/2010/main">
+                <a:effectLst>
+                  <a:outerShdw dist="35921" dir="2700000" algn="ctr" rotWithShape="0">
+                    <a:schemeClr val="bg2"/>
+                  </a:outerShdw>
+                </a:effectLst>
+              </a14:hiddenEffects>
+            </a:ext>
+          </a:extLst>
+        </p:spPr>
+        <p:txBody>
+          <a:bodyPr>
+            <a:spAutoFit/>
+          </a:bodyPr>
+          <a:lstStyle>
+            <a:lvl1pPr marL="261938" indent="-261938" eaLnBrk="0" hangingPunct="0">
+              <a:defRPr kumimoji="1" sz="1400" b="1">
+                <a:solidFill>
+                  <a:schemeClr val="tx1"/>
+                </a:solidFill>
+                <a:latin typeface="맑은 고딕" pitchFamily="50" charset="-127"/>
+                <a:ea typeface="맑은 고딕" pitchFamily="50" charset="-127"/>
+              </a:defRPr>
+            </a:lvl1pPr>
+            <a:lvl2pPr marL="441325" indent="-177800" eaLnBrk="0" hangingPunct="0">
+              <a:defRPr kumimoji="1" sz="1400" b="1">
+                <a:solidFill>
+                  <a:schemeClr val="tx1"/>
+                </a:solidFill>
+                <a:latin typeface="맑은 고딕" pitchFamily="50" charset="-127"/>
+                <a:ea typeface="맑은 고딕" pitchFamily="50" charset="-127"/>
+              </a:defRPr>
+            </a:lvl2pPr>
+            <a:lvl3pPr marL="603250" indent="-160338" eaLnBrk="0" hangingPunct="0">
+              <a:defRPr kumimoji="1" sz="1400" b="1">
+                <a:solidFill>
+                  <a:schemeClr val="tx1"/>
+                </a:solidFill>
+                <a:latin typeface="맑은 고딕" pitchFamily="50" charset="-127"/>
+                <a:ea typeface="맑은 고딕" pitchFamily="50" charset="-127"/>
+              </a:defRPr>
+            </a:lvl3pPr>
+            <a:lvl4pPr marL="1600200" indent="-228600" eaLnBrk="0" hangingPunct="0">
+              <a:defRPr kumimoji="1" sz="1400" b="1">
+                <a:solidFill>
+                  <a:schemeClr val="tx1"/>
+                </a:solidFill>
+                <a:latin typeface="맑은 고딕" pitchFamily="50" charset="-127"/>
+                <a:ea typeface="맑은 고딕" pitchFamily="50" charset="-127"/>
+              </a:defRPr>
+            </a:lvl4pPr>
+            <a:lvl5pPr marL="2057400" indent="-228600" eaLnBrk="0" hangingPunct="0">
+              <a:defRPr kumimoji="1" sz="1400" b="1">
+                <a:solidFill>
+                  <a:schemeClr val="tx1"/>
+                </a:solidFill>
+                <a:latin typeface="맑은 고딕" pitchFamily="50" charset="-127"/>
+                <a:ea typeface="맑은 고딕" pitchFamily="50" charset="-127"/>
+              </a:defRPr>
+            </a:lvl5pPr>
+            <a:lvl6pPr marL="2514600" indent="-228600" eaLnBrk="0" fontAlgn="base" hangingPunct="0">
+              <a:lnSpc>
+                <a:spcPct val="120000"/>
+              </a:lnSpc>
+              <a:spcBef>
+                <a:spcPct val="30000"/>
+              </a:spcBef>
+              <a:spcAft>
+                <a:spcPct val="0"/>
+              </a:spcAft>
+              <a:buChar char="•"/>
+              <a:defRPr kumimoji="1" sz="1400" b="1">
+                <a:solidFill>
+                  <a:schemeClr val="tx1"/>
+                </a:solidFill>
+                <a:latin typeface="맑은 고딕" pitchFamily="50" charset="-127"/>
+                <a:ea typeface="맑은 고딕" pitchFamily="50" charset="-127"/>
+              </a:defRPr>
+            </a:lvl6pPr>
+            <a:lvl7pPr marL="2971800" indent="-228600" eaLnBrk="0" fontAlgn="base" hangingPunct="0">
+              <a:lnSpc>
+                <a:spcPct val="120000"/>
+              </a:lnSpc>
+              <a:spcBef>
+                <a:spcPct val="30000"/>
+              </a:spcBef>
+              <a:spcAft>
+                <a:spcPct val="0"/>
+              </a:spcAft>
+              <a:buChar char="•"/>
+              <a:defRPr kumimoji="1" sz="1400" b="1">
+                <a:solidFill>
+                  <a:schemeClr val="tx1"/>
+                </a:solidFill>
+                <a:latin typeface="맑은 고딕" pitchFamily="50" charset="-127"/>
+                <a:ea typeface="맑은 고딕" pitchFamily="50" charset="-127"/>
+              </a:defRPr>
+            </a:lvl7pPr>
+            <a:lvl8pPr marL="3429000" indent="-228600" eaLnBrk="0" fontAlgn="base" hangingPunct="0">
+              <a:lnSpc>
+                <a:spcPct val="120000"/>
+              </a:lnSpc>
+              <a:spcBef>
+                <a:spcPct val="30000"/>
+              </a:spcBef>
+              <a:spcAft>
+                <a:spcPct val="0"/>
+              </a:spcAft>
+              <a:buChar char="•"/>
+              <a:defRPr kumimoji="1" sz="1400" b="1">
+                <a:solidFill>
+                  <a:schemeClr val="tx1"/>
+                </a:solidFill>
+                <a:latin typeface="맑은 고딕" pitchFamily="50" charset="-127"/>
+                <a:ea typeface="맑은 고딕" pitchFamily="50" charset="-127"/>
+              </a:defRPr>
+            </a:lvl8pPr>
+            <a:lvl9pPr marL="3886200" indent="-228600" eaLnBrk="0" fontAlgn="base" hangingPunct="0">
+              <a:lnSpc>
+                <a:spcPct val="120000"/>
+              </a:lnSpc>
+              <a:spcBef>
+                <a:spcPct val="30000"/>
+              </a:spcBef>
+              <a:spcAft>
+                <a:spcPct val="0"/>
+              </a:spcAft>
+              <a:buChar char="•"/>
+              <a:defRPr kumimoji="1" sz="1400" b="1">
+                <a:solidFill>
+                  <a:schemeClr val="tx1"/>
+                </a:solidFill>
+                <a:latin typeface="맑은 고딕" pitchFamily="50" charset="-127"/>
+                <a:ea typeface="맑은 고딕" pitchFamily="50" charset="-127"/>
+              </a:defRPr>
+            </a:lvl9pPr>
+          </a:lstStyle>
+          <a:p>
+            <a:pPr marL="0" indent="0" eaLnBrk="1" hangingPunct="1">
+              <a:lnSpc>
+                <a:spcPct val="250000"/>
+              </a:lnSpc>
+              <a:buNone/>
+            </a:pPr>
+            <a:r>
+              <a:rPr lang="ko-KR" altLang="en-US" sz="2400" b="0" dirty="0" smtClean="0"/>
+              <a:t>❑ </a:t>
+            </a:r>
+            <a:r>
+              <a:rPr lang="ko-KR" altLang="en-US" sz="2400" b="0" dirty="0" err="1" smtClean="0"/>
+              <a:t>모비율</a:t>
+            </a:r>
+            <a:r>
+              <a:rPr lang="ko-KR" altLang="en-US" sz="2400" b="0" dirty="0" smtClean="0"/>
+              <a:t> 검정</a:t>
+            </a:r>
+            <a:endParaRPr lang="ko-KR" altLang="en-US" sz="1800" b="0" dirty="0"/>
+          </a:p>
+        </p:txBody>
+      </p:sp>
+      <p:sp>
+        <p:nvSpPr>
+          <p:cNvPr id="8" name="TextBox 7">
+            <a:extLst>
+              <a:ext uri="{FF2B5EF4-FFF2-40B4-BE49-F238E27FC236}">
+                <a16:creationId xmlns:a16="http://schemas.microsoft.com/office/drawing/2014/main" id="{950E22D6-7D3C-044D-844A-0EF328822ACD}"/>
+              </a:ext>
+            </a:extLst>
+          </p:cNvPr>
+          <p:cNvSpPr txBox="1"/>
+          <p:nvPr/>
+        </p:nvSpPr>
+        <p:spPr>
+          <a:xfrm>
+            <a:off x="850403" y="1009319"/>
+            <a:ext cx="8822122" cy="2850011"/>
+          </a:xfrm>
+          <a:prstGeom prst="rect">
+            <a:avLst/>
+          </a:prstGeom>
+          <a:noFill/>
+        </p:spPr>
+        <p:txBody>
+          <a:bodyPr wrap="square" rtlCol="0">
+            <a:spAutoFit/>
+          </a:bodyPr>
+          <a:lstStyle/>
+          <a:p>
+            <a:pPr marL="285750" indent="-285750">
+              <a:lnSpc>
+                <a:spcPct val="200000"/>
+              </a:lnSpc>
+              <a:buFont typeface="Courier New" panose="02070309020205020404" pitchFamily="49" charset="0"/>
+              <a:buChar char="o"/>
+            </a:pPr>
+            <a:r>
+              <a:rPr lang="ko-KR" altLang="en-US" sz="1600" dirty="0" smtClean="0"/>
+              <a:t>가설 설정</a:t>
+            </a:r>
+            <a:endParaRPr lang="en-US" altLang="ko-KR" sz="1600" dirty="0" smtClean="0"/>
+          </a:p>
+          <a:p>
+            <a:pPr marL="742950" lvl="1" indent="-285750">
+              <a:lnSpc>
+                <a:spcPct val="200000"/>
+              </a:lnSpc>
+              <a:buFont typeface="맑은 고딕" panose="020B0503020000020004" pitchFamily="50" charset="-127"/>
+              <a:buChar char="√"/>
+            </a:pPr>
+            <a:r>
+              <a:rPr lang="ko-KR" altLang="en-US" sz="1600" dirty="0" err="1" smtClean="0"/>
+              <a:t>귀무가설</a:t>
+            </a:r>
+            <a:r>
+              <a:rPr lang="en-US" altLang="ko-KR" sz="1600" dirty="0" smtClean="0"/>
+              <a:t>: </a:t>
+            </a:r>
+            <a:r>
+              <a:rPr lang="ko-KR" altLang="en-US" sz="1600" dirty="0" smtClean="0"/>
+              <a:t>핸드폰 액정의 불량률은 </a:t>
+            </a:r>
+            <a:r>
+              <a:rPr lang="en-US" altLang="ko-KR" sz="1600" dirty="0" smtClean="0"/>
+              <a:t>10% </a:t>
+            </a:r>
+            <a:r>
+              <a:rPr lang="ko-KR" altLang="en-US" sz="1600" dirty="0" smtClean="0"/>
+              <a:t>미만이다</a:t>
+            </a:r>
+            <a:endParaRPr lang="en-US" altLang="ko-KR" sz="1600" dirty="0" smtClean="0"/>
+          </a:p>
+          <a:p>
+            <a:pPr marL="742950" lvl="1" indent="-285750">
+              <a:lnSpc>
+                <a:spcPct val="200000"/>
+              </a:lnSpc>
+              <a:buFont typeface="맑은 고딕" panose="020B0503020000020004" pitchFamily="50" charset="-127"/>
+              <a:buChar char="√"/>
+            </a:pPr>
+            <a:r>
+              <a:rPr lang="ko-KR" altLang="en-US" sz="1600" dirty="0" err="1" smtClean="0"/>
+              <a:t>대립가설</a:t>
+            </a:r>
+            <a:r>
+              <a:rPr lang="en-US" altLang="ko-KR" sz="1600" dirty="0" smtClean="0"/>
+              <a:t>: </a:t>
+            </a:r>
+            <a:r>
+              <a:rPr lang="ko-KR" altLang="en-US" sz="1600" dirty="0" smtClean="0"/>
+              <a:t>핸드폰 액정의 불량률은 </a:t>
+            </a:r>
+            <a:r>
+              <a:rPr lang="en-US" altLang="ko-KR" sz="1600" dirty="0" smtClean="0"/>
+              <a:t>10%</a:t>
+            </a:r>
+            <a:r>
+              <a:rPr lang="ko-KR" altLang="en-US" sz="1600" dirty="0" smtClean="0"/>
+              <a:t>를 넘는다</a:t>
+            </a:r>
+            <a:endParaRPr lang="en-US" altLang="ko-KR" sz="1600" dirty="0" smtClean="0"/>
+          </a:p>
+          <a:p>
+            <a:pPr marL="285750" lvl="0" indent="-285750">
+              <a:lnSpc>
+                <a:spcPct val="200000"/>
+              </a:lnSpc>
+              <a:buFont typeface="Courier New" panose="02070309020205020404" pitchFamily="49" charset="0"/>
+              <a:buChar char="o"/>
+            </a:pPr>
+            <a:r>
+              <a:rPr lang="ko-KR" altLang="en-US" sz="1600" dirty="0" smtClean="0">
+                <a:solidFill>
+                  <a:srgbClr val="000000"/>
+                </a:solidFill>
+              </a:rPr>
+              <a:t>데이터 현황</a:t>
+            </a:r>
+            <a:endParaRPr lang="en-US" altLang="ko-KR" sz="1600" dirty="0">
+              <a:solidFill>
+                <a:srgbClr val="000000"/>
+              </a:solidFill>
+            </a:endParaRPr>
+          </a:p>
+          <a:p>
+            <a:pPr marL="742950" lvl="1" indent="-285750">
+              <a:lnSpc>
+                <a:spcPct val="200000"/>
+              </a:lnSpc>
+              <a:buFont typeface="맑은 고딕" panose="020B0503020000020004" pitchFamily="50" charset="-127"/>
+              <a:buChar char="√"/>
+            </a:pPr>
+            <a:r>
+              <a:rPr lang="ko-KR" altLang="en-US" sz="1600" dirty="0" smtClean="0"/>
+              <a:t>표본의 수는 </a:t>
+            </a:r>
+            <a:r>
+              <a:rPr lang="en-US" altLang="ko-KR" sz="1600" dirty="0" smtClean="0"/>
+              <a:t>200</a:t>
+            </a:r>
+            <a:r>
+              <a:rPr lang="ko-KR" altLang="en-US" sz="1600" dirty="0" smtClean="0"/>
+              <a:t>개</a:t>
+            </a:r>
+            <a:r>
+              <a:rPr lang="en-US" altLang="ko-KR" sz="1600" dirty="0" smtClean="0"/>
+              <a:t>, </a:t>
+            </a:r>
+            <a:r>
+              <a:rPr lang="ko-KR" altLang="en-US" sz="1600" dirty="0" smtClean="0"/>
+              <a:t>총 </a:t>
+            </a:r>
+            <a:r>
+              <a:rPr lang="en-US" altLang="ko-KR" sz="1600" dirty="0" smtClean="0"/>
+              <a:t>22</a:t>
+            </a:r>
+            <a:r>
+              <a:rPr lang="ko-KR" altLang="en-US" sz="1600" dirty="0" smtClean="0"/>
+              <a:t>개가 불량으로 확인됨</a:t>
+            </a:r>
+            <a:endParaRPr lang="en-US" altLang="ko-KR" sz="1600" dirty="0" smtClean="0"/>
+          </a:p>
+        </p:txBody>
+      </p:sp>
+      <mc:AlternateContent xmlns:mc="http://schemas.openxmlformats.org/markup-compatibility/2006">
+        <mc:Choice xmlns:a14="http://schemas.microsoft.com/office/drawing/2010/main" Requires="a14">
+          <p:sp>
+            <p:nvSpPr>
+              <p:cNvPr id="7" name="TextBox 6">
+                <a:extLst>
+                  <a:ext uri="{FF2B5EF4-FFF2-40B4-BE49-F238E27FC236}">
+                    <a16:creationId xmlns:a16="http://schemas.microsoft.com/office/drawing/2014/main" id="{0DC2BE0C-9456-264A-9CB9-5EEBB85D3765}"/>
+                  </a:ext>
+                </a:extLst>
+              </p:cNvPr>
+              <p:cNvSpPr txBox="1"/>
+              <p:nvPr/>
+            </p:nvSpPr>
+            <p:spPr>
+              <a:xfrm>
+                <a:off x="2960706" y="4077072"/>
+                <a:ext cx="4171911" cy="1614416"/>
+              </a:xfrm>
+              <a:prstGeom prst="rect">
+                <a:avLst/>
+              </a:prstGeom>
+              <a:noFill/>
+            </p:spPr>
+            <p:txBody>
+              <a:bodyPr wrap="none" lIns="0" tIns="0" rIns="0" bIns="0" rtlCol="0">
+                <a:spAutoFit/>
+              </a:bodyPr>
+              <a:lstStyle/>
+              <a:p>
+                <a:pPr>
+                  <a:buNone/>
+                </a:pPr>
+                <a14:m>
+                  <m:oMathPara xmlns:m="http://schemas.openxmlformats.org/officeDocument/2006/math">
+                    <m:oMathParaPr>
+                      <m:jc m:val="centerGroup"/>
+                    </m:oMathParaPr>
+                    <m:oMath xmlns:m="http://schemas.openxmlformats.org/officeDocument/2006/math">
+                      <m:r>
+                        <a:rPr lang="en-US" sz="2800" b="1" i="1" smtClean="0">
+                          <a:latin typeface="Cambria Math" panose="02040503050406030204" pitchFamily="18" charset="0"/>
+                        </a:rPr>
+                        <m:t>𝒁</m:t>
+                      </m:r>
+                      <m:r>
+                        <a:rPr lang="en-US" sz="2800" b="1" i="1" smtClean="0">
+                          <a:latin typeface="Cambria Math" panose="02040503050406030204" pitchFamily="18" charset="0"/>
+                        </a:rPr>
+                        <m:t>=</m:t>
+                      </m:r>
+                      <m:f>
+                        <m:fPr>
+                          <m:ctrlPr>
+                            <a:rPr lang="en-US" altLang="ko-KR" sz="2800" b="1" i="1" smtClean="0">
+                              <a:latin typeface="Cambria Math" panose="02040503050406030204" pitchFamily="18" charset="0"/>
+                            </a:rPr>
+                          </m:ctrlPr>
+                        </m:fPr>
+                        <m:num>
+                          <m:r>
+                            <a:rPr lang="en-US" altLang="ko-KR" sz="2800" b="1" i="1" smtClean="0">
+                              <a:latin typeface="Cambria Math" panose="02040503050406030204" pitchFamily="18" charset="0"/>
+                            </a:rPr>
+                            <m:t>𝟎</m:t>
+                          </m:r>
+                          <m:r>
+                            <a:rPr lang="en-US" altLang="ko-KR" sz="2800" b="1" i="1" smtClean="0">
+                              <a:latin typeface="Cambria Math" panose="02040503050406030204" pitchFamily="18" charset="0"/>
+                            </a:rPr>
+                            <m:t>.</m:t>
+                          </m:r>
+                          <m:r>
+                            <a:rPr lang="en-US" altLang="ko-KR" sz="2800" b="1" i="1" smtClean="0">
+                              <a:latin typeface="Cambria Math" panose="02040503050406030204" pitchFamily="18" charset="0"/>
+                            </a:rPr>
+                            <m:t>𝟏𝟏</m:t>
+                          </m:r>
+                          <m:r>
+                            <a:rPr lang="en-US" altLang="ko-KR" sz="2800" b="1" i="1" smtClean="0">
+                              <a:latin typeface="Cambria Math" panose="02040503050406030204" pitchFamily="18" charset="0"/>
+                            </a:rPr>
+                            <m:t> −</m:t>
+                          </m:r>
+                          <m:r>
+                            <a:rPr lang="en-US" altLang="ko-KR" sz="2800" b="1" i="1" smtClean="0">
+                              <a:latin typeface="Cambria Math" panose="02040503050406030204" pitchFamily="18" charset="0"/>
+                            </a:rPr>
+                            <m:t>𝟎</m:t>
+                          </m:r>
+                          <m:r>
+                            <a:rPr lang="en-US" altLang="ko-KR" sz="2800" b="1" i="1" smtClean="0">
+                              <a:latin typeface="Cambria Math" panose="02040503050406030204" pitchFamily="18" charset="0"/>
+                            </a:rPr>
+                            <m:t>.</m:t>
+                          </m:r>
+                          <m:r>
+                            <a:rPr lang="en-US" altLang="ko-KR" sz="2800" b="1" i="1" smtClean="0">
+                              <a:latin typeface="Cambria Math" panose="02040503050406030204" pitchFamily="18" charset="0"/>
+                            </a:rPr>
+                            <m:t>𝟏</m:t>
+                          </m:r>
+                        </m:num>
+                        <m:den>
+                          <m:rad>
+                            <m:radPr>
+                              <m:degHide m:val="on"/>
+                              <m:ctrlPr>
+                                <a:rPr lang="en-US" altLang="ko-KR" sz="2800" b="1" i="1" smtClean="0">
+                                  <a:latin typeface="Cambria Math" panose="02040503050406030204" pitchFamily="18" charset="0"/>
+                                </a:rPr>
+                              </m:ctrlPr>
+                            </m:radPr>
+                            <m:deg/>
+                            <m:e>
+                              <m:f>
+                                <m:fPr>
+                                  <m:ctrlPr>
+                                    <a:rPr lang="en-US" altLang="ko-KR" sz="2800" b="1" i="1" smtClean="0">
+                                      <a:latin typeface="Cambria Math" panose="02040503050406030204" pitchFamily="18" charset="0"/>
+                                    </a:rPr>
+                                  </m:ctrlPr>
+                                </m:fPr>
+                                <m:num>
+                                  <m:r>
+                                    <a:rPr lang="en-US" altLang="ko-KR" sz="2800" b="1" i="1" smtClean="0">
+                                      <a:latin typeface="Cambria Math" panose="02040503050406030204" pitchFamily="18" charset="0"/>
+                                    </a:rPr>
+                                    <m:t>𝟎</m:t>
+                                  </m:r>
+                                  <m:r>
+                                    <a:rPr lang="en-US" altLang="ko-KR" sz="2800" b="1" i="1" smtClean="0">
+                                      <a:latin typeface="Cambria Math" panose="02040503050406030204" pitchFamily="18" charset="0"/>
+                                    </a:rPr>
+                                    <m:t>.</m:t>
+                                  </m:r>
+                                  <m:r>
+                                    <a:rPr lang="en-US" altLang="ko-KR" sz="2800" b="1" i="1" smtClean="0">
+                                      <a:latin typeface="Cambria Math" panose="02040503050406030204" pitchFamily="18" charset="0"/>
+                                    </a:rPr>
+                                    <m:t>𝟏</m:t>
+                                  </m:r>
+                                  <m:r>
+                                    <a:rPr lang="en-US" altLang="ko-KR" sz="2800" b="1" i="1" smtClean="0">
+                                      <a:latin typeface="Cambria Math" panose="02040503050406030204" pitchFamily="18" charset="0"/>
+                                    </a:rPr>
+                                    <m:t> ×</m:t>
+                                  </m:r>
+                                  <m:r>
+                                    <a:rPr lang="en-US" altLang="ko-KR" sz="2800" b="1" i="1" smtClean="0">
+                                      <a:latin typeface="Cambria Math" panose="02040503050406030204" pitchFamily="18" charset="0"/>
+                                      <a:ea typeface="Cambria Math" panose="02040503050406030204" pitchFamily="18" charset="0"/>
+                                    </a:rPr>
+                                    <m:t>𝟎</m:t>
+                                  </m:r>
+                                  <m:r>
+                                    <a:rPr lang="en-US" altLang="ko-KR" sz="2800" b="1" i="1" smtClean="0">
+                                      <a:latin typeface="Cambria Math" panose="02040503050406030204" pitchFamily="18" charset="0"/>
+                                      <a:ea typeface="Cambria Math" panose="02040503050406030204" pitchFamily="18" charset="0"/>
+                                    </a:rPr>
+                                    <m:t>.</m:t>
+                                  </m:r>
+                                  <m:r>
+                                    <a:rPr lang="en-US" altLang="ko-KR" sz="2800" b="1" i="1" smtClean="0">
+                                      <a:latin typeface="Cambria Math" panose="02040503050406030204" pitchFamily="18" charset="0"/>
+                                      <a:ea typeface="Cambria Math" panose="02040503050406030204" pitchFamily="18" charset="0"/>
+                                    </a:rPr>
+                                    <m:t>𝟗</m:t>
+                                  </m:r>
+                                </m:num>
+                                <m:den>
+                                  <m:r>
+                                    <a:rPr lang="en-US" altLang="ko-KR" sz="2800" b="1" i="1" smtClean="0">
+                                      <a:latin typeface="Cambria Math" panose="02040503050406030204" pitchFamily="18" charset="0"/>
+                                    </a:rPr>
+                                    <m:t>𝟐𝟎𝟎</m:t>
+                                  </m:r>
+                                </m:den>
+                              </m:f>
+                            </m:e>
+                          </m:rad>
+                        </m:den>
+                      </m:f>
+                      <m:r>
+                        <a:rPr lang="en-US" altLang="ko-KR" sz="2800" b="1" i="1" smtClean="0">
+                          <a:latin typeface="Cambria Math" panose="02040503050406030204" pitchFamily="18" charset="0"/>
+                          <a:ea typeface="Cambria Math" panose="02040503050406030204" pitchFamily="18" charset="0"/>
+                        </a:rPr>
+                        <m:t>≅</m:t>
+                      </m:r>
+                      <m:r>
+                        <a:rPr lang="en-US" altLang="ko-KR" sz="2800" b="1" i="1" smtClean="0">
+                          <a:latin typeface="Cambria Math" panose="02040503050406030204" pitchFamily="18" charset="0"/>
+                        </a:rPr>
+                        <m:t>𝟎</m:t>
+                      </m:r>
+                      <m:r>
+                        <a:rPr lang="en-US" altLang="ko-KR" sz="2800" b="1" i="1" smtClean="0">
+                          <a:latin typeface="Cambria Math" panose="02040503050406030204" pitchFamily="18" charset="0"/>
+                        </a:rPr>
+                        <m:t>.</m:t>
+                      </m:r>
+                      <m:r>
+                        <a:rPr lang="en-US" altLang="ko-KR" sz="2800" b="1" i="1" smtClean="0">
+                          <a:latin typeface="Cambria Math" panose="02040503050406030204" pitchFamily="18" charset="0"/>
+                        </a:rPr>
+                        <m:t>𝟒𝟕𝟏</m:t>
+                      </m:r>
+                    </m:oMath>
+                  </m:oMathPara>
+                </a14:m>
+                <a:endParaRPr lang="en-KR" sz="2800" dirty="0"/>
+              </a:p>
+            </p:txBody>
+          </p:sp>
+        </mc:Choice>
+        <mc:Fallback>
+          <p:sp>
+            <p:nvSpPr>
+              <p:cNvPr id="7" name="TextBox 6">
+                <a:extLst>
+                  <a:ext uri="{FF2B5EF4-FFF2-40B4-BE49-F238E27FC236}">
+                    <a16:creationId xmlns:a16="http://schemas.microsoft.com/office/drawing/2014/main" id="{0DC2BE0C-9456-264A-9CB9-5EEBB85D3765}"/>
+                  </a:ext>
+                </a:extLst>
+              </p:cNvPr>
+              <p:cNvSpPr txBox="1">
+                <a:spLocks noRot="1" noChangeAspect="1" noMove="1" noResize="1" noEditPoints="1" noAdjustHandles="1" noChangeArrowheads="1" noChangeShapeType="1" noTextEdit="1"/>
+              </p:cNvSpPr>
+              <p:nvPr/>
+            </p:nvSpPr>
+            <p:spPr>
+              <a:xfrm>
+                <a:off x="2960706" y="4077072"/>
+                <a:ext cx="4171911" cy="1614416"/>
+              </a:xfrm>
+              <a:prstGeom prst="rect">
+                <a:avLst/>
+              </a:prstGeom>
+              <a:blipFill>
+                <a:blip r:embed="rId2"/>
+                <a:stretch>
+                  <a:fillRect/>
+                </a:stretch>
+              </a:blipFill>
+            </p:spPr>
+            <p:txBody>
+              <a:bodyPr/>
+              <a:lstStyle/>
+              <a:p>
+                <a:r>
+                  <a:rPr lang="ko-KR" altLang="en-US">
+                    <a:noFill/>
+                  </a:rPr>
+                  <a:t> </a:t>
+                </a:r>
+              </a:p>
+            </p:txBody>
+          </p:sp>
+        </mc:Fallback>
+      </mc:AlternateContent>
+    </p:spTree>
+    <p:extLst>
+      <p:ext uri="{BB962C8B-B14F-4D97-AF65-F5344CB8AC3E}">
+        <p14:creationId xmlns:p14="http://schemas.microsoft.com/office/powerpoint/2010/main" val="526941816"/>
       </p:ext>
     </p:extLst>
   </p:cSld>

--- a/source_2021/2_day_stat_regression/source/기초통계 - Z-test.pptx
+++ b/source_2021/2_day_stat_regression/source/기초통계 - Z-test.pptx
@@ -5,7 +5,7 @@
     <p:sldMasterId id="2147484257" r:id="rId1"/>
   </p:sldMasterIdLst>
   <p:notesMasterIdLst>
-    <p:notesMasterId r:id="rId23"/>
+    <p:notesMasterId r:id="rId24"/>
   </p:notesMasterIdLst>
   <p:sldIdLst>
     <p:sldId id="490" r:id="rId2"/>
@@ -29,6 +29,7 @@
     <p:sldId id="508" r:id="rId20"/>
     <p:sldId id="510" r:id="rId21"/>
     <p:sldId id="509" r:id="rId22"/>
+    <p:sldId id="511" r:id="rId23"/>
   </p:sldIdLst>
   <p:sldSz cx="9906000" cy="6858000" type="A4"/>
   <p:notesSz cx="6858000" cy="9144000"/>
@@ -369,7 +370,7 @@
               <a:pPr>
                 <a:defRPr/>
               </a:pPr>
-              <a:t>2022-02-09</a:t>
+              <a:t>2022. 2. 10.</a:t>
             </a:fld>
             <a:endParaRPr lang="ko-KR" altLang="en-US"/>
           </a:p>
@@ -8868,7 +8869,7 @@
             </a:r>
             <a:r>
               <a:rPr lang="ko-KR" altLang="en-US" sz="1600" dirty="0"/>
-              <a:t>세 남자 어린이 키의 평균은 </a:t>
+              <a:t>세 여자 어린이 키의 평균은 </a:t>
             </a:r>
             <a:r>
               <a:rPr lang="en-US" altLang="ko-KR" sz="1600" dirty="0"/>
@@ -8898,7 +8899,7 @@
             </a:r>
             <a:r>
               <a:rPr lang="ko-KR" altLang="en-US" sz="1600" dirty="0"/>
-              <a:t>세 남자 어린이 키의 평균은 </a:t>
+              <a:t>세 여자 어린이 키의 평균은 </a:t>
             </a:r>
             <a:r>
               <a:rPr lang="en-US" altLang="ko-KR" sz="1600" dirty="0"/>
@@ -8927,8 +8928,12 @@
               <a:t>7</a:t>
             </a:r>
             <a:r>
+              <a:rPr lang="ko-KR" altLang="en-US" sz="1600"/>
+              <a:t>세 여자 </a:t>
+            </a:r>
+            <a:r>
               <a:rPr lang="ko-KR" altLang="en-US" sz="1600" dirty="0"/>
-              <a:t>세 남자 어린이 키의 평균은 </a:t>
+              <a:t>어린이 키의 평균은 </a:t>
             </a:r>
             <a:r>
               <a:rPr lang="en-US" altLang="ko-KR" sz="1600" dirty="0"/>
@@ -10732,10 +10737,10 @@
               <a:t> </a:t>
             </a:r>
             <a:r>
-              <a:rPr lang="ko-KR" altLang="en-US" sz="1600" dirty="0" err="1" smtClean="0"/>
+              <a:rPr lang="ko-KR" altLang="en-US" sz="1600" dirty="0" err="1"/>
               <a:t>양측검정</a:t>
             </a:r>
-            <a:endParaRPr lang="en-US" altLang="ko-KR" sz="1600" dirty="0" smtClean="0"/>
+            <a:endParaRPr lang="en-US" altLang="ko-KR" sz="1600" dirty="0"/>
           </a:p>
           <a:p>
             <a:pPr marL="742950" lvl="1" indent="-285750">
@@ -10746,15 +10751,15 @@
               <a:buChar char="•"/>
             </a:pPr>
             <a:r>
-              <a:rPr lang="ko-KR" altLang="en-US" sz="1600" dirty="0" smtClean="0"/>
+              <a:rPr lang="ko-KR" altLang="en-US" sz="1600" dirty="0"/>
               <a:t>그림상으로는 </a:t>
             </a:r>
             <a:r>
-              <a:rPr lang="ko-KR" altLang="en-US" sz="1600" dirty="0" err="1" smtClean="0"/>
+              <a:rPr lang="ko-KR" altLang="en-US" sz="1600" dirty="0" err="1"/>
               <a:t>귀무가설을</a:t>
             </a:r>
             <a:r>
-              <a:rPr lang="ko-KR" altLang="en-US" sz="1600" dirty="0" smtClean="0"/>
+              <a:rPr lang="ko-KR" altLang="en-US" sz="1600" dirty="0"/>
               <a:t> 채택해야 함 </a:t>
             </a:r>
             <a:endParaRPr lang="en-US" altLang="ko-KR" sz="1600" dirty="0"/>
@@ -11010,23 +11015,23 @@
               <a:t>❑ </a:t>
             </a:r>
             <a:r>
-              <a:rPr lang="ko-KR" altLang="en-US" sz="2400" b="0" dirty="0" err="1" smtClean="0"/>
+              <a:rPr lang="ko-KR" altLang="en-US" sz="2400" b="0" dirty="0" err="1"/>
               <a:t>유의확률과</a:t>
             </a:r>
             <a:r>
-              <a:rPr lang="ko-KR" altLang="en-US" sz="2400" b="0" dirty="0" smtClean="0"/>
+              <a:rPr lang="ko-KR" altLang="en-US" sz="2400" b="0" dirty="0"/>
               <a:t> </a:t>
             </a:r>
             <a:r>
-              <a:rPr lang="ko-KR" altLang="en-US" sz="2400" b="0" dirty="0" err="1" smtClean="0"/>
+              <a:rPr lang="ko-KR" altLang="en-US" sz="2400" b="0" dirty="0" err="1"/>
               <a:t>유의수준을</a:t>
             </a:r>
             <a:r>
-              <a:rPr lang="ko-KR" altLang="en-US" sz="2400" b="0" dirty="0" smtClean="0"/>
+              <a:rPr lang="ko-KR" altLang="en-US" sz="2400" b="0" dirty="0"/>
               <a:t> 이용한 </a:t>
             </a:r>
             <a:r>
-              <a:rPr lang="ko-KR" altLang="en-US" sz="2400" b="0" dirty="0" err="1" smtClean="0"/>
+              <a:rPr lang="ko-KR" altLang="en-US" sz="2400" b="0" dirty="0" err="1"/>
               <a:t>판정방법</a:t>
             </a:r>
             <a:endParaRPr lang="ko-KR" altLang="en-US" sz="1800" b="0" dirty="0"/>
@@ -11461,18 +11466,18 @@
               <a:buChar char="o"/>
             </a:pPr>
             <a:r>
-              <a:rPr lang="ko-KR" altLang="en-US" sz="1600" dirty="0" err="1" smtClean="0"/>
+              <a:rPr lang="ko-KR" altLang="en-US" sz="1600" dirty="0" err="1"/>
               <a:t>유의확률</a:t>
             </a:r>
             <a:r>
-              <a:rPr lang="en-US" altLang="ko-KR" sz="1600" dirty="0" smtClean="0"/>
+              <a:rPr lang="en-US" altLang="ko-KR" sz="1600" dirty="0"/>
               <a:t>(P-Value, Significance Probability)</a:t>
             </a:r>
             <a:r>
-              <a:rPr lang="ko-KR" altLang="en-US" sz="1600" dirty="0" smtClean="0"/>
+              <a:rPr lang="ko-KR" altLang="en-US" sz="1600" dirty="0"/>
               <a:t>은 검정 통계량 활용하여 구함</a:t>
             </a:r>
-            <a:endParaRPr lang="en-US" altLang="ko-KR" sz="1600" dirty="0" smtClean="0"/>
+            <a:endParaRPr lang="en-US" altLang="ko-KR" sz="1600" dirty="0"/>
           </a:p>
           <a:p>
             <a:pPr marL="742950" lvl="1" indent="-285750">
@@ -11483,55 +11488,55 @@
               <a:buChar char="•"/>
             </a:pPr>
             <a:r>
-              <a:rPr lang="ko-KR" altLang="en-US" sz="1600" dirty="0" err="1" smtClean="0"/>
+              <a:rPr lang="ko-KR" altLang="en-US" sz="1600" dirty="0" err="1"/>
               <a:t>양측검정</a:t>
-            </a:r>
-            <a:r>
-              <a:rPr lang="ko-KR" altLang="en-US" sz="1600" dirty="0" smtClean="0"/>
-              <a:t> </a:t>
-            </a:r>
-            <a:r>
-              <a:rPr lang="ko-KR" altLang="en-US" sz="1600" dirty="0" err="1" smtClean="0"/>
-              <a:t>유의확률</a:t>
-            </a:r>
-            <a:r>
-              <a:rPr lang="ko-KR" altLang="en-US" sz="1600" dirty="0" smtClean="0"/>
-              <a:t> </a:t>
-            </a:r>
-            <a:r>
-              <a:rPr lang="en-US" altLang="ko-KR" sz="1600" dirty="0" smtClean="0"/>
-              <a:t>0.039</a:t>
             </a:r>
             <a:r>
               <a:rPr lang="ko-KR" altLang="en-US" sz="1600" dirty="0"/>
               <a:t> </a:t>
             </a:r>
             <a:r>
-              <a:rPr lang="en-US" altLang="ko-KR" sz="1600" dirty="0" smtClean="0"/>
+              <a:rPr lang="ko-KR" altLang="en-US" sz="1600" dirty="0" err="1"/>
+              <a:t>유의확률</a:t>
+            </a:r>
+            <a:r>
+              <a:rPr lang="ko-KR" altLang="en-US" sz="1600" dirty="0"/>
+              <a:t> </a:t>
+            </a:r>
+            <a:r>
+              <a:rPr lang="en-US" altLang="ko-KR" sz="1600" dirty="0"/>
+              <a:t>0.039</a:t>
+            </a:r>
+            <a:r>
+              <a:rPr lang="ko-KR" altLang="en-US" sz="1600" dirty="0"/>
+              <a:t> </a:t>
+            </a:r>
+            <a:r>
+              <a:rPr lang="en-US" altLang="ko-KR" sz="1600" dirty="0"/>
               <a:t>&gt; </a:t>
             </a:r>
             <a:r>
-              <a:rPr lang="ko-KR" altLang="en-US" sz="1600" dirty="0" smtClean="0"/>
+              <a:rPr lang="ko-KR" altLang="en-US" sz="1600" dirty="0"/>
               <a:t>유의 수준 </a:t>
             </a:r>
             <a:r>
-              <a:rPr lang="en-US" altLang="ko-KR" sz="1600" dirty="0" smtClean="0"/>
+              <a:rPr lang="en-US" altLang="ko-KR" sz="1600" dirty="0"/>
               <a:t>0.025,</a:t>
             </a:r>
             <a:r>
-              <a:rPr lang="ko-KR" altLang="en-US" sz="1600" dirty="0" smtClean="0"/>
+              <a:rPr lang="ko-KR" altLang="en-US" sz="1600" dirty="0"/>
               <a:t> </a:t>
             </a:r>
             <a:r>
-              <a:rPr lang="ko-KR" altLang="en-US" sz="1600" dirty="0" err="1" smtClean="0"/>
+              <a:rPr lang="ko-KR" altLang="en-US" sz="1600" dirty="0" err="1"/>
               <a:t>귀무가설</a:t>
             </a:r>
             <a:r>
-              <a:rPr lang="ko-KR" altLang="en-US" sz="1600" dirty="0" smtClean="0"/>
+              <a:rPr lang="ko-KR" altLang="en-US" sz="1600" dirty="0"/>
               <a:t> 채택 </a:t>
             </a:r>
             <a:r>
-              <a:rPr lang="en-US" altLang="ko-KR" sz="1600" dirty="0" smtClean="0"/>
+              <a:rPr lang="en-US" altLang="ko-KR" sz="1600" dirty="0"/>
               <a:t>(</a:t>
             </a:r>
             <a:r>
@@ -11544,11 +11549,7 @@
             </a:r>
             <a:r>
               <a:rPr lang="ko-KR" altLang="en-US" sz="1600" dirty="0"/>
-              <a:t>의 </a:t>
-            </a:r>
-            <a:r>
-              <a:rPr lang="ko-KR" altLang="en-US" sz="1600" dirty="0" smtClean="0"/>
-              <a:t>절반</a:t>
+              <a:t>의 절반</a:t>
             </a:r>
             <a:r>
               <a:rPr lang="en-US" altLang="ko-KR" sz="1600" dirty="0"/>
@@ -11778,7 +11779,7 @@
               <a:buNone/>
             </a:pPr>
             <a:r>
-              <a:rPr lang="ko-KR" altLang="en-US" sz="2400" b="0" dirty="0" smtClean="0"/>
+              <a:rPr lang="ko-KR" altLang="en-US" sz="2400" b="0" dirty="0"/>
               <a:t>❑ 통계 해석</a:t>
             </a:r>
             <a:endParaRPr lang="ko-KR" altLang="en-US" sz="1800" b="0" dirty="0"/>
@@ -11968,46 +11969,46 @@
                   <a:buChar char="o"/>
                 </a:pPr>
                 <a:r>
-                  <a:rPr lang="en-US" altLang="ko-KR" sz="1600" dirty="0" smtClean="0"/>
+                  <a:rPr lang="en-US" altLang="ko-KR" sz="1600" dirty="0"/>
                   <a:t>2020</a:t>
                 </a:r>
                 <a:r>
-                  <a:rPr lang="ko-KR" altLang="en-US" sz="1600" dirty="0" smtClean="0"/>
+                  <a:rPr lang="ko-KR" altLang="en-US" sz="1600" dirty="0"/>
                   <a:t>년</a:t>
                 </a:r>
                 <a:r>
-                  <a:rPr lang="en-US" altLang="ko-KR" sz="1600" dirty="0" smtClean="0"/>
+                  <a:rPr lang="en-US" altLang="ko-KR" sz="1600" dirty="0"/>
                   <a:t>, 2015</a:t>
                 </a:r>
                 <a:r>
-                  <a:rPr lang="ko-KR" altLang="en-US" sz="1600" dirty="0" smtClean="0"/>
+                  <a:rPr lang="ko-KR" altLang="en-US" sz="1600" dirty="0"/>
                   <a:t>년과의 평균 키</a:t>
                 </a:r>
                 <a:r>
-                  <a:rPr lang="en-US" altLang="ko-KR" sz="1600" dirty="0" smtClean="0"/>
+                  <a:rPr lang="en-US" altLang="ko-KR" sz="1600" dirty="0"/>
                   <a:t>, </a:t>
                 </a:r>
                 <a:r>
-                  <a:rPr lang="ko-KR" altLang="en-US" sz="1600" dirty="0" smtClean="0"/>
+                  <a:rPr lang="ko-KR" altLang="en-US" sz="1600" dirty="0"/>
                   <a:t>비교를 위해 만 </a:t>
                 </a:r>
                 <a:r>
-                  <a:rPr lang="en-US" altLang="ko-KR" sz="1600" dirty="0" smtClean="0"/>
+                  <a:rPr lang="en-US" altLang="ko-KR" sz="1600" dirty="0"/>
                   <a:t>7</a:t>
                 </a:r>
                 <a:r>
-                  <a:rPr lang="ko-KR" altLang="en-US" sz="1600" dirty="0" smtClean="0"/>
+                  <a:rPr lang="ko-KR" altLang="en-US" sz="1600" dirty="0"/>
                   <a:t>세 여자 어린이의 표본 </a:t>
                 </a:r>
                 <a:r>
-                  <a:rPr lang="en-US" altLang="ko-KR" sz="1600" dirty="0" smtClean="0"/>
+                  <a:rPr lang="en-US" altLang="ko-KR" sz="1600" dirty="0"/>
                   <a:t>30</a:t>
                 </a:r>
                 <a:r>
-                  <a:rPr lang="ko-KR" altLang="en-US" sz="1600" dirty="0" smtClean="0"/>
+                  <a:rPr lang="ko-KR" altLang="en-US" sz="1600" dirty="0"/>
                   <a:t>명을 추출함</a:t>
                 </a:r>
-                <a:endParaRPr lang="en-US" altLang="ko-KR" sz="1600" dirty="0" smtClean="0"/>
+                <a:endParaRPr lang="en-US" altLang="ko-KR" sz="1600" dirty="0"/>
               </a:p>
               <a:p>
                 <a:pPr marL="285750" indent="-285750">
@@ -12018,26 +12019,26 @@
                   <a:buChar char="o"/>
                 </a:pPr>
                 <a:r>
-                  <a:rPr lang="ko-KR" altLang="en-US" sz="1600" dirty="0" smtClean="0"/>
+                  <a:rPr lang="ko-KR" altLang="en-US" sz="1600" dirty="0"/>
                   <a:t>평균 키는 </a:t>
                 </a:r>
                 <a:r>
-                  <a:rPr lang="en-US" altLang="ko-KR" sz="1600" dirty="0" smtClean="0"/>
+                  <a:rPr lang="en-US" altLang="ko-KR" sz="1600" dirty="0"/>
                   <a:t>125cm, </a:t>
                 </a:r>
                 <a:r>
-                  <a:rPr lang="ko-KR" altLang="en-US" sz="1600" dirty="0" smtClean="0"/>
+                  <a:rPr lang="ko-KR" altLang="en-US" sz="1600" dirty="0"/>
                   <a:t>표준편차는 </a:t>
                 </a:r>
                 <a:r>
-                  <a:rPr lang="en-US" altLang="ko-KR" sz="1600" dirty="0" smtClean="0"/>
+                  <a:rPr lang="en-US" altLang="ko-KR" sz="1600" dirty="0"/>
                   <a:t>15cm</a:t>
                 </a:r>
                 <a:r>
-                  <a:rPr lang="ko-KR" altLang="en-US" sz="1600" dirty="0" smtClean="0"/>
+                  <a:rPr lang="ko-KR" altLang="en-US" sz="1600" dirty="0"/>
                   <a:t>로 확인함</a:t>
                 </a:r>
-                <a:endParaRPr lang="en-US" altLang="ko-KR" sz="1600" dirty="0" smtClean="0"/>
+                <a:endParaRPr lang="en-US" altLang="ko-KR" sz="1600" dirty="0"/>
               </a:p>
               <a:p>
                 <a:pPr marL="285750" indent="-285750">
@@ -12048,11 +12049,11 @@
                   <a:buChar char="o"/>
                 </a:pPr>
                 <a:r>
-                  <a:rPr lang="ko-KR" altLang="en-US" sz="1600" dirty="0" smtClean="0"/>
+                  <a:rPr lang="ko-KR" altLang="en-US" sz="1600" dirty="0"/>
                   <a:t>표본으로부터 구한 검정 통계량은 </a:t>
                 </a:r>
                 <a:r>
-                  <a:rPr lang="en-US" altLang="ko-KR" sz="1600" dirty="0" smtClean="0"/>
+                  <a:rPr lang="en-US" altLang="ko-KR" sz="1600" dirty="0"/>
                   <a:t>1.795 (p-value: 0.078)</a:t>
                 </a:r>
               </a:p>
@@ -12065,11 +12066,11 @@
                   <a:buChar char="o"/>
                 </a:pPr>
                 <a:r>
-                  <a:rPr lang="ko-KR" altLang="en-US" sz="1600" dirty="0" smtClean="0"/>
+                  <a:rPr lang="ko-KR" altLang="en-US" sz="1600" dirty="0"/>
                   <a:t>유의수준</a:t>
                 </a:r>
                 <a:r>
-                  <a:rPr lang="en-US" altLang="ko-KR" sz="1600" dirty="0" smtClean="0"/>
+                  <a:rPr lang="en-US" altLang="ko-KR" sz="1600" dirty="0"/>
                   <a:t>(</a:t>
                 </a:r>
                 <a14:m>
@@ -12083,38 +12084,38 @@
                   </m:oMath>
                 </a14:m>
                 <a:r>
-                  <a:rPr lang="en-US" altLang="ko-KR" sz="1600" dirty="0" smtClean="0"/>
+                  <a:rPr lang="en-US" altLang="ko-KR" sz="1600" dirty="0"/>
                   <a:t>) 0.05</a:t>
                 </a:r>
                 <a:r>
-                  <a:rPr lang="ko-KR" altLang="en-US" sz="1600" dirty="0" smtClean="0"/>
+                  <a:rPr lang="ko-KR" altLang="en-US" sz="1600" dirty="0"/>
                   <a:t>에서 만 </a:t>
                 </a:r>
                 <a:r>
-                  <a:rPr lang="en-US" altLang="ko-KR" sz="1600" dirty="0" smtClean="0"/>
+                  <a:rPr lang="en-US" altLang="ko-KR" sz="1600" dirty="0"/>
                   <a:t>7</a:t>
                 </a:r>
                 <a:r>
-                  <a:rPr lang="ko-KR" altLang="en-US" sz="1600" dirty="0" smtClean="0"/>
+                  <a:rPr lang="ko-KR" altLang="en-US" sz="1600" dirty="0"/>
                   <a:t>세 여자 어린이 키의 평균이 </a:t>
                 </a:r>
                 <a:r>
-                  <a:rPr lang="en-US" altLang="ko-KR" sz="1600" dirty="0" smtClean="0"/>
+                  <a:rPr lang="en-US" altLang="ko-KR" sz="1600" dirty="0"/>
                   <a:t>120cm</a:t>
                 </a:r>
                 <a:r>
-                  <a:rPr lang="ko-KR" altLang="en-US" sz="1600" dirty="0" smtClean="0"/>
+                  <a:rPr lang="ko-KR" altLang="en-US" sz="1600" dirty="0"/>
                   <a:t>라는 </a:t>
                 </a:r>
                 <a:r>
-                  <a:rPr lang="ko-KR" altLang="en-US" sz="1600" dirty="0" err="1" smtClean="0"/>
+                  <a:rPr lang="ko-KR" altLang="en-US" sz="1600" dirty="0" err="1"/>
                   <a:t>귀무가설</a:t>
                 </a:r>
                 <a:r>
-                  <a:rPr lang="ko-KR" altLang="en-US" sz="1600" dirty="0" smtClean="0"/>
+                  <a:rPr lang="ko-KR" altLang="en-US" sz="1600" dirty="0"/>
                   <a:t> 기각 안됨</a:t>
                 </a:r>
-                <a:endParaRPr lang="en-US" altLang="ko-KR" sz="1600" dirty="0" smtClean="0"/>
+                <a:endParaRPr lang="en-US" altLang="ko-KR" sz="1600" dirty="0"/>
               </a:p>
               <a:p>
                 <a:pPr marL="285750" indent="-285750">
@@ -12125,42 +12126,42 @@
                   <a:buChar char="o"/>
                 </a:pPr>
                 <a:r>
-                  <a:rPr lang="ko-KR" altLang="en-US" sz="1600" dirty="0" smtClean="0"/>
+                  <a:rPr lang="ko-KR" altLang="en-US" sz="1600" dirty="0"/>
                   <a:t>즉</a:t>
                 </a:r>
                 <a:r>
-                  <a:rPr lang="en-US" altLang="ko-KR" sz="1600" dirty="0" smtClean="0"/>
+                  <a:rPr lang="en-US" altLang="ko-KR" sz="1600" dirty="0"/>
                   <a:t>, </a:t>
                 </a:r>
                 <a:r>
-                  <a:rPr lang="ko-KR" altLang="en-US" sz="1600" dirty="0" err="1" smtClean="0"/>
+                  <a:rPr lang="ko-KR" altLang="en-US" sz="1600" dirty="0" err="1"/>
                   <a:t>귀무가설을</a:t>
                 </a:r>
                 <a:r>
-                  <a:rPr lang="ko-KR" altLang="en-US" sz="1600" dirty="0" smtClean="0"/>
+                  <a:rPr lang="ko-KR" altLang="en-US" sz="1600" dirty="0"/>
                   <a:t> </a:t>
                 </a:r>
                 <a:r>
-                  <a:rPr lang="ko-KR" altLang="en-US" sz="1600" dirty="0" err="1" smtClean="0"/>
+                  <a:rPr lang="ko-KR" altLang="en-US" sz="1600" dirty="0" err="1"/>
                   <a:t>채택해야하며</a:t>
                 </a:r>
                 <a:r>
-                  <a:rPr lang="en-US" altLang="ko-KR" sz="1600" dirty="0" smtClean="0"/>
+                  <a:rPr lang="en-US" altLang="ko-KR" sz="1600" dirty="0"/>
                   <a:t>, </a:t>
                 </a:r>
                 <a:r>
-                  <a:rPr lang="ko-KR" altLang="en-US" sz="1600" dirty="0" smtClean="0"/>
+                  <a:rPr lang="ko-KR" altLang="en-US" sz="1600" dirty="0"/>
                   <a:t>여자 어린이의 키의 평균은 여전히 </a:t>
                 </a:r>
                 <a:r>
-                  <a:rPr lang="en-US" altLang="ko-KR" sz="1600" dirty="0" smtClean="0"/>
+                  <a:rPr lang="en-US" altLang="ko-KR" sz="1600" dirty="0"/>
                   <a:t>120cm</a:t>
                 </a:r>
                 <a:r>
-                  <a:rPr lang="ko-KR" altLang="en-US" sz="1600" dirty="0" smtClean="0"/>
+                  <a:rPr lang="ko-KR" altLang="en-US" sz="1600" dirty="0"/>
                   <a:t>임을 유지해야 함</a:t>
                 </a:r>
-                <a:endParaRPr lang="en-US" altLang="ko-KR" sz="1600" dirty="0" smtClean="0"/>
+                <a:endParaRPr lang="en-US" altLang="ko-KR" sz="1600" dirty="0"/>
               </a:p>
             </p:txBody>
           </p:sp>
@@ -12703,23 +12704,23 @@
               <a:buNone/>
             </a:pPr>
             <a:r>
-              <a:rPr lang="ko-KR" altLang="en-US" sz="2400" b="0" dirty="0" smtClean="0"/>
+              <a:rPr lang="ko-KR" altLang="en-US" sz="2400" b="0" dirty="0"/>
               <a:t>❑ </a:t>
             </a:r>
             <a:r>
-              <a:rPr lang="ko-KR" altLang="en-US" sz="2400" b="0" dirty="0" err="1" smtClean="0"/>
+              <a:rPr lang="ko-KR" altLang="en-US" sz="2400" b="0" dirty="0" err="1"/>
               <a:t>모비율</a:t>
             </a:r>
             <a:r>
-              <a:rPr lang="ko-KR" altLang="en-US" sz="2400" b="0" dirty="0" smtClean="0"/>
+              <a:rPr lang="ko-KR" altLang="en-US" sz="2400" b="0" dirty="0"/>
               <a:t> 검정</a:t>
             </a:r>
             <a:endParaRPr lang="ko-KR" altLang="en-US" sz="1800" b="0" dirty="0"/>
           </a:p>
         </p:txBody>
       </p:sp>
-      <mc:AlternateContent xmlns:mc="http://schemas.openxmlformats.org/markup-compatibility/2006">
-        <mc:Choice xmlns:a14="http://schemas.microsoft.com/office/drawing/2010/main" Requires="a14">
+      <mc:AlternateContent xmlns:mc="http://schemas.openxmlformats.org/markup-compatibility/2006" xmlns:a14="http://schemas.microsoft.com/office/drawing/2010/main">
+        <mc:Choice Requires="a14">
           <p:sp>
             <p:nvSpPr>
               <p:cNvPr id="7" name="TextBox 6">
@@ -12958,7 +12959,7 @@
             </p:txBody>
           </p:sp>
         </mc:Choice>
-        <mc:Fallback>
+        <mc:Fallback xmlns="">
           <p:sp>
             <p:nvSpPr>
               <p:cNvPr id="7" name="TextBox 6">
@@ -13039,10 +13040,10 @@
               <a:buChar char="o"/>
             </a:pPr>
             <a:r>
-              <a:rPr lang="ko-KR" altLang="en-US" sz="1600" dirty="0" smtClean="0"/>
+              <a:rPr lang="ko-KR" altLang="en-US" sz="1600" dirty="0"/>
               <a:t>가설 설정</a:t>
             </a:r>
-            <a:endParaRPr lang="en-US" altLang="ko-KR" sz="1600" dirty="0" smtClean="0"/>
+            <a:endParaRPr lang="en-US" altLang="ko-KR" sz="1600" dirty="0"/>
           </a:p>
           <a:p>
             <a:pPr marL="742950" lvl="1" indent="-285750">
@@ -13053,26 +13054,26 @@
               <a:buChar char="√"/>
             </a:pPr>
             <a:r>
-              <a:rPr lang="ko-KR" altLang="en-US" sz="1600" dirty="0" err="1" smtClean="0"/>
+              <a:rPr lang="ko-KR" altLang="en-US" sz="1600" dirty="0" err="1"/>
               <a:t>귀무가설</a:t>
             </a:r>
             <a:r>
-              <a:rPr lang="en-US" altLang="ko-KR" sz="1600" dirty="0" smtClean="0"/>
+              <a:rPr lang="en-US" altLang="ko-KR" sz="1600" dirty="0"/>
               <a:t>: </a:t>
             </a:r>
             <a:r>
-              <a:rPr lang="ko-KR" altLang="en-US" sz="1600" dirty="0" smtClean="0"/>
+              <a:rPr lang="ko-KR" altLang="en-US" sz="1600" dirty="0"/>
               <a:t>핸드폰 액정의 불량률은 </a:t>
             </a:r>
             <a:r>
-              <a:rPr lang="en-US" altLang="ko-KR" sz="1600" dirty="0" smtClean="0"/>
+              <a:rPr lang="en-US" altLang="ko-KR" sz="1600" dirty="0"/>
               <a:t>10% </a:t>
             </a:r>
             <a:r>
-              <a:rPr lang="ko-KR" altLang="en-US" sz="1600" dirty="0" smtClean="0"/>
+              <a:rPr lang="ko-KR" altLang="en-US" sz="1600" dirty="0"/>
               <a:t>미만이다</a:t>
             </a:r>
-            <a:endParaRPr lang="en-US" altLang="ko-KR" sz="1600" dirty="0" smtClean="0"/>
+            <a:endParaRPr lang="en-US" altLang="ko-KR" sz="1600" dirty="0"/>
           </a:p>
           <a:p>
             <a:pPr marL="742950" lvl="1" indent="-285750">
@@ -13083,31 +13084,31 @@
               <a:buChar char="√"/>
             </a:pPr>
             <a:r>
-              <a:rPr lang="ko-KR" altLang="en-US" sz="1600" dirty="0" err="1" smtClean="0"/>
+              <a:rPr lang="ko-KR" altLang="en-US" sz="1600" dirty="0" err="1"/>
               <a:t>대립가설</a:t>
             </a:r>
             <a:r>
-              <a:rPr lang="en-US" altLang="ko-KR" sz="1600" dirty="0" smtClean="0"/>
+              <a:rPr lang="en-US" altLang="ko-KR" sz="1600" dirty="0"/>
               <a:t>: </a:t>
             </a:r>
             <a:r>
-              <a:rPr lang="ko-KR" altLang="en-US" sz="1600" dirty="0" smtClean="0"/>
+              <a:rPr lang="ko-KR" altLang="en-US" sz="1600" dirty="0"/>
               <a:t>핸드폰 액정의 불량률은 </a:t>
             </a:r>
             <a:r>
-              <a:rPr lang="en-US" altLang="ko-KR" sz="1600" dirty="0" smtClean="0"/>
+              <a:rPr lang="en-US" altLang="ko-KR" sz="1600" dirty="0"/>
               <a:t>10%</a:t>
             </a:r>
             <a:r>
-              <a:rPr lang="ko-KR" altLang="en-US" sz="1600" dirty="0" smtClean="0"/>
+              <a:rPr lang="ko-KR" altLang="en-US" sz="1600" dirty="0"/>
               <a:t>를 넘는다</a:t>
             </a:r>
-            <a:endParaRPr lang="en-US" altLang="ko-KR" sz="1600" dirty="0" smtClean="0"/>
+            <a:endParaRPr lang="en-US" altLang="ko-KR" sz="1600" dirty="0"/>
           </a:p>
         </p:txBody>
       </p:sp>
-      <mc:AlternateContent xmlns:mc="http://schemas.openxmlformats.org/markup-compatibility/2006">
-        <mc:Choice xmlns:a14="http://schemas.microsoft.com/office/drawing/2010/main" Requires="a14">
+      <mc:AlternateContent xmlns:mc="http://schemas.openxmlformats.org/markup-compatibility/2006" xmlns:a14="http://schemas.microsoft.com/office/drawing/2010/main">
+        <mc:Choice Requires="a14">
           <p:sp>
             <p:nvSpPr>
               <p:cNvPr id="4" name="TextBox 3"/>
@@ -13163,10 +13164,10 @@
                   </m:oMath>
                 </a14:m>
                 <a:r>
-                  <a:rPr lang="ko-KR" altLang="en-US" dirty="0" smtClean="0"/>
+                  <a:rPr lang="ko-KR" altLang="en-US" dirty="0"/>
                   <a:t>표본 비율</a:t>
                 </a:r>
-                <a:endParaRPr lang="en-US" altLang="ko-KR" dirty="0" smtClean="0"/>
+                <a:endParaRPr lang="en-US" altLang="ko-KR" dirty="0"/>
               </a:p>
               <a:p>
                 <a:pPr marL="285750" indent="-285750">
@@ -13209,15 +13210,15 @@
                   </m:oMath>
                 </a14:m>
                 <a:r>
-                  <a:rPr lang="ko-KR" altLang="en-US" dirty="0" err="1" smtClean="0"/>
+                  <a:rPr lang="ko-KR" altLang="en-US" dirty="0" err="1"/>
                   <a:t>귀무가설의</a:t>
                 </a:r>
                 <a:r>
-                  <a:rPr lang="ko-KR" altLang="en-US" dirty="0" smtClean="0"/>
+                  <a:rPr lang="ko-KR" altLang="en-US" dirty="0"/>
                   <a:t> </a:t>
                 </a:r>
                 <a:r>
-                  <a:rPr lang="ko-KR" altLang="en-US" dirty="0" err="1" smtClean="0"/>
+                  <a:rPr lang="ko-KR" altLang="en-US" dirty="0" err="1"/>
                   <a:t>모비율</a:t>
                 </a:r>
                 <a:endParaRPr lang="en-US" altLang="ko-KR" dirty="0"/>
@@ -13244,7 +13245,7 @@
                   </m:oMath>
                 </a14:m>
                 <a:r>
-                  <a:rPr lang="ko-KR" altLang="en-US" dirty="0" smtClean="0"/>
+                  <a:rPr lang="ko-KR" altLang="en-US" dirty="0"/>
                   <a:t> 표본의 개수</a:t>
                 </a:r>
                 <a:endParaRPr lang="en-US" altLang="ko-KR" dirty="0"/>
@@ -13252,7 +13253,7 @@
             </p:txBody>
           </p:sp>
         </mc:Choice>
-        <mc:Fallback>
+        <mc:Fallback xmlns="">
           <p:sp>
             <p:nvSpPr>
               <p:cNvPr id="4" name="TextBox 3"/>
@@ -13512,15 +13513,15 @@
               <a:buNone/>
             </a:pPr>
             <a:r>
-              <a:rPr lang="ko-KR" altLang="en-US" sz="2400" b="0" dirty="0" smtClean="0"/>
+              <a:rPr lang="ko-KR" altLang="en-US" sz="2400" b="0" dirty="0"/>
               <a:t>❑ </a:t>
             </a:r>
             <a:r>
-              <a:rPr lang="ko-KR" altLang="en-US" sz="2400" b="0" dirty="0" err="1" smtClean="0"/>
+              <a:rPr lang="ko-KR" altLang="en-US" sz="2400" b="0" dirty="0" err="1"/>
               <a:t>모비율</a:t>
             </a:r>
             <a:r>
-              <a:rPr lang="ko-KR" altLang="en-US" sz="2400" b="0" dirty="0" smtClean="0"/>
+              <a:rPr lang="ko-KR" altLang="en-US" sz="2400" b="0" dirty="0"/>
               <a:t> 검정</a:t>
             </a:r>
             <a:endParaRPr lang="ko-KR" altLang="en-US" sz="1800" b="0" dirty="0"/>
@@ -13563,10 +13564,10 @@
               <a:buChar char="o"/>
             </a:pPr>
             <a:r>
-              <a:rPr lang="ko-KR" altLang="en-US" sz="1600" dirty="0" smtClean="0"/>
+              <a:rPr lang="ko-KR" altLang="en-US" sz="1600" dirty="0"/>
               <a:t>가설 설정</a:t>
             </a:r>
-            <a:endParaRPr lang="en-US" altLang="ko-KR" sz="1600" dirty="0" smtClean="0"/>
+            <a:endParaRPr lang="en-US" altLang="ko-KR" sz="1600" dirty="0"/>
           </a:p>
           <a:p>
             <a:pPr marL="742950" lvl="1" indent="-285750">
@@ -13577,26 +13578,26 @@
               <a:buChar char="√"/>
             </a:pPr>
             <a:r>
-              <a:rPr lang="ko-KR" altLang="en-US" sz="1600" dirty="0" err="1" smtClean="0"/>
+              <a:rPr lang="ko-KR" altLang="en-US" sz="1600" dirty="0" err="1"/>
               <a:t>귀무가설</a:t>
             </a:r>
             <a:r>
-              <a:rPr lang="en-US" altLang="ko-KR" sz="1600" dirty="0" smtClean="0"/>
+              <a:rPr lang="en-US" altLang="ko-KR" sz="1600" dirty="0"/>
               <a:t>: </a:t>
             </a:r>
             <a:r>
-              <a:rPr lang="ko-KR" altLang="en-US" sz="1600" dirty="0" smtClean="0"/>
+              <a:rPr lang="ko-KR" altLang="en-US" sz="1600" dirty="0"/>
               <a:t>핸드폰 액정의 불량률은 </a:t>
             </a:r>
             <a:r>
-              <a:rPr lang="en-US" altLang="ko-KR" sz="1600" dirty="0" smtClean="0"/>
+              <a:rPr lang="en-US" altLang="ko-KR" sz="1600" dirty="0"/>
               <a:t>10% </a:t>
             </a:r>
             <a:r>
-              <a:rPr lang="ko-KR" altLang="en-US" sz="1600" dirty="0" smtClean="0"/>
+              <a:rPr lang="ko-KR" altLang="en-US" sz="1600" dirty="0"/>
               <a:t>미만이다</a:t>
             </a:r>
-            <a:endParaRPr lang="en-US" altLang="ko-KR" sz="1600" dirty="0" smtClean="0"/>
+            <a:endParaRPr lang="en-US" altLang="ko-KR" sz="1600" dirty="0"/>
           </a:p>
           <a:p>
             <a:pPr marL="742950" lvl="1" indent="-285750">
@@ -13607,26 +13608,26 @@
               <a:buChar char="√"/>
             </a:pPr>
             <a:r>
-              <a:rPr lang="ko-KR" altLang="en-US" sz="1600" dirty="0" err="1" smtClean="0"/>
+              <a:rPr lang="ko-KR" altLang="en-US" sz="1600" dirty="0" err="1"/>
               <a:t>대립가설</a:t>
             </a:r>
             <a:r>
-              <a:rPr lang="en-US" altLang="ko-KR" sz="1600" dirty="0" smtClean="0"/>
+              <a:rPr lang="en-US" altLang="ko-KR" sz="1600" dirty="0"/>
               <a:t>: </a:t>
             </a:r>
             <a:r>
-              <a:rPr lang="ko-KR" altLang="en-US" sz="1600" dirty="0" smtClean="0"/>
+              <a:rPr lang="ko-KR" altLang="en-US" sz="1600" dirty="0"/>
               <a:t>핸드폰 액정의 불량률은 </a:t>
             </a:r>
             <a:r>
-              <a:rPr lang="en-US" altLang="ko-KR" sz="1600" dirty="0" smtClean="0"/>
+              <a:rPr lang="en-US" altLang="ko-KR" sz="1600" dirty="0"/>
               <a:t>10%</a:t>
             </a:r>
             <a:r>
-              <a:rPr lang="ko-KR" altLang="en-US" sz="1600" dirty="0" smtClean="0"/>
+              <a:rPr lang="ko-KR" altLang="en-US" sz="1600" dirty="0"/>
               <a:t>를 넘는다</a:t>
             </a:r>
-            <a:endParaRPr lang="en-US" altLang="ko-KR" sz="1600" dirty="0" smtClean="0"/>
+            <a:endParaRPr lang="en-US" altLang="ko-KR" sz="1600" dirty="0"/>
           </a:p>
           <a:p>
             <a:pPr marL="285750" lvl="0" indent="-285750">
@@ -13637,7 +13638,7 @@
               <a:buChar char="o"/>
             </a:pPr>
             <a:r>
-              <a:rPr lang="ko-KR" altLang="en-US" sz="1600" dirty="0" smtClean="0">
+              <a:rPr lang="ko-KR" altLang="en-US" sz="1600" dirty="0">
                 <a:solidFill>
                   <a:srgbClr val="000000"/>
                 </a:solidFill>
@@ -13659,39 +13660,39 @@
               <a:buChar char="√"/>
             </a:pPr>
             <a:r>
-              <a:rPr lang="ko-KR" altLang="en-US" sz="1600" dirty="0" smtClean="0"/>
+              <a:rPr lang="ko-KR" altLang="en-US" sz="1600" dirty="0"/>
               <a:t>표본의 수는 </a:t>
             </a:r>
             <a:r>
-              <a:rPr lang="en-US" altLang="ko-KR" sz="1600" dirty="0" smtClean="0"/>
+              <a:rPr lang="en-US" altLang="ko-KR" sz="1600" dirty="0"/>
               <a:t>200</a:t>
             </a:r>
             <a:r>
-              <a:rPr lang="ko-KR" altLang="en-US" sz="1600" dirty="0" smtClean="0"/>
+              <a:rPr lang="ko-KR" altLang="en-US" sz="1600" dirty="0"/>
               <a:t>개</a:t>
             </a:r>
             <a:r>
-              <a:rPr lang="en-US" altLang="ko-KR" sz="1600" dirty="0" smtClean="0"/>
+              <a:rPr lang="en-US" altLang="ko-KR" sz="1600" dirty="0"/>
               <a:t>, </a:t>
             </a:r>
             <a:r>
-              <a:rPr lang="ko-KR" altLang="en-US" sz="1600" dirty="0" smtClean="0"/>
+              <a:rPr lang="ko-KR" altLang="en-US" sz="1600" dirty="0"/>
               <a:t>총 </a:t>
             </a:r>
             <a:r>
-              <a:rPr lang="en-US" altLang="ko-KR" sz="1600" dirty="0" smtClean="0"/>
+              <a:rPr lang="en-US" altLang="ko-KR" sz="1600" dirty="0"/>
               <a:t>22</a:t>
             </a:r>
             <a:r>
-              <a:rPr lang="ko-KR" altLang="en-US" sz="1600" dirty="0" smtClean="0"/>
+              <a:rPr lang="ko-KR" altLang="en-US" sz="1600" dirty="0"/>
               <a:t>개가 불량으로 확인됨</a:t>
             </a:r>
-            <a:endParaRPr lang="en-US" altLang="ko-KR" sz="1600" dirty="0" smtClean="0"/>
+            <a:endParaRPr lang="en-US" altLang="ko-KR" sz="1600" dirty="0"/>
           </a:p>
         </p:txBody>
       </p:sp>
-      <mc:AlternateContent xmlns:mc="http://schemas.openxmlformats.org/markup-compatibility/2006">
-        <mc:Choice xmlns:a14="http://schemas.microsoft.com/office/drawing/2010/main" Requires="a14">
+      <mc:AlternateContent xmlns:mc="http://schemas.openxmlformats.org/markup-compatibility/2006" xmlns:a14="http://schemas.microsoft.com/office/drawing/2010/main">
+        <mc:Choice Requires="a14">
           <p:sp>
             <p:nvSpPr>
               <p:cNvPr id="7" name="TextBox 6">
@@ -13906,7 +13907,7 @@
             </p:txBody>
           </p:sp>
         </mc:Choice>
-        <mc:Fallback>
+        <mc:Fallback xmlns="">
           <p:sp>
             <p:nvSpPr>
               <p:cNvPr id="7" name="TextBox 6">
@@ -13955,6 +13956,317 @@
     <p:extLst>
       <p:ext uri="{BB962C8B-B14F-4D97-AF65-F5344CB8AC3E}">
         <p14:creationId xmlns:p14="http://schemas.microsoft.com/office/powerpoint/2010/main" val="526941816"/>
+      </p:ext>
+    </p:extLst>
+  </p:cSld>
+  <p:clrMapOvr>
+    <a:masterClrMapping/>
+  </p:clrMapOvr>
+</p:sld>
+</file>
+
+<file path=ppt/slides/slide22.xml><?xml version="1.0" encoding="utf-8"?>
+<p:sld xmlns:a="http://schemas.openxmlformats.org/drawingml/2006/main" xmlns:r="http://schemas.openxmlformats.org/officeDocument/2006/relationships" xmlns:p="http://schemas.openxmlformats.org/presentationml/2006/main">
+  <p:cSld>
+    <p:spTree>
+      <p:nvGrpSpPr>
+        <p:cNvPr id="1" name=""/>
+        <p:cNvGrpSpPr/>
+        <p:nvPr/>
+      </p:nvGrpSpPr>
+      <p:grpSpPr>
+        <a:xfrm>
+          <a:off x="0" y="0"/>
+          <a:ext cx="0" cy="0"/>
+          <a:chOff x="0" y="0"/>
+          <a:chExt cx="0" cy="0"/>
+        </a:xfrm>
+      </p:grpSpPr>
+      <p:sp>
+        <p:nvSpPr>
+          <p:cNvPr id="5" name="TextBox 4">
+            <a:extLst>
+              <a:ext uri="{FF2B5EF4-FFF2-40B4-BE49-F238E27FC236}">
+                <a16:creationId xmlns:a16="http://schemas.microsoft.com/office/drawing/2014/main" id="{1222C5BD-354A-B546-981C-AF3407B6864D}"/>
+              </a:ext>
+            </a:extLst>
+          </p:cNvPr>
+          <p:cNvSpPr txBox="1">
+            <a:spLocks noChangeArrowheads="1"/>
+          </p:cNvSpPr>
+          <p:nvPr/>
+        </p:nvSpPr>
+        <p:spPr bwMode="auto">
+          <a:xfrm>
+            <a:off x="596516" y="152636"/>
+            <a:ext cx="9074150" cy="854080"/>
+          </a:xfrm>
+          <a:prstGeom prst="rect">
+            <a:avLst/>
+          </a:prstGeom>
+          <a:noFill/>
+          <a:ln>
+            <a:noFill/>
+          </a:ln>
+          <a:effectLst/>
+          <a:extLst>
+            <a:ext uri="{909E8E84-426E-40DD-AFC4-6F175D3DCCD1}">
+              <a14:hiddenFill xmlns:a14="http://schemas.microsoft.com/office/drawing/2010/main">
+                <a:solidFill>
+                  <a:schemeClr val="accent1"/>
+                </a:solidFill>
+              </a14:hiddenFill>
+            </a:ext>
+            <a:ext uri="{91240B29-F687-4F45-9708-019B960494DF}">
+              <a14:hiddenLine xmlns:a14="http://schemas.microsoft.com/office/drawing/2010/main" w="9525" algn="ctr">
+                <a:solidFill>
+                  <a:schemeClr val="tx1"/>
+                </a:solidFill>
+                <a:miter lim="800000"/>
+                <a:headEnd/>
+                <a:tailEnd/>
+              </a14:hiddenLine>
+            </a:ext>
+            <a:ext uri="{AF507438-7753-43E0-B8FC-AC1667EBCBE1}">
+              <a14:hiddenEffects xmlns:a14="http://schemas.microsoft.com/office/drawing/2010/main">
+                <a:effectLst>
+                  <a:outerShdw dist="35921" dir="2700000" algn="ctr" rotWithShape="0">
+                    <a:schemeClr val="bg2"/>
+                  </a:outerShdw>
+                </a:effectLst>
+              </a14:hiddenEffects>
+            </a:ext>
+          </a:extLst>
+        </p:spPr>
+        <p:txBody>
+          <a:bodyPr>
+            <a:spAutoFit/>
+          </a:bodyPr>
+          <a:lstStyle>
+            <a:lvl1pPr marL="261938" indent="-261938" eaLnBrk="0" hangingPunct="0">
+              <a:defRPr kumimoji="1" sz="1400" b="1">
+                <a:solidFill>
+                  <a:schemeClr val="tx1"/>
+                </a:solidFill>
+                <a:latin typeface="맑은 고딕" pitchFamily="50" charset="-127"/>
+                <a:ea typeface="맑은 고딕" pitchFamily="50" charset="-127"/>
+              </a:defRPr>
+            </a:lvl1pPr>
+            <a:lvl2pPr marL="441325" indent="-177800" eaLnBrk="0" hangingPunct="0">
+              <a:defRPr kumimoji="1" sz="1400" b="1">
+                <a:solidFill>
+                  <a:schemeClr val="tx1"/>
+                </a:solidFill>
+                <a:latin typeface="맑은 고딕" pitchFamily="50" charset="-127"/>
+                <a:ea typeface="맑은 고딕" pitchFamily="50" charset="-127"/>
+              </a:defRPr>
+            </a:lvl2pPr>
+            <a:lvl3pPr marL="603250" indent="-160338" eaLnBrk="0" hangingPunct="0">
+              <a:defRPr kumimoji="1" sz="1400" b="1">
+                <a:solidFill>
+                  <a:schemeClr val="tx1"/>
+                </a:solidFill>
+                <a:latin typeface="맑은 고딕" pitchFamily="50" charset="-127"/>
+                <a:ea typeface="맑은 고딕" pitchFamily="50" charset="-127"/>
+              </a:defRPr>
+            </a:lvl3pPr>
+            <a:lvl4pPr marL="1600200" indent="-228600" eaLnBrk="0" hangingPunct="0">
+              <a:defRPr kumimoji="1" sz="1400" b="1">
+                <a:solidFill>
+                  <a:schemeClr val="tx1"/>
+                </a:solidFill>
+                <a:latin typeface="맑은 고딕" pitchFamily="50" charset="-127"/>
+                <a:ea typeface="맑은 고딕" pitchFamily="50" charset="-127"/>
+              </a:defRPr>
+            </a:lvl4pPr>
+            <a:lvl5pPr marL="2057400" indent="-228600" eaLnBrk="0" hangingPunct="0">
+              <a:defRPr kumimoji="1" sz="1400" b="1">
+                <a:solidFill>
+                  <a:schemeClr val="tx1"/>
+                </a:solidFill>
+                <a:latin typeface="맑은 고딕" pitchFamily="50" charset="-127"/>
+                <a:ea typeface="맑은 고딕" pitchFamily="50" charset="-127"/>
+              </a:defRPr>
+            </a:lvl5pPr>
+            <a:lvl6pPr marL="2514600" indent="-228600" eaLnBrk="0" fontAlgn="base" hangingPunct="0">
+              <a:lnSpc>
+                <a:spcPct val="120000"/>
+              </a:lnSpc>
+              <a:spcBef>
+                <a:spcPct val="30000"/>
+              </a:spcBef>
+              <a:spcAft>
+                <a:spcPct val="0"/>
+              </a:spcAft>
+              <a:buChar char="•"/>
+              <a:defRPr kumimoji="1" sz="1400" b="1">
+                <a:solidFill>
+                  <a:schemeClr val="tx1"/>
+                </a:solidFill>
+                <a:latin typeface="맑은 고딕" pitchFamily="50" charset="-127"/>
+                <a:ea typeface="맑은 고딕" pitchFamily="50" charset="-127"/>
+              </a:defRPr>
+            </a:lvl6pPr>
+            <a:lvl7pPr marL="2971800" indent="-228600" eaLnBrk="0" fontAlgn="base" hangingPunct="0">
+              <a:lnSpc>
+                <a:spcPct val="120000"/>
+              </a:lnSpc>
+              <a:spcBef>
+                <a:spcPct val="30000"/>
+              </a:spcBef>
+              <a:spcAft>
+                <a:spcPct val="0"/>
+              </a:spcAft>
+              <a:buChar char="•"/>
+              <a:defRPr kumimoji="1" sz="1400" b="1">
+                <a:solidFill>
+                  <a:schemeClr val="tx1"/>
+                </a:solidFill>
+                <a:latin typeface="맑은 고딕" pitchFamily="50" charset="-127"/>
+                <a:ea typeface="맑은 고딕" pitchFamily="50" charset="-127"/>
+              </a:defRPr>
+            </a:lvl7pPr>
+            <a:lvl8pPr marL="3429000" indent="-228600" eaLnBrk="0" fontAlgn="base" hangingPunct="0">
+              <a:lnSpc>
+                <a:spcPct val="120000"/>
+              </a:lnSpc>
+              <a:spcBef>
+                <a:spcPct val="30000"/>
+              </a:spcBef>
+              <a:spcAft>
+                <a:spcPct val="0"/>
+              </a:spcAft>
+              <a:buChar char="•"/>
+              <a:defRPr kumimoji="1" sz="1400" b="1">
+                <a:solidFill>
+                  <a:schemeClr val="tx1"/>
+                </a:solidFill>
+                <a:latin typeface="맑은 고딕" pitchFamily="50" charset="-127"/>
+                <a:ea typeface="맑은 고딕" pitchFamily="50" charset="-127"/>
+              </a:defRPr>
+            </a:lvl8pPr>
+            <a:lvl9pPr marL="3886200" indent="-228600" eaLnBrk="0" fontAlgn="base" hangingPunct="0">
+              <a:lnSpc>
+                <a:spcPct val="120000"/>
+              </a:lnSpc>
+              <a:spcBef>
+                <a:spcPct val="30000"/>
+              </a:spcBef>
+              <a:spcAft>
+                <a:spcPct val="0"/>
+              </a:spcAft>
+              <a:buChar char="•"/>
+              <a:defRPr kumimoji="1" sz="1400" b="1">
+                <a:solidFill>
+                  <a:schemeClr val="tx1"/>
+                </a:solidFill>
+                <a:latin typeface="맑은 고딕" pitchFamily="50" charset="-127"/>
+                <a:ea typeface="맑은 고딕" pitchFamily="50" charset="-127"/>
+              </a:defRPr>
+            </a:lvl9pPr>
+          </a:lstStyle>
+          <a:p>
+            <a:pPr marL="0" indent="0" eaLnBrk="1" hangingPunct="1">
+              <a:lnSpc>
+                <a:spcPct val="250000"/>
+              </a:lnSpc>
+              <a:buNone/>
+            </a:pPr>
+            <a:r>
+              <a:rPr lang="ko-KR" altLang="en-US" sz="2400" b="0" dirty="0"/>
+              <a:t>❑ 주요 참고자료</a:t>
+            </a:r>
+            <a:endParaRPr lang="ko-KR" altLang="en-US" sz="1800" b="0" dirty="0"/>
+          </a:p>
+        </p:txBody>
+      </p:sp>
+      <p:pic>
+        <p:nvPicPr>
+          <p:cNvPr id="1026" name="Picture 2">
+            <a:extLst>
+              <a:ext uri="{FF2B5EF4-FFF2-40B4-BE49-F238E27FC236}">
+                <a16:creationId xmlns:a16="http://schemas.microsoft.com/office/drawing/2014/main" id="{612EBA91-5499-1541-BB64-BCB7EE0E24EF}"/>
+              </a:ext>
+            </a:extLst>
+          </p:cNvPr>
+          <p:cNvPicPr>
+            <a:picLocks noChangeAspect="1" noChangeArrowheads="1"/>
+          </p:cNvPicPr>
+          <p:nvPr/>
+        </p:nvPicPr>
+        <p:blipFill>
+          <a:blip r:embed="rId2">
+            <a:extLst>
+              <a:ext uri="{28A0092B-C50C-407E-A947-70E740481C1C}">
+                <a14:useLocalDpi xmlns:a14="http://schemas.microsoft.com/office/drawing/2010/main" val="0"/>
+              </a:ext>
+            </a:extLst>
+          </a:blip>
+          <a:srcRect/>
+          <a:stretch>
+            <a:fillRect/>
+          </a:stretch>
+        </p:blipFill>
+        <p:spPr bwMode="auto">
+          <a:xfrm>
+            <a:off x="992560" y="1196752"/>
+            <a:ext cx="3564056" cy="4855478"/>
+          </a:xfrm>
+          <a:prstGeom prst="rect">
+            <a:avLst/>
+          </a:prstGeom>
+          <a:noFill/>
+          <a:extLst>
+            <a:ext uri="{909E8E84-426E-40DD-AFC4-6F175D3DCCD1}">
+              <a14:hiddenFill xmlns:a14="http://schemas.microsoft.com/office/drawing/2010/main">
+                <a:solidFill>
+                  <a:srgbClr val="FFFFFF"/>
+                </a:solidFill>
+              </a14:hiddenFill>
+            </a:ext>
+          </a:extLst>
+        </p:spPr>
+      </p:pic>
+      <p:pic>
+        <p:nvPicPr>
+          <p:cNvPr id="3" name="Picture 2" descr="A picture containing logo&#10;&#10;Description automatically generated">
+            <a:extLst>
+              <a:ext uri="{FF2B5EF4-FFF2-40B4-BE49-F238E27FC236}">
+                <a16:creationId xmlns:a16="http://schemas.microsoft.com/office/drawing/2014/main" id="{E44BA238-8F1A-2E44-9632-91F0FD1DC3AF}"/>
+              </a:ext>
+            </a:extLst>
+          </p:cNvPr>
+          <p:cNvPicPr>
+            <a:picLocks noChangeAspect="1"/>
+          </p:cNvPicPr>
+          <p:nvPr/>
+        </p:nvPicPr>
+        <p:blipFill>
+          <a:blip r:embed="rId3">
+            <a:extLst>
+              <a:ext uri="{28A0092B-C50C-407E-A947-70E740481C1C}">
+                <a14:useLocalDpi xmlns:a14="http://schemas.microsoft.com/office/drawing/2010/main" val="0"/>
+              </a:ext>
+            </a:extLst>
+          </a:blip>
+          <a:stretch>
+            <a:fillRect/>
+          </a:stretch>
+        </p:blipFill>
+        <p:spPr>
+          <a:xfrm>
+            <a:off x="5349386" y="1297923"/>
+            <a:ext cx="3454085" cy="4653136"/>
+          </a:xfrm>
+          <a:prstGeom prst="rect">
+            <a:avLst/>
+          </a:prstGeom>
+        </p:spPr>
+      </p:pic>
+    </p:spTree>
+    <p:extLst>
+      <p:ext uri="{BB962C8B-B14F-4D97-AF65-F5344CB8AC3E}">
+        <p14:creationId xmlns:p14="http://schemas.microsoft.com/office/powerpoint/2010/main" val="2053060772"/>
       </p:ext>
     </p:extLst>
   </p:cSld>
@@ -15059,7 +15371,7 @@
                 </a:r>
                 <a:r>
                   <a:rPr lang="ko-KR" altLang="en-US" sz="1600" dirty="0"/>
-                  <a:t> 단측 검정</a:t>
+                  <a:t> 우측 검정</a:t>
                 </a:r>
                 <a:endParaRPr lang="en-US" altLang="ko-KR" sz="1600" dirty="0"/>
               </a:p>
